--- a/trunk/doc/PPT/PaperLens Archetecture.pptx
+++ b/trunk/doc/PPT/PaperLens Archetecture.pptx
@@ -6,6 +6,17 @@
   </p:sldMasterIdLst>
   <p:sldIdLst>
     <p:sldId id="256" r:id="rId2"/>
+    <p:sldId id="257" r:id="rId3"/>
+    <p:sldId id="258" r:id="rId4"/>
+    <p:sldId id="259" r:id="rId5"/>
+    <p:sldId id="260" r:id="rId6"/>
+    <p:sldId id="261" r:id="rId7"/>
+    <p:sldId id="262" r:id="rId8"/>
+    <p:sldId id="263" r:id="rId9"/>
+    <p:sldId id="264" r:id="rId10"/>
+    <p:sldId id="265" r:id="rId11"/>
+    <p:sldId id="266" r:id="rId12"/>
+    <p:sldId id="267" r:id="rId13"/>
   </p:sldIdLst>
   <p:sldSz cx="9144000" cy="6858000" type="screen4x3"/>
   <p:notesSz cx="6858000" cy="9144000"/>
@@ -3082,10 +3093,3880 @@
           <a:lstStyle/>
           <a:p>
             <a:r>
-              <a:rPr lang="en-US" altLang="zh-CN" smtClean="0"/>
+              <a:rPr lang="en-US" altLang="zh-CN" dirty="0" smtClean="0"/>
               <a:t>xlvector@gmail.com</a:t>
             </a:r>
-            <a:endParaRPr lang="zh-CN" altLang="en-US"/>
+            <a:endParaRPr lang="zh-CN" altLang="en-US" dirty="0"/>
+          </a:p>
+        </p:txBody>
+      </p:sp>
+    </p:spTree>
+  </p:cSld>
+  <p:clrMapOvr>
+    <a:masterClrMapping/>
+  </p:clrMapOvr>
+</p:sld>
+</file>
+
+<file path=ppt/slides/slide10.xml><?xml version="1.0" encoding="utf-8"?>
+<p:sld xmlns:a="http://schemas.openxmlformats.org/drawingml/2006/main" xmlns:r="http://schemas.openxmlformats.org/officeDocument/2006/relationships" xmlns:p="http://schemas.openxmlformats.org/presentationml/2006/main">
+  <p:cSld>
+    <p:spTree>
+      <p:nvGrpSpPr>
+        <p:cNvPr id="1" name=""/>
+        <p:cNvGrpSpPr/>
+        <p:nvPr/>
+      </p:nvGrpSpPr>
+      <p:grpSpPr>
+        <a:xfrm>
+          <a:off x="0" y="0"/>
+          <a:ext cx="0" cy="0"/>
+          <a:chOff x="0" y="0"/>
+          <a:chExt cx="0" cy="0"/>
+        </a:xfrm>
+      </p:grpSpPr>
+      <p:sp>
+        <p:nvSpPr>
+          <p:cNvPr id="2" name="标题 1"/>
+          <p:cNvSpPr>
+            <a:spLocks noGrp="1"/>
+          </p:cNvSpPr>
+          <p:nvPr>
+            <p:ph type="title"/>
+          </p:nvPr>
+        </p:nvSpPr>
+        <p:spPr/>
+        <p:txBody>
+          <a:bodyPr/>
+          <a:lstStyle/>
+          <a:p>
+            <a:r>
+              <a:rPr lang="en-US" altLang="zh-CN" dirty="0" smtClean="0"/>
+              <a:t>Site</a:t>
+            </a:r>
+            <a:endParaRPr lang="zh-CN" altLang="en-US" dirty="0"/>
+          </a:p>
+        </p:txBody>
+      </p:sp>
+      <p:sp>
+        <p:nvSpPr>
+          <p:cNvPr id="3" name="内容占位符 2"/>
+          <p:cNvSpPr>
+            <a:spLocks noGrp="1"/>
+          </p:cNvSpPr>
+          <p:nvPr>
+            <p:ph idx="1"/>
+          </p:nvPr>
+        </p:nvSpPr>
+        <p:spPr/>
+        <p:txBody>
+          <a:bodyPr/>
+          <a:lstStyle/>
+          <a:p>
+            <a:r>
+              <a:rPr lang="en-US" altLang="zh-CN" dirty="0" smtClean="0"/>
+              <a:t>Home page</a:t>
+            </a:r>
+          </a:p>
+          <a:p>
+            <a:r>
+              <a:rPr lang="en-US" altLang="zh-CN" dirty="0" smtClean="0"/>
+              <a:t>Personal home page</a:t>
+            </a:r>
+          </a:p>
+          <a:p>
+            <a:r>
+              <a:rPr lang="en-US" altLang="zh-CN" dirty="0" smtClean="0"/>
+              <a:t>Search page</a:t>
+            </a:r>
+          </a:p>
+          <a:p>
+            <a:r>
+              <a:rPr lang="en-US" altLang="zh-CN" dirty="0" smtClean="0"/>
+              <a:t>Paper page</a:t>
+            </a:r>
+          </a:p>
+          <a:p>
+            <a:r>
+              <a:rPr lang="en-US" altLang="zh-CN" dirty="0" smtClean="0"/>
+              <a:t>Author paper</a:t>
+            </a:r>
+          </a:p>
+          <a:p>
+            <a:r>
+              <a:rPr lang="en-US" altLang="zh-CN" dirty="0" smtClean="0"/>
+              <a:t>Account page</a:t>
+            </a:r>
+            <a:endParaRPr lang="zh-CN" altLang="en-US" dirty="0"/>
+          </a:p>
+        </p:txBody>
+      </p:sp>
+    </p:spTree>
+  </p:cSld>
+  <p:clrMapOvr>
+    <a:masterClrMapping/>
+  </p:clrMapOvr>
+</p:sld>
+</file>
+
+<file path=ppt/slides/slide11.xml><?xml version="1.0" encoding="utf-8"?>
+<p:sld xmlns:a="http://schemas.openxmlformats.org/drawingml/2006/main" xmlns:r="http://schemas.openxmlformats.org/officeDocument/2006/relationships" xmlns:p="http://schemas.openxmlformats.org/presentationml/2006/main">
+  <p:cSld>
+    <p:spTree>
+      <p:nvGrpSpPr>
+        <p:cNvPr id="1" name=""/>
+        <p:cNvGrpSpPr/>
+        <p:nvPr/>
+      </p:nvGrpSpPr>
+      <p:grpSpPr>
+        <a:xfrm>
+          <a:off x="0" y="0"/>
+          <a:ext cx="0" cy="0"/>
+          <a:chOff x="0" y="0"/>
+          <a:chExt cx="0" cy="0"/>
+        </a:xfrm>
+      </p:grpSpPr>
+      <p:sp>
+        <p:nvSpPr>
+          <p:cNvPr id="3" name="标题 2"/>
+          <p:cNvSpPr>
+            <a:spLocks noGrp="1"/>
+          </p:cNvSpPr>
+          <p:nvPr>
+            <p:ph type="title"/>
+          </p:nvPr>
+        </p:nvSpPr>
+        <p:spPr/>
+        <p:txBody>
+          <a:bodyPr/>
+          <a:lstStyle/>
+          <a:p>
+            <a:r>
+              <a:rPr lang="en-US" altLang="zh-CN" dirty="0" smtClean="0"/>
+              <a:t>Site : homepage</a:t>
+            </a:r>
+            <a:endParaRPr lang="zh-CN" altLang="en-US" dirty="0"/>
+          </a:p>
+        </p:txBody>
+      </p:sp>
+      <p:sp>
+        <p:nvSpPr>
+          <p:cNvPr id="4" name="内容占位符 3"/>
+          <p:cNvSpPr>
+            <a:spLocks noGrp="1"/>
+          </p:cNvSpPr>
+          <p:nvPr>
+            <p:ph idx="1"/>
+          </p:nvPr>
+        </p:nvSpPr>
+        <p:spPr/>
+        <p:txBody>
+          <a:bodyPr/>
+          <a:lstStyle/>
+          <a:p>
+            <a:r>
+              <a:rPr lang="en-US" altLang="zh-CN" dirty="0" smtClean="0"/>
+              <a:t>Introduction of </a:t>
+            </a:r>
+            <a:r>
+              <a:rPr lang="en-US" altLang="zh-CN" dirty="0" err="1" smtClean="0"/>
+              <a:t>paperlens</a:t>
+            </a:r>
+            <a:endParaRPr lang="en-US" altLang="zh-CN" dirty="0" smtClean="0"/>
+          </a:p>
+          <a:p>
+            <a:r>
+              <a:rPr lang="en-US" altLang="zh-CN" dirty="0" smtClean="0"/>
+              <a:t>signup / login</a:t>
+            </a:r>
+          </a:p>
+        </p:txBody>
+      </p:sp>
+    </p:spTree>
+  </p:cSld>
+  <p:clrMapOvr>
+    <a:masterClrMapping/>
+  </p:clrMapOvr>
+</p:sld>
+</file>
+
+<file path=ppt/slides/slide12.xml><?xml version="1.0" encoding="utf-8"?>
+<p:sld xmlns:a="http://schemas.openxmlformats.org/drawingml/2006/main" xmlns:r="http://schemas.openxmlformats.org/officeDocument/2006/relationships" xmlns:p="http://schemas.openxmlformats.org/presentationml/2006/main">
+  <p:cSld>
+    <p:spTree>
+      <p:nvGrpSpPr>
+        <p:cNvPr id="1" name=""/>
+        <p:cNvGrpSpPr/>
+        <p:nvPr/>
+      </p:nvGrpSpPr>
+      <p:grpSpPr>
+        <a:xfrm>
+          <a:off x="0" y="0"/>
+          <a:ext cx="0" cy="0"/>
+          <a:chOff x="0" y="0"/>
+          <a:chExt cx="0" cy="0"/>
+        </a:xfrm>
+      </p:grpSpPr>
+      <p:sp>
+        <p:nvSpPr>
+          <p:cNvPr id="3" name="标题 2"/>
+          <p:cNvSpPr>
+            <a:spLocks noGrp="1"/>
+          </p:cNvSpPr>
+          <p:nvPr>
+            <p:ph type="title"/>
+          </p:nvPr>
+        </p:nvSpPr>
+        <p:spPr/>
+        <p:txBody>
+          <a:bodyPr/>
+          <a:lstStyle/>
+          <a:p>
+            <a:r>
+              <a:rPr lang="en-US" altLang="zh-CN" dirty="0" smtClean="0"/>
+              <a:t>Site : personal homepage</a:t>
+            </a:r>
+            <a:endParaRPr lang="zh-CN" altLang="en-US" dirty="0"/>
+          </a:p>
+        </p:txBody>
+      </p:sp>
+      <p:sp>
+        <p:nvSpPr>
+          <p:cNvPr id="4" name="内容占位符 3"/>
+          <p:cNvSpPr>
+            <a:spLocks noGrp="1"/>
+          </p:cNvSpPr>
+          <p:nvPr>
+            <p:ph idx="1"/>
+          </p:nvPr>
+        </p:nvSpPr>
+        <p:spPr/>
+        <p:txBody>
+          <a:bodyPr/>
+          <a:lstStyle/>
+          <a:p>
+            <a:r>
+              <a:rPr lang="en-US" altLang="zh-CN" dirty="0" smtClean="0"/>
+              <a:t>Recommendations</a:t>
+            </a:r>
+          </a:p>
+          <a:p>
+            <a:pPr lvl="1"/>
+            <a:r>
+              <a:rPr lang="en-US" altLang="zh-CN" dirty="0" smtClean="0"/>
+              <a:t>Paper</a:t>
+            </a:r>
+          </a:p>
+          <a:p>
+            <a:pPr lvl="1"/>
+            <a:r>
+              <a:rPr lang="en-US" altLang="zh-CN" dirty="0" smtClean="0"/>
+              <a:t>Author</a:t>
+            </a:r>
+            <a:endParaRPr lang="en-US" altLang="zh-CN" dirty="0"/>
+          </a:p>
+          <a:p>
+            <a:r>
+              <a:rPr lang="en-US" altLang="zh-CN" dirty="0" smtClean="0"/>
+              <a:t>Frequent search terms</a:t>
+            </a:r>
+          </a:p>
+        </p:txBody>
+      </p:sp>
+    </p:spTree>
+  </p:cSld>
+  <p:clrMapOvr>
+    <a:masterClrMapping/>
+  </p:clrMapOvr>
+</p:sld>
+</file>
+
+<file path=ppt/slides/slide2.xml><?xml version="1.0" encoding="utf-8"?>
+<p:sld xmlns:a="http://schemas.openxmlformats.org/drawingml/2006/main" xmlns:r="http://schemas.openxmlformats.org/officeDocument/2006/relationships" xmlns:p="http://schemas.openxmlformats.org/presentationml/2006/main">
+  <p:cSld>
+    <p:spTree>
+      <p:nvGrpSpPr>
+        <p:cNvPr id="1" name=""/>
+        <p:cNvGrpSpPr/>
+        <p:nvPr/>
+      </p:nvGrpSpPr>
+      <p:grpSpPr>
+        <a:xfrm>
+          <a:off x="0" y="0"/>
+          <a:ext cx="0" cy="0"/>
+          <a:chOff x="0" y="0"/>
+          <a:chExt cx="0" cy="0"/>
+        </a:xfrm>
+      </p:grpSpPr>
+      <p:sp>
+        <p:nvSpPr>
+          <p:cNvPr id="2" name="标题 1"/>
+          <p:cNvSpPr>
+            <a:spLocks noGrp="1"/>
+          </p:cNvSpPr>
+          <p:nvPr>
+            <p:ph type="title"/>
+          </p:nvPr>
+        </p:nvSpPr>
+        <p:spPr/>
+        <p:txBody>
+          <a:bodyPr/>
+          <a:lstStyle/>
+          <a:p>
+            <a:r>
+              <a:rPr lang="en-US" altLang="zh-CN" dirty="0" smtClean="0"/>
+              <a:t>Sub Systems</a:t>
+            </a:r>
+            <a:endParaRPr lang="zh-CN" altLang="en-US" dirty="0"/>
+          </a:p>
+        </p:txBody>
+      </p:sp>
+      <p:sp>
+        <p:nvSpPr>
+          <p:cNvPr id="3" name="内容占位符 2"/>
+          <p:cNvSpPr>
+            <a:spLocks noGrp="1"/>
+          </p:cNvSpPr>
+          <p:nvPr>
+            <p:ph idx="1"/>
+          </p:nvPr>
+        </p:nvSpPr>
+        <p:spPr/>
+        <p:txBody>
+          <a:bodyPr/>
+          <a:lstStyle/>
+          <a:p>
+            <a:r>
+              <a:rPr lang="en-US" altLang="zh-CN" dirty="0" smtClean="0"/>
+              <a:t>Importer</a:t>
+            </a:r>
+          </a:p>
+          <a:p>
+            <a:r>
+              <a:rPr lang="en-US" altLang="zh-CN" dirty="0" smtClean="0"/>
+              <a:t>Search Engine</a:t>
+            </a:r>
+          </a:p>
+          <a:p>
+            <a:r>
+              <a:rPr lang="en-US" altLang="zh-CN" dirty="0" smtClean="0"/>
+              <a:t>Recommender System</a:t>
+            </a:r>
+          </a:p>
+          <a:p>
+            <a:r>
+              <a:rPr lang="en-US" altLang="zh-CN" dirty="0" smtClean="0"/>
+              <a:t>Site</a:t>
+            </a:r>
+          </a:p>
+          <a:p>
+            <a:endParaRPr lang="zh-CN" altLang="en-US" dirty="0"/>
+          </a:p>
+        </p:txBody>
+      </p:sp>
+    </p:spTree>
+  </p:cSld>
+  <p:clrMapOvr>
+    <a:masterClrMapping/>
+  </p:clrMapOvr>
+</p:sld>
+</file>
+
+<file path=ppt/slides/slide3.xml><?xml version="1.0" encoding="utf-8"?>
+<p:sld xmlns:a="http://schemas.openxmlformats.org/drawingml/2006/main" xmlns:r="http://schemas.openxmlformats.org/officeDocument/2006/relationships" xmlns:p="http://schemas.openxmlformats.org/presentationml/2006/main">
+  <p:cSld>
+    <p:spTree>
+      <p:nvGrpSpPr>
+        <p:cNvPr id="1" name=""/>
+        <p:cNvGrpSpPr/>
+        <p:nvPr/>
+      </p:nvGrpSpPr>
+      <p:grpSpPr>
+        <a:xfrm>
+          <a:off x="0" y="0"/>
+          <a:ext cx="0" cy="0"/>
+          <a:chOff x="0" y="0"/>
+          <a:chExt cx="0" cy="0"/>
+        </a:xfrm>
+      </p:grpSpPr>
+      <p:sp>
+        <p:nvSpPr>
+          <p:cNvPr id="2" name="标题 1"/>
+          <p:cNvSpPr>
+            <a:spLocks noGrp="1"/>
+          </p:cNvSpPr>
+          <p:nvPr>
+            <p:ph type="title"/>
+          </p:nvPr>
+        </p:nvSpPr>
+        <p:spPr/>
+        <p:txBody>
+          <a:bodyPr/>
+          <a:lstStyle/>
+          <a:p>
+            <a:r>
+              <a:rPr lang="en-US" altLang="zh-CN" dirty="0" smtClean="0"/>
+              <a:t>Importer</a:t>
+            </a:r>
+            <a:endParaRPr lang="zh-CN" altLang="en-US" dirty="0"/>
+          </a:p>
+        </p:txBody>
+      </p:sp>
+      <p:sp>
+        <p:nvSpPr>
+          <p:cNvPr id="3" name="内容占位符 2"/>
+          <p:cNvSpPr>
+            <a:spLocks noGrp="1"/>
+          </p:cNvSpPr>
+          <p:nvPr>
+            <p:ph idx="1"/>
+          </p:nvPr>
+        </p:nvSpPr>
+        <p:spPr/>
+        <p:txBody>
+          <a:bodyPr/>
+          <a:lstStyle/>
+          <a:p>
+            <a:r>
+              <a:rPr lang="en-US" altLang="zh-CN" dirty="0" smtClean="0"/>
+              <a:t>Import offsite data into </a:t>
+            </a:r>
+            <a:r>
+              <a:rPr lang="en-US" altLang="zh-CN" dirty="0" err="1" smtClean="0"/>
+              <a:t>Paperlens</a:t>
+            </a:r>
+            <a:endParaRPr lang="en-US" altLang="zh-CN" dirty="0" smtClean="0"/>
+          </a:p>
+          <a:p>
+            <a:pPr lvl="1"/>
+            <a:r>
+              <a:rPr lang="en-US" altLang="zh-CN" dirty="0" smtClean="0"/>
+              <a:t>DBLP</a:t>
+            </a:r>
+          </a:p>
+          <a:p>
+            <a:pPr lvl="1"/>
+            <a:r>
+              <a:rPr lang="en-US" altLang="zh-CN" dirty="0" smtClean="0"/>
+              <a:t>Crawler</a:t>
+            </a:r>
+            <a:endParaRPr lang="en-US" altLang="zh-CN" dirty="0"/>
+          </a:p>
+          <a:p>
+            <a:r>
+              <a:rPr lang="en-US" altLang="zh-CN" dirty="0" smtClean="0"/>
+              <a:t>Tables</a:t>
+            </a:r>
+          </a:p>
+          <a:p>
+            <a:pPr lvl="1"/>
+            <a:r>
+              <a:rPr lang="en-US" altLang="zh-CN" dirty="0" smtClean="0"/>
+              <a:t>paper</a:t>
+            </a:r>
+          </a:p>
+          <a:p>
+            <a:pPr lvl="1"/>
+            <a:r>
+              <a:rPr lang="en-US" altLang="zh-CN" dirty="0" smtClean="0"/>
+              <a:t>author</a:t>
+            </a:r>
+          </a:p>
+          <a:p>
+            <a:pPr lvl="1"/>
+            <a:r>
+              <a:rPr lang="en-US" altLang="zh-CN" dirty="0" err="1" smtClean="0"/>
+              <a:t>paper_author</a:t>
+            </a:r>
+            <a:endParaRPr lang="en-US" altLang="zh-CN" dirty="0" smtClean="0"/>
+          </a:p>
+          <a:p>
+            <a:pPr lvl="1"/>
+            <a:r>
+              <a:rPr lang="en-US" altLang="zh-CN" dirty="0" smtClean="0"/>
+              <a:t>cite</a:t>
+            </a:r>
+          </a:p>
+        </p:txBody>
+      </p:sp>
+    </p:spTree>
+  </p:cSld>
+  <p:clrMapOvr>
+    <a:masterClrMapping/>
+  </p:clrMapOvr>
+</p:sld>
+</file>
+
+<file path=ppt/slides/slide4.xml><?xml version="1.0" encoding="utf-8"?>
+<p:sld xmlns:a="http://schemas.openxmlformats.org/drawingml/2006/main" xmlns:r="http://schemas.openxmlformats.org/officeDocument/2006/relationships" xmlns:p="http://schemas.openxmlformats.org/presentationml/2006/main">
+  <p:cSld>
+    <p:spTree>
+      <p:nvGrpSpPr>
+        <p:cNvPr id="1" name=""/>
+        <p:cNvGrpSpPr/>
+        <p:nvPr/>
+      </p:nvGrpSpPr>
+      <p:grpSpPr>
+        <a:xfrm>
+          <a:off x="0" y="0"/>
+          <a:ext cx="0" cy="0"/>
+          <a:chOff x="0" y="0"/>
+          <a:chExt cx="0" cy="0"/>
+        </a:xfrm>
+      </p:grpSpPr>
+      <p:sp>
+        <p:nvSpPr>
+          <p:cNvPr id="2" name="标题 1"/>
+          <p:cNvSpPr>
+            <a:spLocks noGrp="1"/>
+          </p:cNvSpPr>
+          <p:nvPr>
+            <p:ph type="title"/>
+          </p:nvPr>
+        </p:nvSpPr>
+        <p:spPr/>
+        <p:txBody>
+          <a:bodyPr/>
+          <a:lstStyle/>
+          <a:p>
+            <a:r>
+              <a:rPr lang="en-US" altLang="zh-CN" dirty="0" smtClean="0"/>
+              <a:t>Importer</a:t>
+            </a:r>
+            <a:endParaRPr lang="zh-CN" altLang="en-US" dirty="0"/>
+          </a:p>
+        </p:txBody>
+      </p:sp>
+      <p:graphicFrame>
+        <p:nvGraphicFramePr>
+          <p:cNvPr id="4" name="表格 3"/>
+          <p:cNvGraphicFramePr>
+            <a:graphicFrameLocks noGrp="1"/>
+          </p:cNvGraphicFramePr>
+          <p:nvPr/>
+        </p:nvGraphicFramePr>
+        <p:xfrm>
+          <a:off x="857224" y="1571612"/>
+          <a:ext cx="7500990" cy="4429161"/>
+        </p:xfrm>
+        <a:graphic>
+          <a:graphicData uri="http://schemas.openxmlformats.org/drawingml/2006/table">
+            <a:tbl>
+              <a:tblPr firstRow="1" bandRow="1">
+                <a:tableStyleId>{5C22544A-7EE6-4342-B048-85BDC9FD1C3A}</a:tableStyleId>
+              </a:tblPr>
+              <a:tblGrid>
+                <a:gridCol w="1250165"/>
+                <a:gridCol w="1250165"/>
+                <a:gridCol w="1250165"/>
+                <a:gridCol w="1250165"/>
+                <a:gridCol w="1250165"/>
+                <a:gridCol w="1250165"/>
+              </a:tblGrid>
+              <a:tr h="402651">
+                <a:tc>
+                  <a:txBody>
+                    <a:bodyPr/>
+                    <a:lstStyle/>
+                    <a:p>
+                      <a:r>
+                        <a:rPr lang="en-US" altLang="zh-CN" dirty="0" smtClean="0"/>
+                        <a:t>Field</a:t>
+                      </a:r>
+                      <a:endParaRPr lang="zh-CN" altLang="en-US" dirty="0"/>
+                    </a:p>
+                  </a:txBody>
+                  <a:tcPr/>
+                </a:tc>
+                <a:tc>
+                  <a:txBody>
+                    <a:bodyPr/>
+                    <a:lstStyle/>
+                    <a:p>
+                      <a:r>
+                        <a:rPr lang="en-US" altLang="zh-CN" dirty="0" smtClean="0"/>
+                        <a:t>Type</a:t>
+                      </a:r>
+                      <a:endParaRPr lang="zh-CN" altLang="en-US" dirty="0"/>
+                    </a:p>
+                  </a:txBody>
+                  <a:tcPr/>
+                </a:tc>
+                <a:tc>
+                  <a:txBody>
+                    <a:bodyPr/>
+                    <a:lstStyle/>
+                    <a:p>
+                      <a:r>
+                        <a:rPr lang="en-US" altLang="zh-CN" dirty="0" smtClean="0"/>
+                        <a:t>NULL</a:t>
+                      </a:r>
+                      <a:endParaRPr lang="zh-CN" altLang="en-US" dirty="0"/>
+                    </a:p>
+                  </a:txBody>
+                  <a:tcPr/>
+                </a:tc>
+                <a:tc>
+                  <a:txBody>
+                    <a:bodyPr/>
+                    <a:lstStyle/>
+                    <a:p>
+                      <a:r>
+                        <a:rPr lang="en-US" altLang="zh-CN" dirty="0" smtClean="0"/>
+                        <a:t>Key</a:t>
+                      </a:r>
+                      <a:endParaRPr lang="zh-CN" altLang="en-US" dirty="0"/>
+                    </a:p>
+                  </a:txBody>
+                  <a:tcPr/>
+                </a:tc>
+                <a:tc>
+                  <a:txBody>
+                    <a:bodyPr/>
+                    <a:lstStyle/>
+                    <a:p>
+                      <a:r>
+                        <a:rPr lang="en-US" altLang="zh-CN" dirty="0" smtClean="0"/>
+                        <a:t>Default</a:t>
+                      </a:r>
+                      <a:endParaRPr lang="zh-CN" altLang="en-US" dirty="0"/>
+                    </a:p>
+                  </a:txBody>
+                  <a:tcPr/>
+                </a:tc>
+                <a:tc>
+                  <a:txBody>
+                    <a:bodyPr/>
+                    <a:lstStyle/>
+                    <a:p>
+                      <a:r>
+                        <a:rPr lang="en-US" altLang="zh-CN" dirty="0" smtClean="0"/>
+                        <a:t>Extra</a:t>
+                      </a:r>
+                      <a:endParaRPr lang="zh-CN" altLang="en-US" dirty="0"/>
+                    </a:p>
+                  </a:txBody>
+                  <a:tcPr/>
+                </a:tc>
+              </a:tr>
+              <a:tr h="402651">
+                <a:tc>
+                  <a:txBody>
+                    <a:bodyPr/>
+                    <a:lstStyle/>
+                    <a:p>
+                      <a:r>
+                        <a:rPr lang="en-US" altLang="zh-CN" smtClean="0"/>
+                        <a:t>id</a:t>
+                      </a:r>
+                      <a:endParaRPr lang="zh-CN" altLang="en-US" dirty="0"/>
+                    </a:p>
+                  </a:txBody>
+                  <a:tcPr/>
+                </a:tc>
+                <a:tc>
+                  <a:txBody>
+                    <a:bodyPr/>
+                    <a:lstStyle/>
+                    <a:p>
+                      <a:r>
+                        <a:rPr lang="en-US" altLang="zh-CN" dirty="0" smtClean="0"/>
+                        <a:t>int(11)</a:t>
+                      </a:r>
+                      <a:endParaRPr lang="zh-CN" altLang="en-US" dirty="0"/>
+                    </a:p>
+                  </a:txBody>
+                  <a:tcPr/>
+                </a:tc>
+                <a:tc>
+                  <a:txBody>
+                    <a:bodyPr/>
+                    <a:lstStyle/>
+                    <a:p>
+                      <a:r>
+                        <a:rPr lang="en-US" altLang="zh-CN" dirty="0" smtClean="0"/>
+                        <a:t>NO</a:t>
+                      </a:r>
+                      <a:endParaRPr lang="zh-CN" altLang="en-US" dirty="0"/>
+                    </a:p>
+                  </a:txBody>
+                  <a:tcPr/>
+                </a:tc>
+                <a:tc>
+                  <a:txBody>
+                    <a:bodyPr/>
+                    <a:lstStyle/>
+                    <a:p>
+                      <a:r>
+                        <a:rPr lang="en-US" altLang="zh-CN" dirty="0" smtClean="0"/>
+                        <a:t>PRI</a:t>
+                      </a:r>
+                      <a:endParaRPr lang="zh-CN" altLang="en-US" dirty="0"/>
+                    </a:p>
+                  </a:txBody>
+                  <a:tcPr/>
+                </a:tc>
+                <a:tc>
+                  <a:txBody>
+                    <a:bodyPr/>
+                    <a:lstStyle/>
+                    <a:p>
+                      <a:r>
+                        <a:rPr lang="en-US" altLang="zh-CN" dirty="0" smtClean="0"/>
+                        <a:t>NULL</a:t>
+                      </a:r>
+                      <a:endParaRPr lang="zh-CN" altLang="en-US" dirty="0"/>
+                    </a:p>
+                  </a:txBody>
+                  <a:tcPr/>
+                </a:tc>
+                <a:tc>
+                  <a:txBody>
+                    <a:bodyPr/>
+                    <a:lstStyle/>
+                    <a:p>
+                      <a:endParaRPr lang="zh-CN" altLang="en-US" dirty="0"/>
+                    </a:p>
+                  </a:txBody>
+                  <a:tcPr/>
+                </a:tc>
+              </a:tr>
+              <a:tr h="402651">
+                <a:tc>
+                  <a:txBody>
+                    <a:bodyPr/>
+                    <a:lstStyle/>
+                    <a:p>
+                      <a:r>
+                        <a:rPr lang="en-US" altLang="zh-CN" smtClean="0"/>
+                        <a:t>title</a:t>
+                      </a:r>
+                      <a:endParaRPr lang="zh-CN" altLang="en-US" dirty="0"/>
+                    </a:p>
+                  </a:txBody>
+                  <a:tcPr/>
+                </a:tc>
+                <a:tc>
+                  <a:txBody>
+                    <a:bodyPr/>
+                    <a:lstStyle/>
+                    <a:p>
+                      <a:r>
+                        <a:rPr lang="en-US" altLang="zh-CN" dirty="0" smtClean="0"/>
+                        <a:t>text</a:t>
+                      </a:r>
+                      <a:endParaRPr lang="zh-CN" altLang="en-US" dirty="0"/>
+                    </a:p>
+                  </a:txBody>
+                  <a:tcPr/>
+                </a:tc>
+                <a:tc>
+                  <a:txBody>
+                    <a:bodyPr/>
+                    <a:lstStyle/>
+                    <a:p>
+                      <a:r>
+                        <a:rPr lang="en-US" altLang="zh-CN" dirty="0" smtClean="0"/>
+                        <a:t>YES</a:t>
+                      </a:r>
+                      <a:endParaRPr lang="zh-CN" altLang="en-US" dirty="0"/>
+                    </a:p>
+                  </a:txBody>
+                  <a:tcPr/>
+                </a:tc>
+                <a:tc>
+                  <a:txBody>
+                    <a:bodyPr/>
+                    <a:lstStyle/>
+                    <a:p>
+                      <a:endParaRPr lang="zh-CN" altLang="en-US" dirty="0"/>
+                    </a:p>
+                  </a:txBody>
+                  <a:tcPr/>
+                </a:tc>
+                <a:tc>
+                  <a:txBody>
+                    <a:bodyPr/>
+                    <a:lstStyle/>
+                    <a:p>
+                      <a:r>
+                        <a:rPr lang="en-US" altLang="zh-CN" dirty="0" smtClean="0"/>
+                        <a:t>NULL</a:t>
+                      </a:r>
+                      <a:endParaRPr lang="zh-CN" altLang="en-US" dirty="0"/>
+                    </a:p>
+                  </a:txBody>
+                  <a:tcPr/>
+                </a:tc>
+                <a:tc>
+                  <a:txBody>
+                    <a:bodyPr/>
+                    <a:lstStyle/>
+                    <a:p>
+                      <a:endParaRPr lang="zh-CN" altLang="en-US" dirty="0"/>
+                    </a:p>
+                  </a:txBody>
+                  <a:tcPr/>
+                </a:tc>
+              </a:tr>
+              <a:tr h="402651">
+                <a:tc>
+                  <a:txBody>
+                    <a:bodyPr/>
+                    <a:lstStyle/>
+                    <a:p>
+                      <a:r>
+                        <a:rPr lang="en-US" altLang="zh-CN" dirty="0" smtClean="0"/>
+                        <a:t>abstract</a:t>
+                      </a:r>
+                      <a:endParaRPr lang="zh-CN" altLang="en-US" dirty="0"/>
+                    </a:p>
+                  </a:txBody>
+                  <a:tcPr/>
+                </a:tc>
+                <a:tc>
+                  <a:txBody>
+                    <a:bodyPr/>
+                    <a:lstStyle/>
+                    <a:p>
+                      <a:r>
+                        <a:rPr lang="en-US" altLang="zh-CN" dirty="0" smtClean="0"/>
+                        <a:t>text</a:t>
+                      </a:r>
+                      <a:endParaRPr lang="zh-CN" altLang="en-US" dirty="0"/>
+                    </a:p>
+                  </a:txBody>
+                  <a:tcPr/>
+                </a:tc>
+                <a:tc>
+                  <a:txBody>
+                    <a:bodyPr/>
+                    <a:lstStyle/>
+                    <a:p>
+                      <a:r>
+                        <a:rPr lang="en-US" altLang="zh-CN" dirty="0" smtClean="0"/>
+                        <a:t>YES</a:t>
+                      </a:r>
+                      <a:endParaRPr lang="zh-CN" altLang="en-US" dirty="0"/>
+                    </a:p>
+                  </a:txBody>
+                  <a:tcPr/>
+                </a:tc>
+                <a:tc>
+                  <a:txBody>
+                    <a:bodyPr/>
+                    <a:lstStyle/>
+                    <a:p>
+                      <a:endParaRPr lang="zh-CN" altLang="en-US" dirty="0"/>
+                    </a:p>
+                  </a:txBody>
+                  <a:tcPr/>
+                </a:tc>
+                <a:tc>
+                  <a:txBody>
+                    <a:bodyPr/>
+                    <a:lstStyle/>
+                    <a:p>
+                      <a:r>
+                        <a:rPr lang="en-US" altLang="zh-CN" dirty="0" smtClean="0"/>
+                        <a:t>NULL</a:t>
+                      </a:r>
+                      <a:endParaRPr lang="zh-CN" altLang="en-US" dirty="0"/>
+                    </a:p>
+                  </a:txBody>
+                  <a:tcPr/>
+                </a:tc>
+                <a:tc>
+                  <a:txBody>
+                    <a:bodyPr/>
+                    <a:lstStyle/>
+                    <a:p>
+                      <a:endParaRPr lang="zh-CN" altLang="en-US" dirty="0"/>
+                    </a:p>
+                  </a:txBody>
+                  <a:tcPr/>
+                </a:tc>
+              </a:tr>
+              <a:tr h="402651">
+                <a:tc>
+                  <a:txBody>
+                    <a:bodyPr/>
+                    <a:lstStyle/>
+                    <a:p>
+                      <a:r>
+                        <a:rPr lang="en-US" altLang="zh-CN" dirty="0" smtClean="0"/>
+                        <a:t>type</a:t>
+                      </a:r>
+                      <a:endParaRPr lang="zh-CN" altLang="en-US" dirty="0"/>
+                    </a:p>
+                  </a:txBody>
+                  <a:tcPr/>
+                </a:tc>
+                <a:tc>
+                  <a:txBody>
+                    <a:bodyPr/>
+                    <a:lstStyle/>
+                    <a:p>
+                      <a:r>
+                        <a:rPr lang="en-US" altLang="zh-CN" dirty="0" smtClean="0"/>
+                        <a:t>char(32)</a:t>
+                      </a:r>
+                      <a:endParaRPr lang="zh-CN" altLang="en-US" dirty="0"/>
+                    </a:p>
+                  </a:txBody>
+                  <a:tcPr/>
+                </a:tc>
+                <a:tc>
+                  <a:txBody>
+                    <a:bodyPr/>
+                    <a:lstStyle/>
+                    <a:p>
+                      <a:r>
+                        <a:rPr lang="en-US" altLang="zh-CN" dirty="0" smtClean="0"/>
+                        <a:t>YES</a:t>
+                      </a:r>
+                      <a:endParaRPr lang="zh-CN" altLang="en-US" dirty="0"/>
+                    </a:p>
+                  </a:txBody>
+                  <a:tcPr/>
+                </a:tc>
+                <a:tc>
+                  <a:txBody>
+                    <a:bodyPr/>
+                    <a:lstStyle/>
+                    <a:p>
+                      <a:endParaRPr lang="zh-CN" altLang="en-US" dirty="0"/>
+                    </a:p>
+                  </a:txBody>
+                  <a:tcPr/>
+                </a:tc>
+                <a:tc>
+                  <a:txBody>
+                    <a:bodyPr/>
+                    <a:lstStyle/>
+                    <a:p>
+                      <a:r>
+                        <a:rPr lang="en-US" altLang="zh-CN" dirty="0" smtClean="0"/>
+                        <a:t>NULL</a:t>
+                      </a:r>
+                      <a:endParaRPr lang="zh-CN" altLang="en-US" dirty="0"/>
+                    </a:p>
+                  </a:txBody>
+                  <a:tcPr/>
+                </a:tc>
+                <a:tc>
+                  <a:txBody>
+                    <a:bodyPr/>
+                    <a:lstStyle/>
+                    <a:p>
+                      <a:endParaRPr lang="zh-CN" altLang="en-US" dirty="0"/>
+                    </a:p>
+                  </a:txBody>
+                  <a:tcPr/>
+                </a:tc>
+              </a:tr>
+              <a:tr h="402651">
+                <a:tc>
+                  <a:txBody>
+                    <a:bodyPr/>
+                    <a:lstStyle/>
+                    <a:p>
+                      <a:r>
+                        <a:rPr lang="en-US" altLang="zh-CN" dirty="0" smtClean="0"/>
+                        <a:t>year</a:t>
+                      </a:r>
+                      <a:endParaRPr lang="zh-CN" altLang="en-US" dirty="0"/>
+                    </a:p>
+                  </a:txBody>
+                  <a:tcPr/>
+                </a:tc>
+                <a:tc>
+                  <a:txBody>
+                    <a:bodyPr/>
+                    <a:lstStyle/>
+                    <a:p>
+                      <a:r>
+                        <a:rPr lang="en-US" altLang="zh-CN" dirty="0" smtClean="0"/>
+                        <a:t>int(11)</a:t>
+                      </a:r>
+                      <a:endParaRPr lang="zh-CN" altLang="en-US" dirty="0"/>
+                    </a:p>
+                  </a:txBody>
+                  <a:tcPr/>
+                </a:tc>
+                <a:tc>
+                  <a:txBody>
+                    <a:bodyPr/>
+                    <a:lstStyle/>
+                    <a:p>
+                      <a:r>
+                        <a:rPr lang="en-US" altLang="zh-CN" dirty="0" smtClean="0"/>
+                        <a:t>YES</a:t>
+                      </a:r>
+                      <a:endParaRPr lang="zh-CN" altLang="en-US" dirty="0"/>
+                    </a:p>
+                  </a:txBody>
+                  <a:tcPr/>
+                </a:tc>
+                <a:tc>
+                  <a:txBody>
+                    <a:bodyPr/>
+                    <a:lstStyle/>
+                    <a:p>
+                      <a:endParaRPr lang="zh-CN" altLang="en-US" dirty="0"/>
+                    </a:p>
+                  </a:txBody>
+                  <a:tcPr/>
+                </a:tc>
+                <a:tc>
+                  <a:txBody>
+                    <a:bodyPr/>
+                    <a:lstStyle/>
+                    <a:p>
+                      <a:r>
+                        <a:rPr lang="en-US" altLang="zh-CN" dirty="0" smtClean="0"/>
+                        <a:t>NULL</a:t>
+                      </a:r>
+                      <a:endParaRPr lang="zh-CN" altLang="en-US" dirty="0"/>
+                    </a:p>
+                  </a:txBody>
+                  <a:tcPr/>
+                </a:tc>
+                <a:tc>
+                  <a:txBody>
+                    <a:bodyPr/>
+                    <a:lstStyle/>
+                    <a:p>
+                      <a:endParaRPr lang="zh-CN" altLang="en-US" dirty="0"/>
+                    </a:p>
+                  </a:txBody>
+                  <a:tcPr/>
+                </a:tc>
+              </a:tr>
+              <a:tr h="402651">
+                <a:tc>
+                  <a:txBody>
+                    <a:bodyPr/>
+                    <a:lstStyle/>
+                    <a:p>
+                      <a:r>
+                        <a:rPr lang="en-US" altLang="zh-CN" dirty="0" smtClean="0"/>
+                        <a:t>booktitle</a:t>
+                      </a:r>
+                      <a:endParaRPr lang="zh-CN" altLang="en-US" dirty="0"/>
+                    </a:p>
+                  </a:txBody>
+                  <a:tcPr/>
+                </a:tc>
+                <a:tc>
+                  <a:txBody>
+                    <a:bodyPr/>
+                    <a:lstStyle/>
+                    <a:p>
+                      <a:r>
+                        <a:rPr lang="en-US" altLang="zh-CN" dirty="0" smtClean="0"/>
+                        <a:t>char(160)</a:t>
+                      </a:r>
+                      <a:endParaRPr lang="zh-CN" altLang="en-US" dirty="0"/>
+                    </a:p>
+                  </a:txBody>
+                  <a:tcPr/>
+                </a:tc>
+                <a:tc>
+                  <a:txBody>
+                    <a:bodyPr/>
+                    <a:lstStyle/>
+                    <a:p>
+                      <a:r>
+                        <a:rPr lang="en-US" altLang="zh-CN" dirty="0" smtClean="0"/>
+                        <a:t>YES</a:t>
+                      </a:r>
+                      <a:endParaRPr lang="zh-CN" altLang="en-US" dirty="0"/>
+                    </a:p>
+                  </a:txBody>
+                  <a:tcPr/>
+                </a:tc>
+                <a:tc>
+                  <a:txBody>
+                    <a:bodyPr/>
+                    <a:lstStyle/>
+                    <a:p>
+                      <a:endParaRPr lang="zh-CN" altLang="en-US" dirty="0"/>
+                    </a:p>
+                  </a:txBody>
+                  <a:tcPr/>
+                </a:tc>
+                <a:tc>
+                  <a:txBody>
+                    <a:bodyPr/>
+                    <a:lstStyle/>
+                    <a:p>
+                      <a:r>
+                        <a:rPr lang="en-US" altLang="zh-CN" dirty="0" smtClean="0"/>
+                        <a:t>NULL</a:t>
+                      </a:r>
+                      <a:endParaRPr lang="zh-CN" altLang="en-US" dirty="0"/>
+                    </a:p>
+                  </a:txBody>
+                  <a:tcPr/>
+                </a:tc>
+                <a:tc>
+                  <a:txBody>
+                    <a:bodyPr/>
+                    <a:lstStyle/>
+                    <a:p>
+                      <a:endParaRPr lang="zh-CN" altLang="en-US" dirty="0"/>
+                    </a:p>
+                  </a:txBody>
+                  <a:tcPr/>
+                </a:tc>
+              </a:tr>
+              <a:tr h="402651">
+                <a:tc>
+                  <a:txBody>
+                    <a:bodyPr/>
+                    <a:lstStyle/>
+                    <a:p>
+                      <a:r>
+                        <a:rPr lang="en-US" altLang="zh-CN" dirty="0" smtClean="0"/>
+                        <a:t>dblp_key</a:t>
+                      </a:r>
+                      <a:endParaRPr lang="zh-CN" altLang="en-US" dirty="0"/>
+                    </a:p>
+                  </a:txBody>
+                  <a:tcPr/>
+                </a:tc>
+                <a:tc>
+                  <a:txBody>
+                    <a:bodyPr/>
+                    <a:lstStyle/>
+                    <a:p>
+                      <a:r>
+                        <a:rPr lang="en-US" altLang="zh-CN" dirty="0" smtClean="0"/>
+                        <a:t>char(160)</a:t>
+                      </a:r>
+                      <a:endParaRPr lang="zh-CN" altLang="en-US" dirty="0"/>
+                    </a:p>
+                  </a:txBody>
+                  <a:tcPr/>
+                </a:tc>
+                <a:tc>
+                  <a:txBody>
+                    <a:bodyPr/>
+                    <a:lstStyle/>
+                    <a:p>
+                      <a:r>
+                        <a:rPr lang="en-US" altLang="zh-CN" dirty="0" smtClean="0"/>
+                        <a:t>YES</a:t>
+                      </a:r>
+                      <a:endParaRPr lang="zh-CN" altLang="en-US" dirty="0"/>
+                    </a:p>
+                  </a:txBody>
+                  <a:tcPr/>
+                </a:tc>
+                <a:tc>
+                  <a:txBody>
+                    <a:bodyPr/>
+                    <a:lstStyle/>
+                    <a:p>
+                      <a:endParaRPr lang="zh-CN" altLang="en-US" dirty="0"/>
+                    </a:p>
+                  </a:txBody>
+                  <a:tcPr/>
+                </a:tc>
+                <a:tc>
+                  <a:txBody>
+                    <a:bodyPr/>
+                    <a:lstStyle/>
+                    <a:p>
+                      <a:r>
+                        <a:rPr lang="en-US" altLang="zh-CN" dirty="0" smtClean="0"/>
+                        <a:t>NULL</a:t>
+                      </a:r>
+                      <a:endParaRPr lang="zh-CN" altLang="en-US" dirty="0"/>
+                    </a:p>
+                  </a:txBody>
+                  <a:tcPr/>
+                </a:tc>
+                <a:tc>
+                  <a:txBody>
+                    <a:bodyPr/>
+                    <a:lstStyle/>
+                    <a:p>
+                      <a:endParaRPr lang="zh-CN" altLang="en-US" dirty="0"/>
+                    </a:p>
+                  </a:txBody>
+                  <a:tcPr/>
+                </a:tc>
+              </a:tr>
+              <a:tr h="402651">
+                <a:tc>
+                  <a:txBody>
+                    <a:bodyPr/>
+                    <a:lstStyle/>
+                    <a:p>
+                      <a:r>
+                        <a:rPr lang="en-US" altLang="zh-CN" dirty="0" smtClean="0"/>
+                        <a:t>journal</a:t>
+                      </a:r>
+                      <a:endParaRPr lang="zh-CN" altLang="en-US" dirty="0"/>
+                    </a:p>
+                  </a:txBody>
+                  <a:tcPr/>
+                </a:tc>
+                <a:tc>
+                  <a:txBody>
+                    <a:bodyPr/>
+                    <a:lstStyle/>
+                    <a:p>
+                      <a:r>
+                        <a:rPr lang="en-US" altLang="zh-CN" dirty="0" smtClean="0"/>
+                        <a:t>char(128)</a:t>
+                      </a:r>
+                      <a:endParaRPr lang="zh-CN" altLang="en-US" dirty="0"/>
+                    </a:p>
+                  </a:txBody>
+                  <a:tcPr/>
+                </a:tc>
+                <a:tc>
+                  <a:txBody>
+                    <a:bodyPr/>
+                    <a:lstStyle/>
+                    <a:p>
+                      <a:r>
+                        <a:rPr lang="en-US" altLang="zh-CN" dirty="0" smtClean="0"/>
+                        <a:t>YES</a:t>
+                      </a:r>
+                      <a:endParaRPr lang="zh-CN" altLang="en-US" dirty="0"/>
+                    </a:p>
+                  </a:txBody>
+                  <a:tcPr/>
+                </a:tc>
+                <a:tc>
+                  <a:txBody>
+                    <a:bodyPr/>
+                    <a:lstStyle/>
+                    <a:p>
+                      <a:endParaRPr lang="zh-CN" altLang="en-US" b="0" dirty="0"/>
+                    </a:p>
+                  </a:txBody>
+                  <a:tcPr/>
+                </a:tc>
+                <a:tc>
+                  <a:txBody>
+                    <a:bodyPr/>
+                    <a:lstStyle/>
+                    <a:p>
+                      <a:r>
+                        <a:rPr lang="en-US" altLang="zh-CN" dirty="0" smtClean="0"/>
+                        <a:t>NULL</a:t>
+                      </a:r>
+                      <a:endParaRPr lang="zh-CN" altLang="en-US" dirty="0"/>
+                    </a:p>
+                  </a:txBody>
+                  <a:tcPr/>
+                </a:tc>
+                <a:tc>
+                  <a:txBody>
+                    <a:bodyPr/>
+                    <a:lstStyle/>
+                    <a:p>
+                      <a:endParaRPr lang="zh-CN" altLang="en-US" dirty="0"/>
+                    </a:p>
+                  </a:txBody>
+                  <a:tcPr/>
+                </a:tc>
+              </a:tr>
+              <a:tr h="402651">
+                <a:tc>
+                  <a:txBody>
+                    <a:bodyPr/>
+                    <a:lstStyle/>
+                    <a:p>
+                      <a:r>
+                        <a:rPr lang="en-US" altLang="zh-CN" dirty="0" smtClean="0"/>
+                        <a:t>school</a:t>
+                      </a:r>
+                      <a:endParaRPr lang="zh-CN" altLang="en-US" dirty="0"/>
+                    </a:p>
+                  </a:txBody>
+                  <a:tcPr/>
+                </a:tc>
+                <a:tc>
+                  <a:txBody>
+                    <a:bodyPr/>
+                    <a:lstStyle/>
+                    <a:p>
+                      <a:r>
+                        <a:rPr lang="en-US" altLang="zh-CN" dirty="0" smtClean="0"/>
+                        <a:t>char(128)</a:t>
+                      </a:r>
+                      <a:endParaRPr lang="zh-CN" altLang="en-US" dirty="0"/>
+                    </a:p>
+                  </a:txBody>
+                  <a:tcPr/>
+                </a:tc>
+                <a:tc>
+                  <a:txBody>
+                    <a:bodyPr/>
+                    <a:lstStyle/>
+                    <a:p>
+                      <a:r>
+                        <a:rPr lang="en-US" altLang="zh-CN" dirty="0" smtClean="0"/>
+                        <a:t>YES</a:t>
+                      </a:r>
+                      <a:endParaRPr lang="zh-CN" altLang="en-US" dirty="0"/>
+                    </a:p>
+                  </a:txBody>
+                  <a:tcPr/>
+                </a:tc>
+                <a:tc>
+                  <a:txBody>
+                    <a:bodyPr/>
+                    <a:lstStyle/>
+                    <a:p>
+                      <a:endParaRPr lang="zh-CN" altLang="en-US" b="0" dirty="0"/>
+                    </a:p>
+                  </a:txBody>
+                  <a:tcPr/>
+                </a:tc>
+                <a:tc>
+                  <a:txBody>
+                    <a:bodyPr/>
+                    <a:lstStyle/>
+                    <a:p>
+                      <a:r>
+                        <a:rPr lang="en-US" altLang="zh-CN" dirty="0" smtClean="0"/>
+                        <a:t>NULL</a:t>
+                      </a:r>
+                      <a:endParaRPr lang="zh-CN" altLang="en-US" dirty="0"/>
+                    </a:p>
+                  </a:txBody>
+                  <a:tcPr/>
+                </a:tc>
+                <a:tc>
+                  <a:txBody>
+                    <a:bodyPr/>
+                    <a:lstStyle/>
+                    <a:p>
+                      <a:endParaRPr lang="zh-CN" altLang="en-US" dirty="0"/>
+                    </a:p>
+                  </a:txBody>
+                  <a:tcPr/>
+                </a:tc>
+              </a:tr>
+              <a:tr h="402651">
+                <a:tc>
+                  <a:txBody>
+                    <a:bodyPr/>
+                    <a:lstStyle/>
+                    <a:p>
+                      <a:r>
+                        <a:rPr lang="en-US" altLang="zh-CN" dirty="0" smtClean="0"/>
+                        <a:t>publisher</a:t>
+                      </a:r>
+                      <a:endParaRPr lang="zh-CN" altLang="en-US" dirty="0"/>
+                    </a:p>
+                  </a:txBody>
+                  <a:tcPr/>
+                </a:tc>
+                <a:tc>
+                  <a:txBody>
+                    <a:bodyPr/>
+                    <a:lstStyle/>
+                    <a:p>
+                      <a:r>
+                        <a:rPr lang="en-US" altLang="zh-CN" dirty="0" smtClean="0"/>
+                        <a:t>char(128)</a:t>
+                      </a:r>
+                      <a:endParaRPr lang="zh-CN" altLang="en-US" dirty="0"/>
+                    </a:p>
+                  </a:txBody>
+                  <a:tcPr/>
+                </a:tc>
+                <a:tc>
+                  <a:txBody>
+                    <a:bodyPr/>
+                    <a:lstStyle/>
+                    <a:p>
+                      <a:r>
+                        <a:rPr lang="en-US" altLang="zh-CN" dirty="0" smtClean="0"/>
+                        <a:t>YES</a:t>
+                      </a:r>
+                      <a:endParaRPr lang="zh-CN" altLang="en-US" dirty="0"/>
+                    </a:p>
+                  </a:txBody>
+                  <a:tcPr/>
+                </a:tc>
+                <a:tc>
+                  <a:txBody>
+                    <a:bodyPr/>
+                    <a:lstStyle/>
+                    <a:p>
+                      <a:endParaRPr lang="zh-CN" altLang="en-US" b="0" dirty="0"/>
+                    </a:p>
+                  </a:txBody>
+                  <a:tcPr/>
+                </a:tc>
+                <a:tc>
+                  <a:txBody>
+                    <a:bodyPr/>
+                    <a:lstStyle/>
+                    <a:p>
+                      <a:r>
+                        <a:rPr lang="en-US" altLang="zh-CN" dirty="0" smtClean="0"/>
+                        <a:t>NULL</a:t>
+                      </a:r>
+                      <a:endParaRPr lang="zh-CN" altLang="en-US" dirty="0"/>
+                    </a:p>
+                  </a:txBody>
+                  <a:tcPr/>
+                </a:tc>
+                <a:tc>
+                  <a:txBody>
+                    <a:bodyPr/>
+                    <a:lstStyle/>
+                    <a:p>
+                      <a:endParaRPr lang="zh-CN" altLang="en-US" dirty="0"/>
+                    </a:p>
+                  </a:txBody>
+                  <a:tcPr/>
+                </a:tc>
+              </a:tr>
+            </a:tbl>
+          </a:graphicData>
+        </a:graphic>
+      </p:graphicFrame>
+      <p:sp>
+        <p:nvSpPr>
+          <p:cNvPr id="5" name="TextBox 4"/>
+          <p:cNvSpPr txBox="1"/>
+          <p:nvPr/>
+        </p:nvSpPr>
+        <p:spPr>
+          <a:xfrm>
+            <a:off x="3857620" y="6072206"/>
+            <a:ext cx="1653209" cy="461665"/>
+          </a:xfrm>
+          <a:prstGeom prst="rect">
+            <a:avLst/>
+          </a:prstGeom>
+          <a:noFill/>
+        </p:spPr>
+        <p:txBody>
+          <a:bodyPr wrap="none" rtlCol="0">
+            <a:spAutoFit/>
+          </a:bodyPr>
+          <a:lstStyle/>
+          <a:p>
+            <a:r>
+              <a:rPr lang="en-US" altLang="zh-CN" sz="2400" b="1" dirty="0"/>
+              <a:t>p</a:t>
+            </a:r>
+            <a:r>
+              <a:rPr lang="en-US" altLang="zh-CN" sz="2400" b="1" dirty="0" smtClean="0"/>
+              <a:t>aper table</a:t>
+            </a:r>
+            <a:endParaRPr lang="zh-CN" altLang="en-US" sz="2400" b="1" dirty="0"/>
+          </a:p>
+        </p:txBody>
+      </p:sp>
+    </p:spTree>
+  </p:cSld>
+  <p:clrMapOvr>
+    <a:masterClrMapping/>
+  </p:clrMapOvr>
+</p:sld>
+</file>
+
+<file path=ppt/slides/slide5.xml><?xml version="1.0" encoding="utf-8"?>
+<p:sld xmlns:a="http://schemas.openxmlformats.org/drawingml/2006/main" xmlns:r="http://schemas.openxmlformats.org/officeDocument/2006/relationships" xmlns:p="http://schemas.openxmlformats.org/presentationml/2006/main">
+  <p:cSld>
+    <p:spTree>
+      <p:nvGrpSpPr>
+        <p:cNvPr id="1" name=""/>
+        <p:cNvGrpSpPr/>
+        <p:nvPr/>
+      </p:nvGrpSpPr>
+      <p:grpSpPr>
+        <a:xfrm>
+          <a:off x="0" y="0"/>
+          <a:ext cx="0" cy="0"/>
+          <a:chOff x="0" y="0"/>
+          <a:chExt cx="0" cy="0"/>
+        </a:xfrm>
+      </p:grpSpPr>
+      <p:sp>
+        <p:nvSpPr>
+          <p:cNvPr id="2" name="标题 1"/>
+          <p:cNvSpPr>
+            <a:spLocks noGrp="1"/>
+          </p:cNvSpPr>
+          <p:nvPr>
+            <p:ph type="title"/>
+          </p:nvPr>
+        </p:nvSpPr>
+        <p:spPr/>
+        <p:txBody>
+          <a:bodyPr/>
+          <a:lstStyle/>
+          <a:p>
+            <a:r>
+              <a:rPr lang="en-US" altLang="zh-CN" dirty="0" smtClean="0"/>
+              <a:t>Importer</a:t>
+            </a:r>
+            <a:endParaRPr lang="zh-CN" altLang="en-US" dirty="0"/>
+          </a:p>
+        </p:txBody>
+      </p:sp>
+      <p:graphicFrame>
+        <p:nvGraphicFramePr>
+          <p:cNvPr id="4" name="表格 3"/>
+          <p:cNvGraphicFramePr>
+            <a:graphicFrameLocks noGrp="1"/>
+          </p:cNvGraphicFramePr>
+          <p:nvPr/>
+        </p:nvGraphicFramePr>
+        <p:xfrm>
+          <a:off x="857224" y="1357298"/>
+          <a:ext cx="7500990" cy="1207953"/>
+        </p:xfrm>
+        <a:graphic>
+          <a:graphicData uri="http://schemas.openxmlformats.org/drawingml/2006/table">
+            <a:tbl>
+              <a:tblPr firstRow="1" bandRow="1">
+                <a:tableStyleId>{5C22544A-7EE6-4342-B048-85BDC9FD1C3A}</a:tableStyleId>
+              </a:tblPr>
+              <a:tblGrid>
+                <a:gridCol w="1250165"/>
+                <a:gridCol w="1250165"/>
+                <a:gridCol w="1250165"/>
+                <a:gridCol w="1250165"/>
+                <a:gridCol w="1250165"/>
+                <a:gridCol w="1250165"/>
+              </a:tblGrid>
+              <a:tr h="402651">
+                <a:tc>
+                  <a:txBody>
+                    <a:bodyPr/>
+                    <a:lstStyle/>
+                    <a:p>
+                      <a:r>
+                        <a:rPr lang="en-US" altLang="zh-CN" dirty="0" smtClean="0"/>
+                        <a:t>Field</a:t>
+                      </a:r>
+                      <a:endParaRPr lang="zh-CN" altLang="en-US" dirty="0"/>
+                    </a:p>
+                  </a:txBody>
+                  <a:tcPr/>
+                </a:tc>
+                <a:tc>
+                  <a:txBody>
+                    <a:bodyPr/>
+                    <a:lstStyle/>
+                    <a:p>
+                      <a:r>
+                        <a:rPr lang="en-US" altLang="zh-CN" dirty="0" smtClean="0"/>
+                        <a:t>Type</a:t>
+                      </a:r>
+                      <a:endParaRPr lang="zh-CN" altLang="en-US" dirty="0"/>
+                    </a:p>
+                  </a:txBody>
+                  <a:tcPr/>
+                </a:tc>
+                <a:tc>
+                  <a:txBody>
+                    <a:bodyPr/>
+                    <a:lstStyle/>
+                    <a:p>
+                      <a:r>
+                        <a:rPr lang="en-US" altLang="zh-CN" dirty="0" smtClean="0"/>
+                        <a:t>NULL</a:t>
+                      </a:r>
+                      <a:endParaRPr lang="zh-CN" altLang="en-US" dirty="0"/>
+                    </a:p>
+                  </a:txBody>
+                  <a:tcPr/>
+                </a:tc>
+                <a:tc>
+                  <a:txBody>
+                    <a:bodyPr/>
+                    <a:lstStyle/>
+                    <a:p>
+                      <a:r>
+                        <a:rPr lang="en-US" altLang="zh-CN" dirty="0" smtClean="0"/>
+                        <a:t>Key</a:t>
+                      </a:r>
+                      <a:endParaRPr lang="zh-CN" altLang="en-US" dirty="0"/>
+                    </a:p>
+                  </a:txBody>
+                  <a:tcPr/>
+                </a:tc>
+                <a:tc>
+                  <a:txBody>
+                    <a:bodyPr/>
+                    <a:lstStyle/>
+                    <a:p>
+                      <a:r>
+                        <a:rPr lang="en-US" altLang="zh-CN" dirty="0" smtClean="0"/>
+                        <a:t>Default</a:t>
+                      </a:r>
+                      <a:endParaRPr lang="zh-CN" altLang="en-US" dirty="0"/>
+                    </a:p>
+                  </a:txBody>
+                  <a:tcPr/>
+                </a:tc>
+                <a:tc>
+                  <a:txBody>
+                    <a:bodyPr/>
+                    <a:lstStyle/>
+                    <a:p>
+                      <a:r>
+                        <a:rPr lang="en-US" altLang="zh-CN" dirty="0" smtClean="0"/>
+                        <a:t>Extra</a:t>
+                      </a:r>
+                      <a:endParaRPr lang="zh-CN" altLang="en-US" dirty="0"/>
+                    </a:p>
+                  </a:txBody>
+                  <a:tcPr/>
+                </a:tc>
+              </a:tr>
+              <a:tr h="402651">
+                <a:tc>
+                  <a:txBody>
+                    <a:bodyPr/>
+                    <a:lstStyle/>
+                    <a:p>
+                      <a:r>
+                        <a:rPr lang="en-US" altLang="zh-CN" smtClean="0"/>
+                        <a:t>id</a:t>
+                      </a:r>
+                      <a:endParaRPr lang="zh-CN" altLang="en-US" dirty="0"/>
+                    </a:p>
+                  </a:txBody>
+                  <a:tcPr/>
+                </a:tc>
+                <a:tc>
+                  <a:txBody>
+                    <a:bodyPr/>
+                    <a:lstStyle/>
+                    <a:p>
+                      <a:r>
+                        <a:rPr lang="en-US" altLang="zh-CN" dirty="0" smtClean="0"/>
+                        <a:t>int(11)</a:t>
+                      </a:r>
+                      <a:endParaRPr lang="zh-CN" altLang="en-US" dirty="0"/>
+                    </a:p>
+                  </a:txBody>
+                  <a:tcPr/>
+                </a:tc>
+                <a:tc>
+                  <a:txBody>
+                    <a:bodyPr/>
+                    <a:lstStyle/>
+                    <a:p>
+                      <a:r>
+                        <a:rPr lang="en-US" altLang="zh-CN" dirty="0" smtClean="0"/>
+                        <a:t>NO</a:t>
+                      </a:r>
+                      <a:endParaRPr lang="zh-CN" altLang="en-US" dirty="0"/>
+                    </a:p>
+                  </a:txBody>
+                  <a:tcPr/>
+                </a:tc>
+                <a:tc>
+                  <a:txBody>
+                    <a:bodyPr/>
+                    <a:lstStyle/>
+                    <a:p>
+                      <a:r>
+                        <a:rPr lang="en-US" altLang="zh-CN" dirty="0" smtClean="0"/>
+                        <a:t>PRI</a:t>
+                      </a:r>
+                      <a:endParaRPr lang="zh-CN" altLang="en-US" dirty="0"/>
+                    </a:p>
+                  </a:txBody>
+                  <a:tcPr/>
+                </a:tc>
+                <a:tc>
+                  <a:txBody>
+                    <a:bodyPr/>
+                    <a:lstStyle/>
+                    <a:p>
+                      <a:r>
+                        <a:rPr lang="en-US" altLang="zh-CN" dirty="0" smtClean="0"/>
+                        <a:t>NULL</a:t>
+                      </a:r>
+                      <a:endParaRPr lang="zh-CN" altLang="en-US" dirty="0"/>
+                    </a:p>
+                  </a:txBody>
+                  <a:tcPr/>
+                </a:tc>
+                <a:tc>
+                  <a:txBody>
+                    <a:bodyPr/>
+                    <a:lstStyle/>
+                    <a:p>
+                      <a:endParaRPr lang="zh-CN" altLang="en-US" dirty="0"/>
+                    </a:p>
+                  </a:txBody>
+                  <a:tcPr/>
+                </a:tc>
+              </a:tr>
+              <a:tr h="402651">
+                <a:tc>
+                  <a:txBody>
+                    <a:bodyPr/>
+                    <a:lstStyle/>
+                    <a:p>
+                      <a:r>
+                        <a:rPr lang="en-US" altLang="zh-CN" dirty="0" smtClean="0"/>
+                        <a:t>name</a:t>
+                      </a:r>
+                      <a:endParaRPr lang="zh-CN" altLang="en-US" dirty="0"/>
+                    </a:p>
+                  </a:txBody>
+                  <a:tcPr/>
+                </a:tc>
+                <a:tc>
+                  <a:txBody>
+                    <a:bodyPr/>
+                    <a:lstStyle/>
+                    <a:p>
+                      <a:r>
+                        <a:rPr lang="en-US" altLang="zh-CN" dirty="0" smtClean="0"/>
+                        <a:t>char(100)</a:t>
+                      </a:r>
+                      <a:endParaRPr lang="zh-CN" altLang="en-US" dirty="0"/>
+                    </a:p>
+                  </a:txBody>
+                  <a:tcPr/>
+                </a:tc>
+                <a:tc>
+                  <a:txBody>
+                    <a:bodyPr/>
+                    <a:lstStyle/>
+                    <a:p>
+                      <a:r>
+                        <a:rPr lang="en-US" altLang="zh-CN" dirty="0" smtClean="0"/>
+                        <a:t>YES</a:t>
+                      </a:r>
+                      <a:endParaRPr lang="zh-CN" altLang="en-US" dirty="0"/>
+                    </a:p>
+                  </a:txBody>
+                  <a:tcPr/>
+                </a:tc>
+                <a:tc>
+                  <a:txBody>
+                    <a:bodyPr/>
+                    <a:lstStyle/>
+                    <a:p>
+                      <a:endParaRPr lang="zh-CN" altLang="en-US" dirty="0"/>
+                    </a:p>
+                  </a:txBody>
+                  <a:tcPr/>
+                </a:tc>
+                <a:tc>
+                  <a:txBody>
+                    <a:bodyPr/>
+                    <a:lstStyle/>
+                    <a:p>
+                      <a:r>
+                        <a:rPr lang="en-US" altLang="zh-CN" dirty="0" smtClean="0"/>
+                        <a:t>NULL</a:t>
+                      </a:r>
+                      <a:endParaRPr lang="zh-CN" altLang="en-US" dirty="0"/>
+                    </a:p>
+                  </a:txBody>
+                  <a:tcPr/>
+                </a:tc>
+                <a:tc>
+                  <a:txBody>
+                    <a:bodyPr/>
+                    <a:lstStyle/>
+                    <a:p>
+                      <a:endParaRPr lang="zh-CN" altLang="en-US" dirty="0"/>
+                    </a:p>
+                  </a:txBody>
+                  <a:tcPr/>
+                </a:tc>
+              </a:tr>
+            </a:tbl>
+          </a:graphicData>
+        </a:graphic>
+      </p:graphicFrame>
+      <p:sp>
+        <p:nvSpPr>
+          <p:cNvPr id="5" name="TextBox 4"/>
+          <p:cNvSpPr txBox="1"/>
+          <p:nvPr/>
+        </p:nvSpPr>
+        <p:spPr>
+          <a:xfrm>
+            <a:off x="3857620" y="2571744"/>
+            <a:ext cx="1803892" cy="461665"/>
+          </a:xfrm>
+          <a:prstGeom prst="rect">
+            <a:avLst/>
+          </a:prstGeom>
+          <a:noFill/>
+        </p:spPr>
+        <p:txBody>
+          <a:bodyPr wrap="none" rtlCol="0">
+            <a:spAutoFit/>
+          </a:bodyPr>
+          <a:lstStyle/>
+          <a:p>
+            <a:r>
+              <a:rPr lang="en-US" altLang="zh-CN" sz="2400" b="1" dirty="0" smtClean="0"/>
+              <a:t>author table</a:t>
+            </a:r>
+            <a:endParaRPr lang="zh-CN" altLang="en-US" sz="2400" b="1" dirty="0"/>
+          </a:p>
+        </p:txBody>
+      </p:sp>
+      <p:graphicFrame>
+        <p:nvGraphicFramePr>
+          <p:cNvPr id="6" name="表格 5"/>
+          <p:cNvGraphicFramePr>
+            <a:graphicFrameLocks noGrp="1"/>
+          </p:cNvGraphicFramePr>
+          <p:nvPr/>
+        </p:nvGraphicFramePr>
+        <p:xfrm>
+          <a:off x="857224" y="3143248"/>
+          <a:ext cx="7500990" cy="1207953"/>
+        </p:xfrm>
+        <a:graphic>
+          <a:graphicData uri="http://schemas.openxmlformats.org/drawingml/2006/table">
+            <a:tbl>
+              <a:tblPr firstRow="1" bandRow="1">
+                <a:tableStyleId>{5C22544A-7EE6-4342-B048-85BDC9FD1C3A}</a:tableStyleId>
+              </a:tblPr>
+              <a:tblGrid>
+                <a:gridCol w="1250165"/>
+                <a:gridCol w="1250165"/>
+                <a:gridCol w="1250165"/>
+                <a:gridCol w="1250165"/>
+                <a:gridCol w="1250165"/>
+                <a:gridCol w="1250165"/>
+              </a:tblGrid>
+              <a:tr h="402651">
+                <a:tc>
+                  <a:txBody>
+                    <a:bodyPr/>
+                    <a:lstStyle/>
+                    <a:p>
+                      <a:r>
+                        <a:rPr lang="en-US" altLang="zh-CN" dirty="0" smtClean="0"/>
+                        <a:t>Field</a:t>
+                      </a:r>
+                      <a:endParaRPr lang="zh-CN" altLang="en-US" dirty="0"/>
+                    </a:p>
+                  </a:txBody>
+                  <a:tcPr/>
+                </a:tc>
+                <a:tc>
+                  <a:txBody>
+                    <a:bodyPr/>
+                    <a:lstStyle/>
+                    <a:p>
+                      <a:r>
+                        <a:rPr lang="en-US" altLang="zh-CN" dirty="0" smtClean="0"/>
+                        <a:t>Type</a:t>
+                      </a:r>
+                      <a:endParaRPr lang="zh-CN" altLang="en-US" dirty="0"/>
+                    </a:p>
+                  </a:txBody>
+                  <a:tcPr/>
+                </a:tc>
+                <a:tc>
+                  <a:txBody>
+                    <a:bodyPr/>
+                    <a:lstStyle/>
+                    <a:p>
+                      <a:r>
+                        <a:rPr lang="en-US" altLang="zh-CN" dirty="0" smtClean="0"/>
+                        <a:t>NULL</a:t>
+                      </a:r>
+                      <a:endParaRPr lang="zh-CN" altLang="en-US" dirty="0"/>
+                    </a:p>
+                  </a:txBody>
+                  <a:tcPr/>
+                </a:tc>
+                <a:tc>
+                  <a:txBody>
+                    <a:bodyPr/>
+                    <a:lstStyle/>
+                    <a:p>
+                      <a:r>
+                        <a:rPr lang="en-US" altLang="zh-CN" dirty="0" smtClean="0"/>
+                        <a:t>Key</a:t>
+                      </a:r>
+                      <a:endParaRPr lang="zh-CN" altLang="en-US" dirty="0"/>
+                    </a:p>
+                  </a:txBody>
+                  <a:tcPr/>
+                </a:tc>
+                <a:tc>
+                  <a:txBody>
+                    <a:bodyPr/>
+                    <a:lstStyle/>
+                    <a:p>
+                      <a:r>
+                        <a:rPr lang="en-US" altLang="zh-CN" dirty="0" smtClean="0"/>
+                        <a:t>Default</a:t>
+                      </a:r>
+                      <a:endParaRPr lang="zh-CN" altLang="en-US" dirty="0"/>
+                    </a:p>
+                  </a:txBody>
+                  <a:tcPr/>
+                </a:tc>
+                <a:tc>
+                  <a:txBody>
+                    <a:bodyPr/>
+                    <a:lstStyle/>
+                    <a:p>
+                      <a:r>
+                        <a:rPr lang="en-US" altLang="zh-CN" dirty="0" smtClean="0"/>
+                        <a:t>Extra</a:t>
+                      </a:r>
+                      <a:endParaRPr lang="zh-CN" altLang="en-US" dirty="0"/>
+                    </a:p>
+                  </a:txBody>
+                  <a:tcPr/>
+                </a:tc>
+              </a:tr>
+              <a:tr h="402651">
+                <a:tc>
+                  <a:txBody>
+                    <a:bodyPr/>
+                    <a:lstStyle/>
+                    <a:p>
+                      <a:r>
+                        <a:rPr lang="en-US" altLang="zh-CN" dirty="0" err="1" smtClean="0"/>
+                        <a:t>paper_id</a:t>
+                      </a:r>
+                      <a:endParaRPr lang="zh-CN" altLang="en-US" dirty="0"/>
+                    </a:p>
+                  </a:txBody>
+                  <a:tcPr/>
+                </a:tc>
+                <a:tc>
+                  <a:txBody>
+                    <a:bodyPr/>
+                    <a:lstStyle/>
+                    <a:p>
+                      <a:r>
+                        <a:rPr lang="en-US" altLang="zh-CN" dirty="0" smtClean="0"/>
+                        <a:t>int(11)</a:t>
+                      </a:r>
+                      <a:endParaRPr lang="zh-CN" altLang="en-US" dirty="0"/>
+                    </a:p>
+                  </a:txBody>
+                  <a:tcPr/>
+                </a:tc>
+                <a:tc>
+                  <a:txBody>
+                    <a:bodyPr/>
+                    <a:lstStyle/>
+                    <a:p>
+                      <a:r>
+                        <a:rPr lang="en-US" altLang="zh-CN" dirty="0" smtClean="0"/>
+                        <a:t>NO</a:t>
+                      </a:r>
+                      <a:endParaRPr lang="zh-CN" altLang="en-US" dirty="0"/>
+                    </a:p>
+                  </a:txBody>
+                  <a:tcPr/>
+                </a:tc>
+                <a:tc>
+                  <a:txBody>
+                    <a:bodyPr/>
+                    <a:lstStyle/>
+                    <a:p>
+                      <a:r>
+                        <a:rPr lang="en-US" altLang="zh-CN" dirty="0" smtClean="0"/>
+                        <a:t>PRI</a:t>
+                      </a:r>
+                      <a:endParaRPr lang="zh-CN" altLang="en-US" dirty="0"/>
+                    </a:p>
+                  </a:txBody>
+                  <a:tcPr/>
+                </a:tc>
+                <a:tc>
+                  <a:txBody>
+                    <a:bodyPr/>
+                    <a:lstStyle/>
+                    <a:p>
+                      <a:r>
+                        <a:rPr lang="en-US" altLang="zh-CN" dirty="0" smtClean="0"/>
+                        <a:t>NULL</a:t>
+                      </a:r>
+                      <a:endParaRPr lang="zh-CN" altLang="en-US" dirty="0"/>
+                    </a:p>
+                  </a:txBody>
+                  <a:tcPr/>
+                </a:tc>
+                <a:tc>
+                  <a:txBody>
+                    <a:bodyPr/>
+                    <a:lstStyle/>
+                    <a:p>
+                      <a:endParaRPr lang="zh-CN" altLang="en-US" dirty="0"/>
+                    </a:p>
+                  </a:txBody>
+                  <a:tcPr/>
+                </a:tc>
+              </a:tr>
+              <a:tr h="402651">
+                <a:tc>
+                  <a:txBody>
+                    <a:bodyPr/>
+                    <a:lstStyle/>
+                    <a:p>
+                      <a:r>
+                        <a:rPr lang="en-US" altLang="zh-CN" dirty="0" err="1" smtClean="0"/>
+                        <a:t>author_id</a:t>
+                      </a:r>
+                      <a:endParaRPr lang="zh-CN" altLang="en-US" dirty="0"/>
+                    </a:p>
+                  </a:txBody>
+                  <a:tcPr/>
+                </a:tc>
+                <a:tc>
+                  <a:txBody>
+                    <a:bodyPr/>
+                    <a:lstStyle/>
+                    <a:p>
+                      <a:r>
+                        <a:rPr lang="en-US" altLang="zh-CN" dirty="0" smtClean="0"/>
+                        <a:t>int(11)</a:t>
+                      </a:r>
+                      <a:endParaRPr lang="zh-CN" altLang="en-US" dirty="0"/>
+                    </a:p>
+                  </a:txBody>
+                  <a:tcPr/>
+                </a:tc>
+                <a:tc>
+                  <a:txBody>
+                    <a:bodyPr/>
+                    <a:lstStyle/>
+                    <a:p>
+                      <a:r>
+                        <a:rPr lang="en-US" altLang="zh-CN" dirty="0" smtClean="0"/>
+                        <a:t>NO</a:t>
+                      </a:r>
+                      <a:endParaRPr lang="zh-CN" altLang="en-US" dirty="0"/>
+                    </a:p>
+                  </a:txBody>
+                  <a:tcPr/>
+                </a:tc>
+                <a:tc>
+                  <a:txBody>
+                    <a:bodyPr/>
+                    <a:lstStyle/>
+                    <a:p>
+                      <a:r>
+                        <a:rPr lang="en-US" altLang="zh-CN" dirty="0" smtClean="0"/>
+                        <a:t>PRI</a:t>
+                      </a:r>
+                      <a:endParaRPr lang="zh-CN" altLang="en-US" dirty="0"/>
+                    </a:p>
+                  </a:txBody>
+                  <a:tcPr/>
+                </a:tc>
+                <a:tc>
+                  <a:txBody>
+                    <a:bodyPr/>
+                    <a:lstStyle/>
+                    <a:p>
+                      <a:r>
+                        <a:rPr lang="en-US" altLang="zh-CN" dirty="0" smtClean="0"/>
+                        <a:t>NULL</a:t>
+                      </a:r>
+                      <a:endParaRPr lang="zh-CN" altLang="en-US" dirty="0"/>
+                    </a:p>
+                  </a:txBody>
+                  <a:tcPr/>
+                </a:tc>
+                <a:tc>
+                  <a:txBody>
+                    <a:bodyPr/>
+                    <a:lstStyle/>
+                    <a:p>
+                      <a:endParaRPr lang="zh-CN" altLang="en-US" dirty="0"/>
+                    </a:p>
+                  </a:txBody>
+                  <a:tcPr/>
+                </a:tc>
+              </a:tr>
+            </a:tbl>
+          </a:graphicData>
+        </a:graphic>
+      </p:graphicFrame>
+      <p:sp>
+        <p:nvSpPr>
+          <p:cNvPr id="7" name="TextBox 6"/>
+          <p:cNvSpPr txBox="1"/>
+          <p:nvPr/>
+        </p:nvSpPr>
+        <p:spPr>
+          <a:xfrm>
+            <a:off x="3428992" y="4429132"/>
+            <a:ext cx="2663486" cy="461665"/>
+          </a:xfrm>
+          <a:prstGeom prst="rect">
+            <a:avLst/>
+          </a:prstGeom>
+          <a:noFill/>
+        </p:spPr>
+        <p:txBody>
+          <a:bodyPr wrap="none" rtlCol="0">
+            <a:spAutoFit/>
+          </a:bodyPr>
+          <a:lstStyle/>
+          <a:p>
+            <a:r>
+              <a:rPr lang="en-US" altLang="zh-CN" sz="2400" b="1" dirty="0" err="1" smtClean="0"/>
+              <a:t>paper_author</a:t>
+            </a:r>
+            <a:r>
+              <a:rPr lang="en-US" altLang="zh-CN" sz="2400" b="1" dirty="0" smtClean="0"/>
+              <a:t> table</a:t>
+            </a:r>
+            <a:endParaRPr lang="zh-CN" altLang="en-US" sz="2400" b="1" dirty="0"/>
+          </a:p>
+        </p:txBody>
+      </p:sp>
+      <p:graphicFrame>
+        <p:nvGraphicFramePr>
+          <p:cNvPr id="8" name="表格 7"/>
+          <p:cNvGraphicFramePr>
+            <a:graphicFrameLocks noGrp="1"/>
+          </p:cNvGraphicFramePr>
+          <p:nvPr/>
+        </p:nvGraphicFramePr>
+        <p:xfrm>
+          <a:off x="857224" y="4929198"/>
+          <a:ext cx="7500990" cy="1207953"/>
+        </p:xfrm>
+        <a:graphic>
+          <a:graphicData uri="http://schemas.openxmlformats.org/drawingml/2006/table">
+            <a:tbl>
+              <a:tblPr firstRow="1" bandRow="1">
+                <a:tableStyleId>{5C22544A-7EE6-4342-B048-85BDC9FD1C3A}</a:tableStyleId>
+              </a:tblPr>
+              <a:tblGrid>
+                <a:gridCol w="1250165"/>
+                <a:gridCol w="1250165"/>
+                <a:gridCol w="1250165"/>
+                <a:gridCol w="1250165"/>
+                <a:gridCol w="1250165"/>
+                <a:gridCol w="1250165"/>
+              </a:tblGrid>
+              <a:tr h="402651">
+                <a:tc>
+                  <a:txBody>
+                    <a:bodyPr/>
+                    <a:lstStyle/>
+                    <a:p>
+                      <a:r>
+                        <a:rPr lang="en-US" altLang="zh-CN" dirty="0" smtClean="0"/>
+                        <a:t>Field</a:t>
+                      </a:r>
+                      <a:endParaRPr lang="zh-CN" altLang="en-US" dirty="0"/>
+                    </a:p>
+                  </a:txBody>
+                  <a:tcPr/>
+                </a:tc>
+                <a:tc>
+                  <a:txBody>
+                    <a:bodyPr/>
+                    <a:lstStyle/>
+                    <a:p>
+                      <a:r>
+                        <a:rPr lang="en-US" altLang="zh-CN" dirty="0" smtClean="0"/>
+                        <a:t>Type</a:t>
+                      </a:r>
+                      <a:endParaRPr lang="zh-CN" altLang="en-US" dirty="0"/>
+                    </a:p>
+                  </a:txBody>
+                  <a:tcPr/>
+                </a:tc>
+                <a:tc>
+                  <a:txBody>
+                    <a:bodyPr/>
+                    <a:lstStyle/>
+                    <a:p>
+                      <a:r>
+                        <a:rPr lang="en-US" altLang="zh-CN" dirty="0" smtClean="0"/>
+                        <a:t>NULL</a:t>
+                      </a:r>
+                      <a:endParaRPr lang="zh-CN" altLang="en-US" dirty="0"/>
+                    </a:p>
+                  </a:txBody>
+                  <a:tcPr/>
+                </a:tc>
+                <a:tc>
+                  <a:txBody>
+                    <a:bodyPr/>
+                    <a:lstStyle/>
+                    <a:p>
+                      <a:r>
+                        <a:rPr lang="en-US" altLang="zh-CN" dirty="0" smtClean="0"/>
+                        <a:t>Key</a:t>
+                      </a:r>
+                      <a:endParaRPr lang="zh-CN" altLang="en-US" dirty="0"/>
+                    </a:p>
+                  </a:txBody>
+                  <a:tcPr/>
+                </a:tc>
+                <a:tc>
+                  <a:txBody>
+                    <a:bodyPr/>
+                    <a:lstStyle/>
+                    <a:p>
+                      <a:r>
+                        <a:rPr lang="en-US" altLang="zh-CN" dirty="0" smtClean="0"/>
+                        <a:t>Default</a:t>
+                      </a:r>
+                      <a:endParaRPr lang="zh-CN" altLang="en-US" dirty="0"/>
+                    </a:p>
+                  </a:txBody>
+                  <a:tcPr/>
+                </a:tc>
+                <a:tc>
+                  <a:txBody>
+                    <a:bodyPr/>
+                    <a:lstStyle/>
+                    <a:p>
+                      <a:r>
+                        <a:rPr lang="en-US" altLang="zh-CN" dirty="0" smtClean="0"/>
+                        <a:t>Extra</a:t>
+                      </a:r>
+                      <a:endParaRPr lang="zh-CN" altLang="en-US" dirty="0"/>
+                    </a:p>
+                  </a:txBody>
+                  <a:tcPr/>
+                </a:tc>
+              </a:tr>
+              <a:tr h="402651">
+                <a:tc>
+                  <a:txBody>
+                    <a:bodyPr/>
+                    <a:lstStyle/>
+                    <a:p>
+                      <a:r>
+                        <a:rPr lang="en-US" altLang="zh-CN" dirty="0" err="1" smtClean="0"/>
+                        <a:t>src_id</a:t>
+                      </a:r>
+                      <a:endParaRPr lang="zh-CN" altLang="en-US" dirty="0"/>
+                    </a:p>
+                  </a:txBody>
+                  <a:tcPr/>
+                </a:tc>
+                <a:tc>
+                  <a:txBody>
+                    <a:bodyPr/>
+                    <a:lstStyle/>
+                    <a:p>
+                      <a:r>
+                        <a:rPr lang="en-US" altLang="zh-CN" dirty="0" smtClean="0"/>
+                        <a:t>int(11)</a:t>
+                      </a:r>
+                      <a:endParaRPr lang="zh-CN" altLang="en-US" dirty="0"/>
+                    </a:p>
+                  </a:txBody>
+                  <a:tcPr/>
+                </a:tc>
+                <a:tc>
+                  <a:txBody>
+                    <a:bodyPr/>
+                    <a:lstStyle/>
+                    <a:p>
+                      <a:r>
+                        <a:rPr lang="en-US" altLang="zh-CN" dirty="0" smtClean="0"/>
+                        <a:t>NO</a:t>
+                      </a:r>
+                      <a:endParaRPr lang="zh-CN" altLang="en-US" dirty="0"/>
+                    </a:p>
+                  </a:txBody>
+                  <a:tcPr/>
+                </a:tc>
+                <a:tc>
+                  <a:txBody>
+                    <a:bodyPr/>
+                    <a:lstStyle/>
+                    <a:p>
+                      <a:r>
+                        <a:rPr lang="en-US" altLang="zh-CN" dirty="0" smtClean="0"/>
+                        <a:t>PRI</a:t>
+                      </a:r>
+                      <a:endParaRPr lang="zh-CN" altLang="en-US" dirty="0"/>
+                    </a:p>
+                  </a:txBody>
+                  <a:tcPr/>
+                </a:tc>
+                <a:tc>
+                  <a:txBody>
+                    <a:bodyPr/>
+                    <a:lstStyle/>
+                    <a:p>
+                      <a:r>
+                        <a:rPr lang="en-US" altLang="zh-CN" dirty="0" smtClean="0"/>
+                        <a:t>NULL</a:t>
+                      </a:r>
+                      <a:endParaRPr lang="zh-CN" altLang="en-US" dirty="0"/>
+                    </a:p>
+                  </a:txBody>
+                  <a:tcPr/>
+                </a:tc>
+                <a:tc>
+                  <a:txBody>
+                    <a:bodyPr/>
+                    <a:lstStyle/>
+                    <a:p>
+                      <a:endParaRPr lang="zh-CN" altLang="en-US" dirty="0"/>
+                    </a:p>
+                  </a:txBody>
+                  <a:tcPr/>
+                </a:tc>
+              </a:tr>
+              <a:tr h="402651">
+                <a:tc>
+                  <a:txBody>
+                    <a:bodyPr/>
+                    <a:lstStyle/>
+                    <a:p>
+                      <a:r>
+                        <a:rPr lang="en-US" altLang="zh-CN" dirty="0" err="1" smtClean="0"/>
+                        <a:t>dst_id</a:t>
+                      </a:r>
+                      <a:endParaRPr lang="zh-CN" altLang="en-US" dirty="0"/>
+                    </a:p>
+                  </a:txBody>
+                  <a:tcPr/>
+                </a:tc>
+                <a:tc>
+                  <a:txBody>
+                    <a:bodyPr/>
+                    <a:lstStyle/>
+                    <a:p>
+                      <a:r>
+                        <a:rPr lang="en-US" altLang="zh-CN" dirty="0" smtClean="0"/>
+                        <a:t>int(11)</a:t>
+                      </a:r>
+                      <a:endParaRPr lang="zh-CN" altLang="en-US" dirty="0"/>
+                    </a:p>
+                  </a:txBody>
+                  <a:tcPr/>
+                </a:tc>
+                <a:tc>
+                  <a:txBody>
+                    <a:bodyPr/>
+                    <a:lstStyle/>
+                    <a:p>
+                      <a:r>
+                        <a:rPr lang="en-US" altLang="zh-CN" dirty="0" smtClean="0"/>
+                        <a:t>NO</a:t>
+                      </a:r>
+                      <a:endParaRPr lang="zh-CN" altLang="en-US" dirty="0"/>
+                    </a:p>
+                  </a:txBody>
+                  <a:tcPr/>
+                </a:tc>
+                <a:tc>
+                  <a:txBody>
+                    <a:bodyPr/>
+                    <a:lstStyle/>
+                    <a:p>
+                      <a:r>
+                        <a:rPr lang="en-US" altLang="zh-CN" dirty="0" smtClean="0"/>
+                        <a:t>PRI</a:t>
+                      </a:r>
+                      <a:endParaRPr lang="zh-CN" altLang="en-US" dirty="0"/>
+                    </a:p>
+                  </a:txBody>
+                  <a:tcPr/>
+                </a:tc>
+                <a:tc>
+                  <a:txBody>
+                    <a:bodyPr/>
+                    <a:lstStyle/>
+                    <a:p>
+                      <a:r>
+                        <a:rPr lang="en-US" altLang="zh-CN" dirty="0" smtClean="0"/>
+                        <a:t>NULL</a:t>
+                      </a:r>
+                      <a:endParaRPr lang="zh-CN" altLang="en-US" dirty="0"/>
+                    </a:p>
+                  </a:txBody>
+                  <a:tcPr/>
+                </a:tc>
+                <a:tc>
+                  <a:txBody>
+                    <a:bodyPr/>
+                    <a:lstStyle/>
+                    <a:p>
+                      <a:endParaRPr lang="zh-CN" altLang="en-US" dirty="0"/>
+                    </a:p>
+                  </a:txBody>
+                  <a:tcPr/>
+                </a:tc>
+              </a:tr>
+            </a:tbl>
+          </a:graphicData>
+        </a:graphic>
+      </p:graphicFrame>
+      <p:sp>
+        <p:nvSpPr>
+          <p:cNvPr id="9" name="TextBox 8"/>
+          <p:cNvSpPr txBox="1"/>
+          <p:nvPr/>
+        </p:nvSpPr>
+        <p:spPr>
+          <a:xfrm>
+            <a:off x="4060355" y="6110607"/>
+            <a:ext cx="1368901" cy="461665"/>
+          </a:xfrm>
+          <a:prstGeom prst="rect">
+            <a:avLst/>
+          </a:prstGeom>
+          <a:noFill/>
+        </p:spPr>
+        <p:txBody>
+          <a:bodyPr wrap="none" rtlCol="0">
+            <a:spAutoFit/>
+          </a:bodyPr>
+          <a:lstStyle/>
+          <a:p>
+            <a:r>
+              <a:rPr lang="en-US" altLang="zh-CN" sz="2400" b="1" dirty="0" smtClean="0"/>
+              <a:t>cite table</a:t>
+            </a:r>
+            <a:endParaRPr lang="zh-CN" altLang="en-US" sz="2400" b="1" dirty="0"/>
+          </a:p>
+        </p:txBody>
+      </p:sp>
+    </p:spTree>
+  </p:cSld>
+  <p:clrMapOvr>
+    <a:masterClrMapping/>
+  </p:clrMapOvr>
+</p:sld>
+</file>
+
+<file path=ppt/slides/slide6.xml><?xml version="1.0" encoding="utf-8"?>
+<p:sld xmlns:a="http://schemas.openxmlformats.org/drawingml/2006/main" xmlns:r="http://schemas.openxmlformats.org/officeDocument/2006/relationships" xmlns:p="http://schemas.openxmlformats.org/presentationml/2006/main">
+  <p:cSld>
+    <p:spTree>
+      <p:nvGrpSpPr>
+        <p:cNvPr id="1" name=""/>
+        <p:cNvGrpSpPr/>
+        <p:nvPr/>
+      </p:nvGrpSpPr>
+      <p:grpSpPr>
+        <a:xfrm>
+          <a:off x="0" y="0"/>
+          <a:ext cx="0" cy="0"/>
+          <a:chOff x="0" y="0"/>
+          <a:chExt cx="0" cy="0"/>
+        </a:xfrm>
+      </p:grpSpPr>
+      <p:sp>
+        <p:nvSpPr>
+          <p:cNvPr id="2" name="标题 1"/>
+          <p:cNvSpPr>
+            <a:spLocks noGrp="1"/>
+          </p:cNvSpPr>
+          <p:nvPr>
+            <p:ph type="title"/>
+          </p:nvPr>
+        </p:nvSpPr>
+        <p:spPr/>
+        <p:txBody>
+          <a:bodyPr/>
+          <a:lstStyle/>
+          <a:p>
+            <a:r>
+              <a:rPr lang="en-US" altLang="zh-CN" dirty="0" smtClean="0"/>
+              <a:t>Search Engine</a:t>
+            </a:r>
+            <a:endParaRPr lang="zh-CN" altLang="en-US" dirty="0"/>
+          </a:p>
+        </p:txBody>
+      </p:sp>
+      <p:sp>
+        <p:nvSpPr>
+          <p:cNvPr id="3" name="内容占位符 2"/>
+          <p:cNvSpPr>
+            <a:spLocks noGrp="1"/>
+          </p:cNvSpPr>
+          <p:nvPr>
+            <p:ph idx="1"/>
+          </p:nvPr>
+        </p:nvSpPr>
+        <p:spPr/>
+        <p:txBody>
+          <a:bodyPr/>
+          <a:lstStyle/>
+          <a:p>
+            <a:r>
+              <a:rPr lang="en-US" altLang="zh-CN" dirty="0" smtClean="0"/>
+              <a:t>Sphinx</a:t>
+            </a:r>
+          </a:p>
+          <a:p>
+            <a:pPr lvl="1"/>
+            <a:r>
+              <a:rPr lang="en-US" altLang="zh-CN" dirty="0" smtClean="0"/>
+              <a:t>title</a:t>
+            </a:r>
+          </a:p>
+          <a:p>
+            <a:pPr lvl="1"/>
+            <a:r>
+              <a:rPr lang="en-US" altLang="zh-CN" dirty="0" smtClean="0"/>
+              <a:t>author</a:t>
+            </a:r>
+          </a:p>
+          <a:p>
+            <a:pPr lvl="1"/>
+            <a:r>
+              <a:rPr lang="en-US" altLang="zh-CN" dirty="0" smtClean="0"/>
+              <a:t>booktitle</a:t>
+            </a:r>
+          </a:p>
+          <a:p>
+            <a:pPr lvl="1"/>
+            <a:r>
+              <a:rPr lang="en-US" altLang="zh-CN" dirty="0" smtClean="0"/>
+              <a:t>publisher</a:t>
+            </a:r>
+          </a:p>
+          <a:p>
+            <a:pPr lvl="1"/>
+            <a:r>
+              <a:rPr lang="en-US" altLang="zh-CN" dirty="0" smtClean="0"/>
+              <a:t>school</a:t>
+            </a:r>
+          </a:p>
+          <a:p>
+            <a:pPr lvl="1"/>
+            <a:r>
+              <a:rPr lang="en-US" altLang="zh-CN" dirty="0" smtClean="0"/>
+              <a:t>journal</a:t>
+            </a:r>
+          </a:p>
+          <a:p>
+            <a:pPr lvl="1"/>
+            <a:r>
+              <a:rPr lang="en-US" altLang="zh-CN" dirty="0" smtClean="0"/>
+              <a:t>abstract</a:t>
+            </a:r>
+            <a:endParaRPr lang="zh-CN" altLang="en-US" dirty="0"/>
+          </a:p>
+        </p:txBody>
+      </p:sp>
+      <p:pic>
+        <p:nvPicPr>
+          <p:cNvPr id="1026" name="Picture 2" descr="Sphinx"/>
+          <p:cNvPicPr>
+            <a:picLocks noChangeAspect="1" noChangeArrowheads="1"/>
+          </p:cNvPicPr>
+          <p:nvPr/>
+        </p:nvPicPr>
+        <p:blipFill>
+          <a:blip r:embed="rId2"/>
+          <a:srcRect/>
+          <a:stretch>
+            <a:fillRect/>
+          </a:stretch>
+        </p:blipFill>
+        <p:spPr bwMode="auto">
+          <a:xfrm>
+            <a:off x="4929190" y="1643050"/>
+            <a:ext cx="1905000" cy="485775"/>
+          </a:xfrm>
+          <a:prstGeom prst="rect">
+            <a:avLst/>
+          </a:prstGeom>
+          <a:noFill/>
+        </p:spPr>
+      </p:pic>
+    </p:spTree>
+  </p:cSld>
+  <p:clrMapOvr>
+    <a:masterClrMapping/>
+  </p:clrMapOvr>
+</p:sld>
+</file>
+
+<file path=ppt/slides/slide7.xml><?xml version="1.0" encoding="utf-8"?>
+<p:sld xmlns:a="http://schemas.openxmlformats.org/drawingml/2006/main" xmlns:r="http://schemas.openxmlformats.org/officeDocument/2006/relationships" xmlns:p="http://schemas.openxmlformats.org/presentationml/2006/main">
+  <p:cSld>
+    <p:spTree>
+      <p:nvGrpSpPr>
+        <p:cNvPr id="1" name=""/>
+        <p:cNvGrpSpPr/>
+        <p:nvPr/>
+      </p:nvGrpSpPr>
+      <p:grpSpPr>
+        <a:xfrm>
+          <a:off x="0" y="0"/>
+          <a:ext cx="0" cy="0"/>
+          <a:chOff x="0" y="0"/>
+          <a:chExt cx="0" cy="0"/>
+        </a:xfrm>
+      </p:grpSpPr>
+      <p:sp>
+        <p:nvSpPr>
+          <p:cNvPr id="2" name="标题 1"/>
+          <p:cNvSpPr>
+            <a:spLocks noGrp="1"/>
+          </p:cNvSpPr>
+          <p:nvPr>
+            <p:ph type="title"/>
+          </p:nvPr>
+        </p:nvSpPr>
+        <p:spPr/>
+        <p:txBody>
+          <a:bodyPr/>
+          <a:lstStyle/>
+          <a:p>
+            <a:r>
+              <a:rPr lang="en-US" altLang="zh-CN" dirty="0" smtClean="0"/>
+              <a:t>Recommender System</a:t>
+            </a:r>
+            <a:endParaRPr lang="zh-CN" altLang="en-US" dirty="0"/>
+          </a:p>
+        </p:txBody>
+      </p:sp>
+      <p:sp>
+        <p:nvSpPr>
+          <p:cNvPr id="3" name="内容占位符 2"/>
+          <p:cNvSpPr>
+            <a:spLocks noGrp="1"/>
+          </p:cNvSpPr>
+          <p:nvPr>
+            <p:ph idx="1"/>
+          </p:nvPr>
+        </p:nvSpPr>
+        <p:spPr/>
+        <p:txBody>
+          <a:bodyPr/>
+          <a:lstStyle/>
+          <a:p>
+            <a:r>
+              <a:rPr lang="en-US" altLang="zh-CN" dirty="0" smtClean="0"/>
+              <a:t>On-line System</a:t>
+            </a:r>
+          </a:p>
+          <a:p>
+            <a:pPr lvl="1"/>
+            <a:r>
+              <a:rPr lang="en-US" altLang="zh-CN" dirty="0" smtClean="0"/>
+              <a:t>Making recommendation by users’ historical behavior</a:t>
+            </a:r>
+          </a:p>
+          <a:p>
+            <a:r>
+              <a:rPr lang="en-US" altLang="zh-CN" dirty="0" smtClean="0"/>
+              <a:t>Off-line System</a:t>
+            </a:r>
+          </a:p>
+          <a:p>
+            <a:pPr lvl="1"/>
+            <a:r>
+              <a:rPr lang="en-US" altLang="zh-CN" dirty="0" smtClean="0"/>
+              <a:t>Paper similarity table</a:t>
+            </a:r>
+            <a:endParaRPr lang="zh-CN" altLang="en-US" dirty="0"/>
+          </a:p>
+        </p:txBody>
+      </p:sp>
+    </p:spTree>
+  </p:cSld>
+  <p:clrMapOvr>
+    <a:masterClrMapping/>
+  </p:clrMapOvr>
+</p:sld>
+</file>
+
+<file path=ppt/slides/slide8.xml><?xml version="1.0" encoding="utf-8"?>
+<p:sld xmlns:a="http://schemas.openxmlformats.org/drawingml/2006/main" xmlns:r="http://schemas.openxmlformats.org/officeDocument/2006/relationships" xmlns:p="http://schemas.openxmlformats.org/presentationml/2006/main">
+  <p:cSld>
+    <p:spTree>
+      <p:nvGrpSpPr>
+        <p:cNvPr id="1" name=""/>
+        <p:cNvGrpSpPr/>
+        <p:nvPr/>
+      </p:nvGrpSpPr>
+      <p:grpSpPr>
+        <a:xfrm>
+          <a:off x="0" y="0"/>
+          <a:ext cx="0" cy="0"/>
+          <a:chOff x="0" y="0"/>
+          <a:chExt cx="0" cy="0"/>
+        </a:xfrm>
+      </p:grpSpPr>
+      <p:sp>
+        <p:nvSpPr>
+          <p:cNvPr id="2" name="标题 1"/>
+          <p:cNvSpPr>
+            <a:spLocks noGrp="1"/>
+          </p:cNvSpPr>
+          <p:nvPr>
+            <p:ph type="title"/>
+          </p:nvPr>
+        </p:nvSpPr>
+        <p:spPr/>
+        <p:txBody>
+          <a:bodyPr/>
+          <a:lstStyle/>
+          <a:p>
+            <a:r>
+              <a:rPr lang="en-US" altLang="zh-CN" dirty="0" smtClean="0"/>
+              <a:t>Recommender System: Online</a:t>
+            </a:r>
+            <a:endParaRPr lang="zh-CN" altLang="en-US" dirty="0"/>
+          </a:p>
+        </p:txBody>
+      </p:sp>
+      <p:sp>
+        <p:nvSpPr>
+          <p:cNvPr id="3" name="圆柱形 2"/>
+          <p:cNvSpPr/>
+          <p:nvPr/>
+        </p:nvSpPr>
+        <p:spPr>
+          <a:xfrm>
+            <a:off x="2071670" y="1428736"/>
+            <a:ext cx="1357322" cy="1143008"/>
+          </a:xfrm>
+          <a:prstGeom prst="can">
+            <a:avLst/>
+          </a:prstGeom>
+        </p:spPr>
+        <p:style>
+          <a:lnRef idx="1">
+            <a:schemeClr val="accent1"/>
+          </a:lnRef>
+          <a:fillRef idx="3">
+            <a:schemeClr val="accent1"/>
+          </a:fillRef>
+          <a:effectRef idx="2">
+            <a:schemeClr val="accent1"/>
+          </a:effectRef>
+          <a:fontRef idx="minor">
+            <a:schemeClr val="lt1"/>
+          </a:fontRef>
+        </p:style>
+        <p:txBody>
+          <a:bodyPr rtlCol="0" anchor="ctr"/>
+          <a:lstStyle/>
+          <a:p>
+            <a:pPr algn="ctr"/>
+            <a:r>
+              <a:rPr lang="en-US" altLang="zh-CN" dirty="0" smtClean="0"/>
+              <a:t>User Behavior DB</a:t>
+            </a:r>
+            <a:endParaRPr lang="zh-CN" altLang="en-US" dirty="0"/>
+          </a:p>
+        </p:txBody>
+      </p:sp>
+      <p:sp>
+        <p:nvSpPr>
+          <p:cNvPr id="7" name="矩形 6"/>
+          <p:cNvSpPr/>
+          <p:nvPr/>
+        </p:nvSpPr>
+        <p:spPr>
+          <a:xfrm>
+            <a:off x="4143372" y="1714488"/>
+            <a:ext cx="2000264" cy="571504"/>
+          </a:xfrm>
+          <a:prstGeom prst="rect">
+            <a:avLst/>
+          </a:prstGeom>
+        </p:spPr>
+        <p:style>
+          <a:lnRef idx="1">
+            <a:schemeClr val="accent1"/>
+          </a:lnRef>
+          <a:fillRef idx="3">
+            <a:schemeClr val="accent1"/>
+          </a:fillRef>
+          <a:effectRef idx="2">
+            <a:schemeClr val="accent1"/>
+          </a:effectRef>
+          <a:fontRef idx="minor">
+            <a:schemeClr val="lt1"/>
+          </a:fontRef>
+        </p:style>
+        <p:txBody>
+          <a:bodyPr rtlCol="0" anchor="ctr"/>
+          <a:lstStyle/>
+          <a:p>
+            <a:pPr algn="ctr"/>
+            <a:r>
+              <a:rPr lang="en-US" altLang="zh-CN" dirty="0" smtClean="0"/>
+              <a:t>User Features</a:t>
+            </a:r>
+            <a:endParaRPr lang="zh-CN" altLang="en-US" dirty="0"/>
+          </a:p>
+        </p:txBody>
+      </p:sp>
+      <p:sp>
+        <p:nvSpPr>
+          <p:cNvPr id="8" name="矩形 7"/>
+          <p:cNvSpPr/>
+          <p:nvPr/>
+        </p:nvSpPr>
+        <p:spPr>
+          <a:xfrm>
+            <a:off x="4143372" y="2571744"/>
+            <a:ext cx="2000264" cy="571504"/>
+          </a:xfrm>
+          <a:prstGeom prst="rect">
+            <a:avLst/>
+          </a:prstGeom>
+        </p:spPr>
+        <p:style>
+          <a:lnRef idx="1">
+            <a:schemeClr val="accent1"/>
+          </a:lnRef>
+          <a:fillRef idx="3">
+            <a:schemeClr val="accent1"/>
+          </a:fillRef>
+          <a:effectRef idx="2">
+            <a:schemeClr val="accent1"/>
+          </a:effectRef>
+          <a:fontRef idx="minor">
+            <a:schemeClr val="lt1"/>
+          </a:fontRef>
+        </p:style>
+        <p:txBody>
+          <a:bodyPr rtlCol="0" anchor="ctr"/>
+          <a:lstStyle/>
+          <a:p>
+            <a:pPr algn="ctr"/>
+            <a:r>
+              <a:rPr lang="en-US" altLang="zh-CN" dirty="0" smtClean="0"/>
+              <a:t>Feature-Item Similarity Table</a:t>
+            </a:r>
+            <a:endParaRPr lang="zh-CN" altLang="en-US" dirty="0"/>
+          </a:p>
+        </p:txBody>
+      </p:sp>
+      <p:sp>
+        <p:nvSpPr>
+          <p:cNvPr id="9" name="矩形 8"/>
+          <p:cNvSpPr/>
+          <p:nvPr/>
+        </p:nvSpPr>
+        <p:spPr>
+          <a:xfrm>
+            <a:off x="4143372" y="3429000"/>
+            <a:ext cx="2000264" cy="571504"/>
+          </a:xfrm>
+          <a:prstGeom prst="rect">
+            <a:avLst/>
+          </a:prstGeom>
+        </p:spPr>
+        <p:style>
+          <a:lnRef idx="1">
+            <a:schemeClr val="accent3"/>
+          </a:lnRef>
+          <a:fillRef idx="3">
+            <a:schemeClr val="accent3"/>
+          </a:fillRef>
+          <a:effectRef idx="2">
+            <a:schemeClr val="accent3"/>
+          </a:effectRef>
+          <a:fontRef idx="minor">
+            <a:schemeClr val="lt1"/>
+          </a:fontRef>
+        </p:style>
+        <p:txBody>
+          <a:bodyPr rtlCol="0" anchor="ctr"/>
+          <a:lstStyle/>
+          <a:p>
+            <a:pPr algn="ctr"/>
+            <a:r>
+              <a:rPr lang="en-US" altLang="zh-CN" dirty="0" smtClean="0"/>
+              <a:t>Raw Recommendations</a:t>
+            </a:r>
+            <a:endParaRPr lang="zh-CN" altLang="en-US" dirty="0"/>
+          </a:p>
+        </p:txBody>
+      </p:sp>
+      <p:sp>
+        <p:nvSpPr>
+          <p:cNvPr id="10" name="矩形 9"/>
+          <p:cNvSpPr/>
+          <p:nvPr/>
+        </p:nvSpPr>
+        <p:spPr>
+          <a:xfrm>
+            <a:off x="4143372" y="4286256"/>
+            <a:ext cx="2000264" cy="571504"/>
+          </a:xfrm>
+          <a:prstGeom prst="rect">
+            <a:avLst/>
+          </a:prstGeom>
+        </p:spPr>
+        <p:style>
+          <a:lnRef idx="1">
+            <a:schemeClr val="accent1"/>
+          </a:lnRef>
+          <a:fillRef idx="3">
+            <a:schemeClr val="accent1"/>
+          </a:fillRef>
+          <a:effectRef idx="2">
+            <a:schemeClr val="accent1"/>
+          </a:effectRef>
+          <a:fontRef idx="minor">
+            <a:schemeClr val="lt1"/>
+          </a:fontRef>
+        </p:style>
+        <p:txBody>
+          <a:bodyPr rtlCol="0" anchor="ctr"/>
+          <a:lstStyle/>
+          <a:p>
+            <a:pPr algn="ctr"/>
+            <a:r>
+              <a:rPr lang="en-US" altLang="zh-CN" dirty="0" smtClean="0"/>
+              <a:t>Explanation</a:t>
+            </a:r>
+            <a:endParaRPr lang="zh-CN" altLang="en-US" dirty="0"/>
+          </a:p>
+        </p:txBody>
+      </p:sp>
+      <p:sp>
+        <p:nvSpPr>
+          <p:cNvPr id="11" name="矩形 10"/>
+          <p:cNvSpPr/>
+          <p:nvPr/>
+        </p:nvSpPr>
+        <p:spPr>
+          <a:xfrm>
+            <a:off x="4143372" y="5143512"/>
+            <a:ext cx="2000264" cy="571504"/>
+          </a:xfrm>
+          <a:prstGeom prst="rect">
+            <a:avLst/>
+          </a:prstGeom>
+        </p:spPr>
+        <p:style>
+          <a:lnRef idx="1">
+            <a:schemeClr val="accent1"/>
+          </a:lnRef>
+          <a:fillRef idx="3">
+            <a:schemeClr val="accent1"/>
+          </a:fillRef>
+          <a:effectRef idx="2">
+            <a:schemeClr val="accent1"/>
+          </a:effectRef>
+          <a:fontRef idx="minor">
+            <a:schemeClr val="lt1"/>
+          </a:fontRef>
+        </p:style>
+        <p:txBody>
+          <a:bodyPr rtlCol="0" anchor="ctr"/>
+          <a:lstStyle/>
+          <a:p>
+            <a:pPr algn="ctr"/>
+            <a:r>
+              <a:rPr lang="en-US" altLang="zh-CN" dirty="0" smtClean="0"/>
+              <a:t>Ranking &amp; Filtering</a:t>
+            </a:r>
+            <a:endParaRPr lang="zh-CN" altLang="en-US" dirty="0"/>
+          </a:p>
+        </p:txBody>
+      </p:sp>
+      <p:sp>
+        <p:nvSpPr>
+          <p:cNvPr id="12" name="矩形 11"/>
+          <p:cNvSpPr/>
+          <p:nvPr/>
+        </p:nvSpPr>
+        <p:spPr>
+          <a:xfrm>
+            <a:off x="4143372" y="6000768"/>
+            <a:ext cx="2000264" cy="571504"/>
+          </a:xfrm>
+          <a:prstGeom prst="rect">
+            <a:avLst/>
+          </a:prstGeom>
+        </p:spPr>
+        <p:style>
+          <a:lnRef idx="1">
+            <a:schemeClr val="accent3"/>
+          </a:lnRef>
+          <a:fillRef idx="3">
+            <a:schemeClr val="accent3"/>
+          </a:fillRef>
+          <a:effectRef idx="2">
+            <a:schemeClr val="accent3"/>
+          </a:effectRef>
+          <a:fontRef idx="minor">
+            <a:schemeClr val="lt1"/>
+          </a:fontRef>
+        </p:style>
+        <p:txBody>
+          <a:bodyPr rtlCol="0" anchor="ctr"/>
+          <a:lstStyle/>
+          <a:p>
+            <a:pPr algn="ctr"/>
+            <a:r>
+              <a:rPr lang="en-US" altLang="zh-CN" dirty="0" smtClean="0"/>
+              <a:t>Final Recommendations</a:t>
+            </a:r>
+            <a:endParaRPr lang="zh-CN" altLang="en-US" dirty="0"/>
+          </a:p>
+        </p:txBody>
+      </p:sp>
+      <p:sp>
+        <p:nvSpPr>
+          <p:cNvPr id="14" name="圆角矩形 13"/>
+          <p:cNvSpPr/>
+          <p:nvPr/>
+        </p:nvSpPr>
+        <p:spPr>
+          <a:xfrm>
+            <a:off x="1928794" y="3000372"/>
+            <a:ext cx="1643074" cy="1071570"/>
+          </a:xfrm>
+          <a:prstGeom prst="roundRect">
+            <a:avLst/>
+          </a:prstGeom>
+        </p:spPr>
+        <p:style>
+          <a:lnRef idx="1">
+            <a:schemeClr val="accent4"/>
+          </a:lnRef>
+          <a:fillRef idx="3">
+            <a:schemeClr val="accent4"/>
+          </a:fillRef>
+          <a:effectRef idx="2">
+            <a:schemeClr val="accent4"/>
+          </a:effectRef>
+          <a:fontRef idx="minor">
+            <a:schemeClr val="lt1"/>
+          </a:fontRef>
+        </p:style>
+        <p:txBody>
+          <a:bodyPr rtlCol="0" anchor="ctr"/>
+          <a:lstStyle/>
+          <a:p>
+            <a:pPr algn="ctr"/>
+            <a:r>
+              <a:rPr lang="en-US" altLang="zh-CN" dirty="0" smtClean="0"/>
+              <a:t>Log System</a:t>
+            </a:r>
+            <a:endParaRPr lang="zh-CN" altLang="en-US" dirty="0"/>
+          </a:p>
+        </p:txBody>
+      </p:sp>
+      <p:cxnSp>
+        <p:nvCxnSpPr>
+          <p:cNvPr id="16" name="直接箭头连接符 15"/>
+          <p:cNvCxnSpPr>
+            <a:stCxn id="14" idx="0"/>
+            <a:endCxn id="3" idx="3"/>
+          </p:cNvCxnSpPr>
+          <p:nvPr/>
+        </p:nvCxnSpPr>
+        <p:spPr>
+          <a:xfrm rot="5400000" flipH="1" flipV="1">
+            <a:off x="2536017" y="2786058"/>
+            <a:ext cx="428628" cy="1588"/>
+          </a:xfrm>
+          <a:prstGeom prst="straightConnector1">
+            <a:avLst/>
+          </a:prstGeom>
+          <a:ln>
+            <a:tailEnd type="arrow"/>
+          </a:ln>
+        </p:spPr>
+        <p:style>
+          <a:lnRef idx="1">
+            <a:schemeClr val="accent1"/>
+          </a:lnRef>
+          <a:fillRef idx="0">
+            <a:schemeClr val="accent1"/>
+          </a:fillRef>
+          <a:effectRef idx="0">
+            <a:schemeClr val="accent1"/>
+          </a:effectRef>
+          <a:fontRef idx="minor">
+            <a:schemeClr val="tx1"/>
+          </a:fontRef>
+        </p:style>
+      </p:cxnSp>
+      <p:cxnSp>
+        <p:nvCxnSpPr>
+          <p:cNvPr id="18" name="直接箭头连接符 17"/>
+          <p:cNvCxnSpPr>
+            <a:stCxn id="3" idx="4"/>
+            <a:endCxn id="7" idx="1"/>
+          </p:cNvCxnSpPr>
+          <p:nvPr/>
+        </p:nvCxnSpPr>
+        <p:spPr>
+          <a:xfrm>
+            <a:off x="3428992" y="2000240"/>
+            <a:ext cx="714380" cy="1588"/>
+          </a:xfrm>
+          <a:prstGeom prst="straightConnector1">
+            <a:avLst/>
+          </a:prstGeom>
+          <a:ln>
+            <a:tailEnd type="arrow"/>
+          </a:ln>
+        </p:spPr>
+        <p:style>
+          <a:lnRef idx="1">
+            <a:schemeClr val="accent1"/>
+          </a:lnRef>
+          <a:fillRef idx="0">
+            <a:schemeClr val="accent1"/>
+          </a:fillRef>
+          <a:effectRef idx="0">
+            <a:schemeClr val="accent1"/>
+          </a:effectRef>
+          <a:fontRef idx="minor">
+            <a:schemeClr val="tx1"/>
+          </a:fontRef>
+        </p:style>
+      </p:cxnSp>
+      <p:cxnSp>
+        <p:nvCxnSpPr>
+          <p:cNvPr id="20" name="直接箭头连接符 19"/>
+          <p:cNvCxnSpPr>
+            <a:stCxn id="7" idx="2"/>
+            <a:endCxn id="8" idx="0"/>
+          </p:cNvCxnSpPr>
+          <p:nvPr/>
+        </p:nvCxnSpPr>
+        <p:spPr>
+          <a:xfrm rot="5400000">
+            <a:off x="5000628" y="2428868"/>
+            <a:ext cx="285752" cy="1588"/>
+          </a:xfrm>
+          <a:prstGeom prst="straightConnector1">
+            <a:avLst/>
+          </a:prstGeom>
+          <a:ln>
+            <a:tailEnd type="arrow"/>
+          </a:ln>
+        </p:spPr>
+        <p:style>
+          <a:lnRef idx="1">
+            <a:schemeClr val="accent1"/>
+          </a:lnRef>
+          <a:fillRef idx="0">
+            <a:schemeClr val="accent1"/>
+          </a:fillRef>
+          <a:effectRef idx="0">
+            <a:schemeClr val="accent1"/>
+          </a:effectRef>
+          <a:fontRef idx="minor">
+            <a:schemeClr val="tx1"/>
+          </a:fontRef>
+        </p:style>
+      </p:cxnSp>
+      <p:cxnSp>
+        <p:nvCxnSpPr>
+          <p:cNvPr id="22" name="直接箭头连接符 21"/>
+          <p:cNvCxnSpPr>
+            <a:stCxn id="8" idx="2"/>
+            <a:endCxn id="9" idx="0"/>
+          </p:cNvCxnSpPr>
+          <p:nvPr/>
+        </p:nvCxnSpPr>
+        <p:spPr>
+          <a:xfrm rot="5400000">
+            <a:off x="5000628" y="3286124"/>
+            <a:ext cx="285752" cy="1588"/>
+          </a:xfrm>
+          <a:prstGeom prst="straightConnector1">
+            <a:avLst/>
+          </a:prstGeom>
+          <a:ln>
+            <a:tailEnd type="arrow"/>
+          </a:ln>
+        </p:spPr>
+        <p:style>
+          <a:lnRef idx="1">
+            <a:schemeClr val="accent1"/>
+          </a:lnRef>
+          <a:fillRef idx="0">
+            <a:schemeClr val="accent1"/>
+          </a:fillRef>
+          <a:effectRef idx="0">
+            <a:schemeClr val="accent1"/>
+          </a:effectRef>
+          <a:fontRef idx="minor">
+            <a:schemeClr val="tx1"/>
+          </a:fontRef>
+        </p:style>
+      </p:cxnSp>
+      <p:cxnSp>
+        <p:nvCxnSpPr>
+          <p:cNvPr id="24" name="直接箭头连接符 23"/>
+          <p:cNvCxnSpPr>
+            <a:stCxn id="9" idx="2"/>
+            <a:endCxn id="10" idx="0"/>
+          </p:cNvCxnSpPr>
+          <p:nvPr/>
+        </p:nvCxnSpPr>
+        <p:spPr>
+          <a:xfrm rot="5400000">
+            <a:off x="5000628" y="4143380"/>
+            <a:ext cx="285752" cy="1588"/>
+          </a:xfrm>
+          <a:prstGeom prst="straightConnector1">
+            <a:avLst/>
+          </a:prstGeom>
+          <a:ln>
+            <a:tailEnd type="arrow"/>
+          </a:ln>
+        </p:spPr>
+        <p:style>
+          <a:lnRef idx="1">
+            <a:schemeClr val="accent1"/>
+          </a:lnRef>
+          <a:fillRef idx="0">
+            <a:schemeClr val="accent1"/>
+          </a:fillRef>
+          <a:effectRef idx="0">
+            <a:schemeClr val="accent1"/>
+          </a:effectRef>
+          <a:fontRef idx="minor">
+            <a:schemeClr val="tx1"/>
+          </a:fontRef>
+        </p:style>
+      </p:cxnSp>
+      <p:cxnSp>
+        <p:nvCxnSpPr>
+          <p:cNvPr id="26" name="直接箭头连接符 25"/>
+          <p:cNvCxnSpPr>
+            <a:stCxn id="10" idx="2"/>
+            <a:endCxn id="11" idx="0"/>
+          </p:cNvCxnSpPr>
+          <p:nvPr/>
+        </p:nvCxnSpPr>
+        <p:spPr>
+          <a:xfrm rot="5400000">
+            <a:off x="5000628" y="5000636"/>
+            <a:ext cx="285752" cy="1588"/>
+          </a:xfrm>
+          <a:prstGeom prst="straightConnector1">
+            <a:avLst/>
+          </a:prstGeom>
+          <a:ln>
+            <a:tailEnd type="arrow"/>
+          </a:ln>
+        </p:spPr>
+        <p:style>
+          <a:lnRef idx="1">
+            <a:schemeClr val="accent1"/>
+          </a:lnRef>
+          <a:fillRef idx="0">
+            <a:schemeClr val="accent1"/>
+          </a:fillRef>
+          <a:effectRef idx="0">
+            <a:schemeClr val="accent1"/>
+          </a:effectRef>
+          <a:fontRef idx="minor">
+            <a:schemeClr val="tx1"/>
+          </a:fontRef>
+        </p:style>
+      </p:cxnSp>
+      <p:cxnSp>
+        <p:nvCxnSpPr>
+          <p:cNvPr id="28" name="直接箭头连接符 27"/>
+          <p:cNvCxnSpPr>
+            <a:stCxn id="11" idx="2"/>
+            <a:endCxn id="12" idx="0"/>
+          </p:cNvCxnSpPr>
+          <p:nvPr/>
+        </p:nvCxnSpPr>
+        <p:spPr>
+          <a:xfrm rot="5400000">
+            <a:off x="5000628" y="5857892"/>
+            <a:ext cx="285752" cy="1588"/>
+          </a:xfrm>
+          <a:prstGeom prst="straightConnector1">
+            <a:avLst/>
+          </a:prstGeom>
+          <a:ln>
+            <a:tailEnd type="arrow"/>
+          </a:ln>
+        </p:spPr>
+        <p:style>
+          <a:lnRef idx="1">
+            <a:schemeClr val="accent1"/>
+          </a:lnRef>
+          <a:fillRef idx="0">
+            <a:schemeClr val="accent1"/>
+          </a:fillRef>
+          <a:effectRef idx="0">
+            <a:schemeClr val="accent1"/>
+          </a:effectRef>
+          <a:fontRef idx="minor">
+            <a:schemeClr val="tx1"/>
+          </a:fontRef>
+        </p:style>
+      </p:cxnSp>
+      <p:sp>
+        <p:nvSpPr>
+          <p:cNvPr id="29" name="圆角矩形 28"/>
+          <p:cNvSpPr/>
+          <p:nvPr/>
+        </p:nvSpPr>
+        <p:spPr>
+          <a:xfrm>
+            <a:off x="7215206" y="2357430"/>
+            <a:ext cx="1643074" cy="1000132"/>
+          </a:xfrm>
+          <a:prstGeom prst="roundRect">
+            <a:avLst/>
+          </a:prstGeom>
+        </p:spPr>
+        <p:style>
+          <a:lnRef idx="1">
+            <a:schemeClr val="accent5"/>
+          </a:lnRef>
+          <a:fillRef idx="3">
+            <a:schemeClr val="accent5"/>
+          </a:fillRef>
+          <a:effectRef idx="2">
+            <a:schemeClr val="accent5"/>
+          </a:effectRef>
+          <a:fontRef idx="minor">
+            <a:schemeClr val="lt1"/>
+          </a:fontRef>
+        </p:style>
+        <p:txBody>
+          <a:bodyPr rtlCol="0" anchor="ctr"/>
+          <a:lstStyle/>
+          <a:p>
+            <a:pPr algn="ctr"/>
+            <a:r>
+              <a:rPr lang="en-US" altLang="zh-CN" dirty="0" smtClean="0"/>
+              <a:t>Offline System</a:t>
+            </a:r>
+            <a:endParaRPr lang="zh-CN" altLang="en-US" dirty="0"/>
+          </a:p>
+        </p:txBody>
+      </p:sp>
+      <p:cxnSp>
+        <p:nvCxnSpPr>
+          <p:cNvPr id="31" name="形状 30"/>
+          <p:cNvCxnSpPr>
+            <a:stCxn id="12" idx="1"/>
+            <a:endCxn id="37" idx="2"/>
+          </p:cNvCxnSpPr>
+          <p:nvPr/>
+        </p:nvCxnSpPr>
+        <p:spPr>
+          <a:xfrm rot="10800000">
+            <a:off x="2750332" y="5643578"/>
+            <a:ext cx="1393041" cy="642942"/>
+          </a:xfrm>
+          <a:prstGeom prst="bentConnector2">
+            <a:avLst/>
+          </a:prstGeom>
+          <a:ln>
+            <a:tailEnd type="arrow"/>
+          </a:ln>
+        </p:spPr>
+        <p:style>
+          <a:lnRef idx="1">
+            <a:schemeClr val="accent1"/>
+          </a:lnRef>
+          <a:fillRef idx="0">
+            <a:schemeClr val="accent1"/>
+          </a:fillRef>
+          <a:effectRef idx="0">
+            <a:schemeClr val="accent1"/>
+          </a:effectRef>
+          <a:fontRef idx="minor">
+            <a:schemeClr val="tx1"/>
+          </a:fontRef>
+        </p:style>
+      </p:cxnSp>
+      <p:cxnSp>
+        <p:nvCxnSpPr>
+          <p:cNvPr id="33" name="直接箭头连接符 32"/>
+          <p:cNvCxnSpPr>
+            <a:stCxn id="29" idx="1"/>
+            <a:endCxn id="8" idx="3"/>
+          </p:cNvCxnSpPr>
+          <p:nvPr/>
+        </p:nvCxnSpPr>
+        <p:spPr>
+          <a:xfrm rot="10800000">
+            <a:off x="6143636" y="2857496"/>
+            <a:ext cx="1071570" cy="1588"/>
+          </a:xfrm>
+          <a:prstGeom prst="straightConnector1">
+            <a:avLst/>
+          </a:prstGeom>
+          <a:ln>
+            <a:tailEnd type="arrow"/>
+          </a:ln>
+        </p:spPr>
+        <p:style>
+          <a:lnRef idx="1">
+            <a:schemeClr val="accent1"/>
+          </a:lnRef>
+          <a:fillRef idx="0">
+            <a:schemeClr val="accent1"/>
+          </a:fillRef>
+          <a:effectRef idx="0">
+            <a:schemeClr val="accent1"/>
+          </a:effectRef>
+          <a:fontRef idx="minor">
+            <a:schemeClr val="tx1"/>
+          </a:fontRef>
+        </p:style>
+      </p:cxnSp>
+      <p:sp>
+        <p:nvSpPr>
+          <p:cNvPr id="37" name="圆角矩形 36"/>
+          <p:cNvSpPr/>
+          <p:nvPr/>
+        </p:nvSpPr>
+        <p:spPr>
+          <a:xfrm>
+            <a:off x="1928794" y="4572008"/>
+            <a:ext cx="1643074" cy="1071570"/>
+          </a:xfrm>
+          <a:prstGeom prst="roundRect">
+            <a:avLst/>
+          </a:prstGeom>
+        </p:spPr>
+        <p:style>
+          <a:lnRef idx="1">
+            <a:schemeClr val="accent4"/>
+          </a:lnRef>
+          <a:fillRef idx="3">
+            <a:schemeClr val="accent4"/>
+          </a:fillRef>
+          <a:effectRef idx="2">
+            <a:schemeClr val="accent4"/>
+          </a:effectRef>
+          <a:fontRef idx="minor">
+            <a:schemeClr val="lt1"/>
+          </a:fontRef>
+        </p:style>
+        <p:txBody>
+          <a:bodyPr rtlCol="0" anchor="ctr"/>
+          <a:lstStyle/>
+          <a:p>
+            <a:pPr algn="ctr"/>
+            <a:r>
+              <a:rPr lang="en-US" altLang="zh-CN" dirty="0" smtClean="0"/>
+              <a:t>Site</a:t>
+            </a:r>
+            <a:endParaRPr lang="zh-CN" altLang="en-US" dirty="0"/>
+          </a:p>
+        </p:txBody>
+      </p:sp>
+      <p:cxnSp>
+        <p:nvCxnSpPr>
+          <p:cNvPr id="43" name="直接箭头连接符 42"/>
+          <p:cNvCxnSpPr>
+            <a:stCxn id="37" idx="0"/>
+            <a:endCxn id="14" idx="2"/>
+          </p:cNvCxnSpPr>
+          <p:nvPr/>
+        </p:nvCxnSpPr>
+        <p:spPr>
+          <a:xfrm rot="5400000" flipH="1" flipV="1">
+            <a:off x="2500298" y="4321975"/>
+            <a:ext cx="500066" cy="1588"/>
+          </a:xfrm>
+          <a:prstGeom prst="straightConnector1">
+            <a:avLst/>
+          </a:prstGeom>
+          <a:ln>
+            <a:tailEnd type="arrow"/>
+          </a:ln>
+        </p:spPr>
+        <p:style>
+          <a:lnRef idx="1">
+            <a:schemeClr val="accent1"/>
+          </a:lnRef>
+          <a:fillRef idx="0">
+            <a:schemeClr val="accent1"/>
+          </a:fillRef>
+          <a:effectRef idx="0">
+            <a:schemeClr val="accent1"/>
+          </a:effectRef>
+          <a:fontRef idx="minor">
+            <a:schemeClr val="tx1"/>
+          </a:fontRef>
+        </p:style>
+      </p:cxnSp>
+      <p:sp>
+        <p:nvSpPr>
+          <p:cNvPr id="46" name="矩形 45"/>
+          <p:cNvSpPr/>
+          <p:nvPr/>
+        </p:nvSpPr>
+        <p:spPr>
+          <a:xfrm>
+            <a:off x="357158" y="1500174"/>
+            <a:ext cx="1143008" cy="428628"/>
+          </a:xfrm>
+          <a:prstGeom prst="rect">
+            <a:avLst/>
+          </a:prstGeom>
+          <a:solidFill>
+            <a:schemeClr val="tx2">
+              <a:lumMod val="60000"/>
+              <a:lumOff val="40000"/>
+            </a:schemeClr>
+          </a:solidFill>
+        </p:spPr>
+        <p:style>
+          <a:lnRef idx="1">
+            <a:schemeClr val="accent1"/>
+          </a:lnRef>
+          <a:fillRef idx="3">
+            <a:schemeClr val="accent1"/>
+          </a:fillRef>
+          <a:effectRef idx="2">
+            <a:schemeClr val="accent1"/>
+          </a:effectRef>
+          <a:fontRef idx="minor">
+            <a:schemeClr val="lt1"/>
+          </a:fontRef>
+        </p:style>
+        <p:txBody>
+          <a:bodyPr rtlCol="0" anchor="ctr"/>
+          <a:lstStyle/>
+          <a:p>
+            <a:pPr algn="ctr"/>
+            <a:r>
+              <a:rPr lang="en-US" altLang="zh-CN" dirty="0" smtClean="0"/>
+              <a:t>vote</a:t>
+            </a:r>
+            <a:endParaRPr lang="zh-CN" altLang="en-US" dirty="0"/>
+          </a:p>
+        </p:txBody>
+      </p:sp>
+      <p:sp>
+        <p:nvSpPr>
+          <p:cNvPr id="47" name="矩形 46"/>
+          <p:cNvSpPr/>
+          <p:nvPr/>
+        </p:nvSpPr>
+        <p:spPr>
+          <a:xfrm>
+            <a:off x="357158" y="2143116"/>
+            <a:ext cx="1143008" cy="428628"/>
+          </a:xfrm>
+          <a:prstGeom prst="rect">
+            <a:avLst/>
+          </a:prstGeom>
+          <a:solidFill>
+            <a:schemeClr val="tx2">
+              <a:lumMod val="60000"/>
+              <a:lumOff val="40000"/>
+            </a:schemeClr>
+          </a:solidFill>
+        </p:spPr>
+        <p:style>
+          <a:lnRef idx="1">
+            <a:schemeClr val="accent1"/>
+          </a:lnRef>
+          <a:fillRef idx="3">
+            <a:schemeClr val="accent1"/>
+          </a:fillRef>
+          <a:effectRef idx="2">
+            <a:schemeClr val="accent1"/>
+          </a:effectRef>
+          <a:fontRef idx="minor">
+            <a:schemeClr val="lt1"/>
+          </a:fontRef>
+        </p:style>
+        <p:txBody>
+          <a:bodyPr rtlCol="0" anchor="ctr"/>
+          <a:lstStyle/>
+          <a:p>
+            <a:pPr algn="ctr"/>
+            <a:r>
+              <a:rPr lang="en-US" altLang="zh-CN" dirty="0" smtClean="0"/>
+              <a:t>search</a:t>
+            </a:r>
+            <a:endParaRPr lang="zh-CN" altLang="en-US" dirty="0"/>
+          </a:p>
+        </p:txBody>
+      </p:sp>
+      <p:sp>
+        <p:nvSpPr>
+          <p:cNvPr id="48" name="矩形 47"/>
+          <p:cNvSpPr/>
+          <p:nvPr/>
+        </p:nvSpPr>
+        <p:spPr>
+          <a:xfrm>
+            <a:off x="357158" y="2786058"/>
+            <a:ext cx="1143008" cy="428628"/>
+          </a:xfrm>
+          <a:prstGeom prst="rect">
+            <a:avLst/>
+          </a:prstGeom>
+          <a:solidFill>
+            <a:schemeClr val="tx2">
+              <a:lumMod val="60000"/>
+              <a:lumOff val="40000"/>
+            </a:schemeClr>
+          </a:solidFill>
+        </p:spPr>
+        <p:style>
+          <a:lnRef idx="1">
+            <a:schemeClr val="accent1"/>
+          </a:lnRef>
+          <a:fillRef idx="3">
+            <a:schemeClr val="accent1"/>
+          </a:fillRef>
+          <a:effectRef idx="2">
+            <a:schemeClr val="accent1"/>
+          </a:effectRef>
+          <a:fontRef idx="minor">
+            <a:schemeClr val="lt1"/>
+          </a:fontRef>
+        </p:style>
+        <p:txBody>
+          <a:bodyPr rtlCol="0" anchor="ctr"/>
+          <a:lstStyle/>
+          <a:p>
+            <a:pPr algn="ctr"/>
+            <a:r>
+              <a:rPr lang="en-US" altLang="zh-CN" dirty="0" smtClean="0"/>
+              <a:t>comment</a:t>
+            </a:r>
+            <a:endParaRPr lang="zh-CN" altLang="en-US" dirty="0"/>
+          </a:p>
+        </p:txBody>
+      </p:sp>
+      <p:cxnSp>
+        <p:nvCxnSpPr>
+          <p:cNvPr id="50" name="肘形连接符 49"/>
+          <p:cNvCxnSpPr>
+            <a:stCxn id="3" idx="2"/>
+            <a:endCxn id="46" idx="3"/>
+          </p:cNvCxnSpPr>
+          <p:nvPr/>
+        </p:nvCxnSpPr>
+        <p:spPr>
+          <a:xfrm rot="10800000">
+            <a:off x="1500166" y="1714488"/>
+            <a:ext cx="571504" cy="285752"/>
+          </a:xfrm>
+          <a:prstGeom prst="bentConnector3">
+            <a:avLst>
+              <a:gd name="adj1" fmla="val 50000"/>
+            </a:avLst>
+          </a:prstGeom>
+          <a:ln>
+            <a:prstDash val="dash"/>
+            <a:tailEnd type="arrow"/>
+          </a:ln>
+        </p:spPr>
+        <p:style>
+          <a:lnRef idx="1">
+            <a:schemeClr val="accent1"/>
+          </a:lnRef>
+          <a:fillRef idx="0">
+            <a:schemeClr val="accent1"/>
+          </a:fillRef>
+          <a:effectRef idx="0">
+            <a:schemeClr val="accent1"/>
+          </a:effectRef>
+          <a:fontRef idx="minor">
+            <a:schemeClr val="tx1"/>
+          </a:fontRef>
+        </p:style>
+      </p:cxnSp>
+      <p:cxnSp>
+        <p:nvCxnSpPr>
+          <p:cNvPr id="52" name="肘形连接符 51"/>
+          <p:cNvCxnSpPr>
+            <a:stCxn id="3" idx="2"/>
+            <a:endCxn id="47" idx="3"/>
+          </p:cNvCxnSpPr>
+          <p:nvPr/>
+        </p:nvCxnSpPr>
+        <p:spPr>
+          <a:xfrm rot="10800000" flipV="1">
+            <a:off x="1500166" y="2000240"/>
+            <a:ext cx="571504" cy="357190"/>
+          </a:xfrm>
+          <a:prstGeom prst="bentConnector3">
+            <a:avLst>
+              <a:gd name="adj1" fmla="val 50000"/>
+            </a:avLst>
+          </a:prstGeom>
+          <a:ln>
+            <a:prstDash val="dash"/>
+            <a:tailEnd type="arrow"/>
+          </a:ln>
+        </p:spPr>
+        <p:style>
+          <a:lnRef idx="1">
+            <a:schemeClr val="accent1"/>
+          </a:lnRef>
+          <a:fillRef idx="0">
+            <a:schemeClr val="accent1"/>
+          </a:fillRef>
+          <a:effectRef idx="0">
+            <a:schemeClr val="accent1"/>
+          </a:effectRef>
+          <a:fontRef idx="minor">
+            <a:schemeClr val="tx1"/>
+          </a:fontRef>
+        </p:style>
+      </p:cxnSp>
+      <p:cxnSp>
+        <p:nvCxnSpPr>
+          <p:cNvPr id="54" name="肘形连接符 53"/>
+          <p:cNvCxnSpPr>
+            <a:stCxn id="3" idx="2"/>
+            <a:endCxn id="48" idx="3"/>
+          </p:cNvCxnSpPr>
+          <p:nvPr/>
+        </p:nvCxnSpPr>
+        <p:spPr>
+          <a:xfrm rot="10800000" flipV="1">
+            <a:off x="1500166" y="2000240"/>
+            <a:ext cx="571504" cy="1000132"/>
+          </a:xfrm>
+          <a:prstGeom prst="bentConnector3">
+            <a:avLst>
+              <a:gd name="adj1" fmla="val 50000"/>
+            </a:avLst>
+          </a:prstGeom>
+          <a:ln>
+            <a:prstDash val="dash"/>
+            <a:tailEnd type="arrow"/>
+          </a:ln>
+        </p:spPr>
+        <p:style>
+          <a:lnRef idx="1">
+            <a:schemeClr val="accent1"/>
+          </a:lnRef>
+          <a:fillRef idx="0">
+            <a:schemeClr val="accent1"/>
+          </a:fillRef>
+          <a:effectRef idx="0">
+            <a:schemeClr val="accent1"/>
+          </a:effectRef>
+          <a:fontRef idx="minor">
+            <a:schemeClr val="tx1"/>
+          </a:fontRef>
+        </p:style>
+      </p:cxnSp>
+    </p:spTree>
+  </p:cSld>
+  <p:clrMapOvr>
+    <a:masterClrMapping/>
+  </p:clrMapOvr>
+</p:sld>
+</file>
+
+<file path=ppt/slides/slide9.xml><?xml version="1.0" encoding="utf-8"?>
+<p:sld xmlns:a="http://schemas.openxmlformats.org/drawingml/2006/main" xmlns:r="http://schemas.openxmlformats.org/officeDocument/2006/relationships" xmlns:p="http://schemas.openxmlformats.org/presentationml/2006/main">
+  <p:cSld>
+    <p:spTree>
+      <p:nvGrpSpPr>
+        <p:cNvPr id="1" name=""/>
+        <p:cNvGrpSpPr/>
+        <p:nvPr/>
+      </p:nvGrpSpPr>
+      <p:grpSpPr>
+        <a:xfrm>
+          <a:off x="0" y="0"/>
+          <a:ext cx="0" cy="0"/>
+          <a:chOff x="0" y="0"/>
+          <a:chExt cx="0" cy="0"/>
+        </a:xfrm>
+      </p:grpSpPr>
+      <p:sp>
+        <p:nvSpPr>
+          <p:cNvPr id="2" name="标题 1"/>
+          <p:cNvSpPr>
+            <a:spLocks noGrp="1"/>
+          </p:cNvSpPr>
+          <p:nvPr>
+            <p:ph type="title"/>
+          </p:nvPr>
+        </p:nvSpPr>
+        <p:spPr/>
+        <p:txBody>
+          <a:bodyPr/>
+          <a:lstStyle/>
+          <a:p>
+            <a:r>
+              <a:rPr lang="en-US" altLang="zh-CN" dirty="0" smtClean="0"/>
+              <a:t>Recommender System: Offline</a:t>
+            </a:r>
+            <a:endParaRPr lang="zh-CN" altLang="en-US" dirty="0"/>
+          </a:p>
+        </p:txBody>
+      </p:sp>
+      <p:sp>
+        <p:nvSpPr>
+          <p:cNvPr id="3" name="内容占位符 2"/>
+          <p:cNvSpPr>
+            <a:spLocks noGrp="1"/>
+          </p:cNvSpPr>
+          <p:nvPr>
+            <p:ph idx="1"/>
+          </p:nvPr>
+        </p:nvSpPr>
+        <p:spPr/>
+        <p:txBody>
+          <a:bodyPr/>
+          <a:lstStyle/>
+          <a:p>
+            <a:r>
+              <a:rPr lang="en-US" altLang="zh-CN" dirty="0" smtClean="0"/>
+              <a:t>paper-paper similarity table</a:t>
+            </a:r>
+          </a:p>
+          <a:p>
+            <a:pPr lvl="1"/>
+            <a:r>
+              <a:rPr lang="en-US" altLang="zh-CN" dirty="0" smtClean="0"/>
+              <a:t>content-based similarity (title, journal, publisher, …)</a:t>
+            </a:r>
+          </a:p>
+          <a:p>
+            <a:pPr lvl="1"/>
+            <a:r>
+              <a:rPr lang="en-US" altLang="zh-CN" dirty="0" smtClean="0"/>
+              <a:t>citation-based similarity</a:t>
+            </a:r>
+          </a:p>
+          <a:p>
+            <a:pPr lvl="1"/>
+            <a:r>
+              <a:rPr lang="en-US" altLang="zh-CN" dirty="0" smtClean="0"/>
+              <a:t>collaborative filtering</a:t>
+            </a:r>
+          </a:p>
+          <a:p>
+            <a:pPr lvl="1"/>
+            <a:endParaRPr lang="zh-CN" altLang="en-US" dirty="0"/>
           </a:p>
         </p:txBody>
       </p:sp>

--- a/trunk/doc/PPT/PaperLens Archetecture.pptx
+++ b/trunk/doc/PPT/PaperLens Archetecture.pptx
@@ -299,7 +299,8 @@
           <a:p>
             <a:fld id="{209DE663-3A60-4894-B134-5742AEE77CAA}" type="datetimeFigureOut">
               <a:rPr lang="zh-CN" altLang="en-US" smtClean="0"/>
-              <a:t>2011/7/17</a:t>
+              <a:pPr/>
+              <a:t>2011/8/27</a:t>
             </a:fld>
             <a:endParaRPr lang="zh-CN" altLang="en-US"/>
           </a:p>
@@ -341,6 +342,7 @@
           <a:p>
             <a:fld id="{2CF8B520-FCC9-41D2-AC9C-443D3E845C45}" type="slidenum">
               <a:rPr lang="zh-CN" altLang="en-US" smtClean="0"/>
+              <a:pPr/>
               <a:t>‹#›</a:t>
             </a:fld>
             <a:endParaRPr lang="zh-CN" altLang="en-US"/>
@@ -464,7 +466,8 @@
           <a:p>
             <a:fld id="{209DE663-3A60-4894-B134-5742AEE77CAA}" type="datetimeFigureOut">
               <a:rPr lang="zh-CN" altLang="en-US" smtClean="0"/>
-              <a:t>2011/7/17</a:t>
+              <a:pPr/>
+              <a:t>2011/8/27</a:t>
             </a:fld>
             <a:endParaRPr lang="zh-CN" altLang="en-US"/>
           </a:p>
@@ -506,6 +509,7 @@
           <a:p>
             <a:fld id="{2CF8B520-FCC9-41D2-AC9C-443D3E845C45}" type="slidenum">
               <a:rPr lang="zh-CN" altLang="en-US" smtClean="0"/>
+              <a:pPr/>
               <a:t>‹#›</a:t>
             </a:fld>
             <a:endParaRPr lang="zh-CN" altLang="en-US"/>
@@ -639,7 +643,8 @@
           <a:p>
             <a:fld id="{209DE663-3A60-4894-B134-5742AEE77CAA}" type="datetimeFigureOut">
               <a:rPr lang="zh-CN" altLang="en-US" smtClean="0"/>
-              <a:t>2011/7/17</a:t>
+              <a:pPr/>
+              <a:t>2011/8/27</a:t>
             </a:fld>
             <a:endParaRPr lang="zh-CN" altLang="en-US"/>
           </a:p>
@@ -681,6 +686,7 @@
           <a:p>
             <a:fld id="{2CF8B520-FCC9-41D2-AC9C-443D3E845C45}" type="slidenum">
               <a:rPr lang="zh-CN" altLang="en-US" smtClean="0"/>
+              <a:pPr/>
               <a:t>‹#›</a:t>
             </a:fld>
             <a:endParaRPr lang="zh-CN" altLang="en-US"/>
@@ -804,7 +810,8 @@
           <a:p>
             <a:fld id="{209DE663-3A60-4894-B134-5742AEE77CAA}" type="datetimeFigureOut">
               <a:rPr lang="zh-CN" altLang="en-US" smtClean="0"/>
-              <a:t>2011/7/17</a:t>
+              <a:pPr/>
+              <a:t>2011/8/27</a:t>
             </a:fld>
             <a:endParaRPr lang="zh-CN" altLang="en-US"/>
           </a:p>
@@ -846,6 +853,7 @@
           <a:p>
             <a:fld id="{2CF8B520-FCC9-41D2-AC9C-443D3E845C45}" type="slidenum">
               <a:rPr lang="zh-CN" altLang="en-US" smtClean="0"/>
+              <a:pPr/>
               <a:t>‹#›</a:t>
             </a:fld>
             <a:endParaRPr lang="zh-CN" altLang="en-US"/>
@@ -1045,7 +1053,8 @@
           <a:p>
             <a:fld id="{209DE663-3A60-4894-B134-5742AEE77CAA}" type="datetimeFigureOut">
               <a:rPr lang="zh-CN" altLang="en-US" smtClean="0"/>
-              <a:t>2011/7/17</a:t>
+              <a:pPr/>
+              <a:t>2011/8/27</a:t>
             </a:fld>
             <a:endParaRPr lang="zh-CN" altLang="en-US"/>
           </a:p>
@@ -1087,6 +1096,7 @@
           <a:p>
             <a:fld id="{2CF8B520-FCC9-41D2-AC9C-443D3E845C45}" type="slidenum">
               <a:rPr lang="zh-CN" altLang="en-US" smtClean="0"/>
+              <a:pPr/>
               <a:t>‹#›</a:t>
             </a:fld>
             <a:endParaRPr lang="zh-CN" altLang="en-US"/>
@@ -1328,7 +1338,8 @@
           <a:p>
             <a:fld id="{209DE663-3A60-4894-B134-5742AEE77CAA}" type="datetimeFigureOut">
               <a:rPr lang="zh-CN" altLang="en-US" smtClean="0"/>
-              <a:t>2011/7/17</a:t>
+              <a:pPr/>
+              <a:t>2011/8/27</a:t>
             </a:fld>
             <a:endParaRPr lang="zh-CN" altLang="en-US"/>
           </a:p>
@@ -1370,6 +1381,7 @@
           <a:p>
             <a:fld id="{2CF8B520-FCC9-41D2-AC9C-443D3E845C45}" type="slidenum">
               <a:rPr lang="zh-CN" altLang="en-US" smtClean="0"/>
+              <a:pPr/>
               <a:t>‹#›</a:t>
             </a:fld>
             <a:endParaRPr lang="zh-CN" altLang="en-US"/>
@@ -1745,7 +1757,8 @@
           <a:p>
             <a:fld id="{209DE663-3A60-4894-B134-5742AEE77CAA}" type="datetimeFigureOut">
               <a:rPr lang="zh-CN" altLang="en-US" smtClean="0"/>
-              <a:t>2011/7/17</a:t>
+              <a:pPr/>
+              <a:t>2011/8/27</a:t>
             </a:fld>
             <a:endParaRPr lang="zh-CN" altLang="en-US"/>
           </a:p>
@@ -1787,6 +1800,7 @@
           <a:p>
             <a:fld id="{2CF8B520-FCC9-41D2-AC9C-443D3E845C45}" type="slidenum">
               <a:rPr lang="zh-CN" altLang="en-US" smtClean="0"/>
+              <a:pPr/>
               <a:t>‹#›</a:t>
             </a:fld>
             <a:endParaRPr lang="zh-CN" altLang="en-US"/>
@@ -1858,7 +1872,8 @@
           <a:p>
             <a:fld id="{209DE663-3A60-4894-B134-5742AEE77CAA}" type="datetimeFigureOut">
               <a:rPr lang="zh-CN" altLang="en-US" smtClean="0"/>
-              <a:t>2011/7/17</a:t>
+              <a:pPr/>
+              <a:t>2011/8/27</a:t>
             </a:fld>
             <a:endParaRPr lang="zh-CN" altLang="en-US"/>
           </a:p>
@@ -1900,6 +1915,7 @@
           <a:p>
             <a:fld id="{2CF8B520-FCC9-41D2-AC9C-443D3E845C45}" type="slidenum">
               <a:rPr lang="zh-CN" altLang="en-US" smtClean="0"/>
+              <a:pPr/>
               <a:t>‹#›</a:t>
             </a:fld>
             <a:endParaRPr lang="zh-CN" altLang="en-US"/>
@@ -1948,7 +1964,8 @@
           <a:p>
             <a:fld id="{209DE663-3A60-4894-B134-5742AEE77CAA}" type="datetimeFigureOut">
               <a:rPr lang="zh-CN" altLang="en-US" smtClean="0"/>
-              <a:t>2011/7/17</a:t>
+              <a:pPr/>
+              <a:t>2011/8/27</a:t>
             </a:fld>
             <a:endParaRPr lang="zh-CN" altLang="en-US"/>
           </a:p>
@@ -1990,6 +2007,7 @@
           <a:p>
             <a:fld id="{2CF8B520-FCC9-41D2-AC9C-443D3E845C45}" type="slidenum">
               <a:rPr lang="zh-CN" altLang="en-US" smtClean="0"/>
+              <a:pPr/>
               <a:t>‹#›</a:t>
             </a:fld>
             <a:endParaRPr lang="zh-CN" altLang="en-US"/>
@@ -2220,7 +2238,8 @@
           <a:p>
             <a:fld id="{209DE663-3A60-4894-B134-5742AEE77CAA}" type="datetimeFigureOut">
               <a:rPr lang="zh-CN" altLang="en-US" smtClean="0"/>
-              <a:t>2011/7/17</a:t>
+              <a:pPr/>
+              <a:t>2011/8/27</a:t>
             </a:fld>
             <a:endParaRPr lang="zh-CN" altLang="en-US"/>
           </a:p>
@@ -2262,6 +2281,7 @@
           <a:p>
             <a:fld id="{2CF8B520-FCC9-41D2-AC9C-443D3E845C45}" type="slidenum">
               <a:rPr lang="zh-CN" altLang="en-US" smtClean="0"/>
+              <a:pPr/>
               <a:t>‹#›</a:t>
             </a:fld>
             <a:endParaRPr lang="zh-CN" altLang="en-US"/>
@@ -2468,7 +2488,8 @@
           <a:p>
             <a:fld id="{209DE663-3A60-4894-B134-5742AEE77CAA}" type="datetimeFigureOut">
               <a:rPr lang="zh-CN" altLang="en-US" smtClean="0"/>
-              <a:t>2011/7/17</a:t>
+              <a:pPr/>
+              <a:t>2011/8/27</a:t>
             </a:fld>
             <a:endParaRPr lang="zh-CN" altLang="en-US"/>
           </a:p>
@@ -2510,6 +2531,7 @@
           <a:p>
             <a:fld id="{2CF8B520-FCC9-41D2-AC9C-443D3E845C45}" type="slidenum">
               <a:rPr lang="zh-CN" altLang="en-US" smtClean="0"/>
+              <a:pPr/>
               <a:t>‹#›</a:t>
             </a:fld>
             <a:endParaRPr lang="zh-CN" altLang="en-US"/>
@@ -2676,7 +2698,8 @@
           <a:p>
             <a:fld id="{209DE663-3A60-4894-B134-5742AEE77CAA}" type="datetimeFigureOut">
               <a:rPr lang="zh-CN" altLang="en-US" smtClean="0"/>
-              <a:t>2011/7/17</a:t>
+              <a:pPr/>
+              <a:t>2011/8/27</a:t>
             </a:fld>
             <a:endParaRPr lang="zh-CN" altLang="en-US"/>
           </a:p>
@@ -2754,6 +2777,7 @@
           <a:p>
             <a:fld id="{2CF8B520-FCC9-41D2-AC9C-443D3E845C45}" type="slidenum">
               <a:rPr lang="zh-CN" altLang="en-US" smtClean="0"/>
+              <a:pPr/>
               <a:t>‹#›</a:t>
             </a:fld>
             <a:endParaRPr lang="zh-CN" altLang="en-US"/>
@@ -5834,1047 +5858,1062 @@
           </a:p>
         </p:txBody>
       </p:sp>
-      <p:sp>
-        <p:nvSpPr>
-          <p:cNvPr id="3" name="圆柱形 2"/>
-          <p:cNvSpPr/>
+      <p:grpSp>
+        <p:nvGrpSpPr>
+          <p:cNvPr id="30" name="组合 29"/>
+          <p:cNvGrpSpPr/>
           <p:nvPr/>
-        </p:nvSpPr>
-        <p:spPr>
+        </p:nvGrpSpPr>
+        <p:grpSpPr>
           <a:xfrm>
-            <a:off x="2071670" y="1428736"/>
-            <a:ext cx="1357322" cy="1143008"/>
+            <a:off x="357158" y="1428736"/>
+            <a:ext cx="8501122" cy="5143536"/>
+            <a:chOff x="357158" y="1428736"/>
+            <a:chExt cx="8501122" cy="5143536"/>
           </a:xfrm>
-          <a:prstGeom prst="can">
-            <a:avLst/>
-          </a:prstGeom>
-        </p:spPr>
-        <p:style>
-          <a:lnRef idx="1">
-            <a:schemeClr val="accent1"/>
-          </a:lnRef>
-          <a:fillRef idx="3">
-            <a:schemeClr val="accent1"/>
-          </a:fillRef>
-          <a:effectRef idx="2">
-            <a:schemeClr val="accent1"/>
-          </a:effectRef>
-          <a:fontRef idx="minor">
-            <a:schemeClr val="lt1"/>
-          </a:fontRef>
-        </p:style>
-        <p:txBody>
-          <a:bodyPr rtlCol="0" anchor="ctr"/>
-          <a:lstStyle/>
-          <a:p>
-            <a:pPr algn="ctr"/>
-            <a:r>
-              <a:rPr lang="en-US" altLang="zh-CN" dirty="0" smtClean="0"/>
-              <a:t>User Behavior DB</a:t>
-            </a:r>
-            <a:endParaRPr lang="zh-CN" altLang="en-US" dirty="0"/>
-          </a:p>
-        </p:txBody>
-      </p:sp>
-      <p:sp>
-        <p:nvSpPr>
-          <p:cNvPr id="7" name="矩形 6"/>
-          <p:cNvSpPr/>
-          <p:nvPr/>
-        </p:nvSpPr>
-        <p:spPr>
-          <a:xfrm>
-            <a:off x="4143372" y="1714488"/>
-            <a:ext cx="2000264" cy="571504"/>
-          </a:xfrm>
-          <a:prstGeom prst="rect">
-            <a:avLst/>
-          </a:prstGeom>
-        </p:spPr>
-        <p:style>
-          <a:lnRef idx="1">
-            <a:schemeClr val="accent1"/>
-          </a:lnRef>
-          <a:fillRef idx="3">
-            <a:schemeClr val="accent1"/>
-          </a:fillRef>
-          <a:effectRef idx="2">
-            <a:schemeClr val="accent1"/>
-          </a:effectRef>
-          <a:fontRef idx="minor">
-            <a:schemeClr val="lt1"/>
-          </a:fontRef>
-        </p:style>
-        <p:txBody>
-          <a:bodyPr rtlCol="0" anchor="ctr"/>
-          <a:lstStyle/>
-          <a:p>
-            <a:pPr algn="ctr"/>
-            <a:r>
-              <a:rPr lang="en-US" altLang="zh-CN" dirty="0" smtClean="0"/>
-              <a:t>User Features</a:t>
-            </a:r>
-            <a:endParaRPr lang="zh-CN" altLang="en-US" dirty="0"/>
-          </a:p>
-        </p:txBody>
-      </p:sp>
-      <p:sp>
-        <p:nvSpPr>
-          <p:cNvPr id="8" name="矩形 7"/>
-          <p:cNvSpPr/>
-          <p:nvPr/>
-        </p:nvSpPr>
-        <p:spPr>
-          <a:xfrm>
-            <a:off x="4143372" y="2571744"/>
-            <a:ext cx="2000264" cy="571504"/>
-          </a:xfrm>
-          <a:prstGeom prst="rect">
-            <a:avLst/>
-          </a:prstGeom>
-        </p:spPr>
-        <p:style>
-          <a:lnRef idx="1">
-            <a:schemeClr val="accent1"/>
-          </a:lnRef>
-          <a:fillRef idx="3">
-            <a:schemeClr val="accent1"/>
-          </a:fillRef>
-          <a:effectRef idx="2">
-            <a:schemeClr val="accent1"/>
-          </a:effectRef>
-          <a:fontRef idx="minor">
-            <a:schemeClr val="lt1"/>
-          </a:fontRef>
-        </p:style>
-        <p:txBody>
-          <a:bodyPr rtlCol="0" anchor="ctr"/>
-          <a:lstStyle/>
-          <a:p>
-            <a:pPr algn="ctr"/>
-            <a:r>
-              <a:rPr lang="en-US" altLang="zh-CN" dirty="0" smtClean="0"/>
-              <a:t>Feature-Item Similarity Table</a:t>
-            </a:r>
-            <a:endParaRPr lang="zh-CN" altLang="en-US" dirty="0"/>
-          </a:p>
-        </p:txBody>
-      </p:sp>
-      <p:sp>
-        <p:nvSpPr>
-          <p:cNvPr id="9" name="矩形 8"/>
-          <p:cNvSpPr/>
-          <p:nvPr/>
-        </p:nvSpPr>
-        <p:spPr>
-          <a:xfrm>
-            <a:off x="4143372" y="3429000"/>
-            <a:ext cx="2000264" cy="571504"/>
-          </a:xfrm>
-          <a:prstGeom prst="rect">
-            <a:avLst/>
-          </a:prstGeom>
-        </p:spPr>
-        <p:style>
-          <a:lnRef idx="1">
-            <a:schemeClr val="accent3"/>
-          </a:lnRef>
-          <a:fillRef idx="3">
-            <a:schemeClr val="accent3"/>
-          </a:fillRef>
-          <a:effectRef idx="2">
-            <a:schemeClr val="accent3"/>
-          </a:effectRef>
-          <a:fontRef idx="minor">
-            <a:schemeClr val="lt1"/>
-          </a:fontRef>
-        </p:style>
-        <p:txBody>
-          <a:bodyPr rtlCol="0" anchor="ctr"/>
-          <a:lstStyle/>
-          <a:p>
-            <a:pPr algn="ctr"/>
-            <a:r>
-              <a:rPr lang="en-US" altLang="zh-CN" dirty="0" smtClean="0"/>
-              <a:t>Raw Recommendations</a:t>
-            </a:r>
-            <a:endParaRPr lang="zh-CN" altLang="en-US" dirty="0"/>
-          </a:p>
-        </p:txBody>
-      </p:sp>
-      <p:sp>
-        <p:nvSpPr>
-          <p:cNvPr id="10" name="矩形 9"/>
-          <p:cNvSpPr/>
-          <p:nvPr/>
-        </p:nvSpPr>
-        <p:spPr>
-          <a:xfrm>
-            <a:off x="4143372" y="4286256"/>
-            <a:ext cx="2000264" cy="571504"/>
-          </a:xfrm>
-          <a:prstGeom prst="rect">
-            <a:avLst/>
-          </a:prstGeom>
-        </p:spPr>
-        <p:style>
-          <a:lnRef idx="1">
-            <a:schemeClr val="accent1"/>
-          </a:lnRef>
-          <a:fillRef idx="3">
-            <a:schemeClr val="accent1"/>
-          </a:fillRef>
-          <a:effectRef idx="2">
-            <a:schemeClr val="accent1"/>
-          </a:effectRef>
-          <a:fontRef idx="minor">
-            <a:schemeClr val="lt1"/>
-          </a:fontRef>
-        </p:style>
-        <p:txBody>
-          <a:bodyPr rtlCol="0" anchor="ctr"/>
-          <a:lstStyle/>
-          <a:p>
-            <a:pPr algn="ctr"/>
-            <a:r>
-              <a:rPr lang="en-US" altLang="zh-CN" dirty="0" smtClean="0"/>
-              <a:t>Explanation</a:t>
-            </a:r>
-            <a:endParaRPr lang="zh-CN" altLang="en-US" dirty="0"/>
-          </a:p>
-        </p:txBody>
-      </p:sp>
-      <p:sp>
-        <p:nvSpPr>
-          <p:cNvPr id="11" name="矩形 10"/>
-          <p:cNvSpPr/>
-          <p:nvPr/>
-        </p:nvSpPr>
-        <p:spPr>
-          <a:xfrm>
-            <a:off x="4143372" y="5143512"/>
-            <a:ext cx="2000264" cy="571504"/>
-          </a:xfrm>
-          <a:prstGeom prst="rect">
-            <a:avLst/>
-          </a:prstGeom>
-        </p:spPr>
-        <p:style>
-          <a:lnRef idx="1">
-            <a:schemeClr val="accent1"/>
-          </a:lnRef>
-          <a:fillRef idx="3">
-            <a:schemeClr val="accent1"/>
-          </a:fillRef>
-          <a:effectRef idx="2">
-            <a:schemeClr val="accent1"/>
-          </a:effectRef>
-          <a:fontRef idx="minor">
-            <a:schemeClr val="lt1"/>
-          </a:fontRef>
-        </p:style>
-        <p:txBody>
-          <a:bodyPr rtlCol="0" anchor="ctr"/>
-          <a:lstStyle/>
-          <a:p>
-            <a:pPr algn="ctr"/>
-            <a:r>
-              <a:rPr lang="en-US" altLang="zh-CN" dirty="0" smtClean="0"/>
-              <a:t>Ranking &amp; Filtering</a:t>
-            </a:r>
-            <a:endParaRPr lang="zh-CN" altLang="en-US" dirty="0"/>
-          </a:p>
-        </p:txBody>
-      </p:sp>
-      <p:sp>
-        <p:nvSpPr>
-          <p:cNvPr id="12" name="矩形 11"/>
-          <p:cNvSpPr/>
-          <p:nvPr/>
-        </p:nvSpPr>
-        <p:spPr>
-          <a:xfrm>
-            <a:off x="4143372" y="6000768"/>
-            <a:ext cx="2000264" cy="571504"/>
-          </a:xfrm>
-          <a:prstGeom prst="rect">
-            <a:avLst/>
-          </a:prstGeom>
-        </p:spPr>
-        <p:style>
-          <a:lnRef idx="1">
-            <a:schemeClr val="accent3"/>
-          </a:lnRef>
-          <a:fillRef idx="3">
-            <a:schemeClr val="accent3"/>
-          </a:fillRef>
-          <a:effectRef idx="2">
-            <a:schemeClr val="accent3"/>
-          </a:effectRef>
-          <a:fontRef idx="minor">
-            <a:schemeClr val="lt1"/>
-          </a:fontRef>
-        </p:style>
-        <p:txBody>
-          <a:bodyPr rtlCol="0" anchor="ctr"/>
-          <a:lstStyle/>
-          <a:p>
-            <a:pPr algn="ctr"/>
-            <a:r>
-              <a:rPr lang="en-US" altLang="zh-CN" dirty="0" smtClean="0"/>
-              <a:t>Final Recommendations</a:t>
-            </a:r>
-            <a:endParaRPr lang="zh-CN" altLang="en-US" dirty="0"/>
-          </a:p>
-        </p:txBody>
-      </p:sp>
-      <p:sp>
-        <p:nvSpPr>
-          <p:cNvPr id="14" name="圆角矩形 13"/>
-          <p:cNvSpPr/>
-          <p:nvPr/>
-        </p:nvSpPr>
-        <p:spPr>
-          <a:xfrm>
-            <a:off x="1928794" y="3000372"/>
-            <a:ext cx="1643074" cy="1071570"/>
-          </a:xfrm>
-          <a:prstGeom prst="roundRect">
-            <a:avLst/>
-          </a:prstGeom>
-        </p:spPr>
-        <p:style>
-          <a:lnRef idx="1">
-            <a:schemeClr val="accent4"/>
-          </a:lnRef>
-          <a:fillRef idx="3">
-            <a:schemeClr val="accent4"/>
-          </a:fillRef>
-          <a:effectRef idx="2">
-            <a:schemeClr val="accent4"/>
-          </a:effectRef>
-          <a:fontRef idx="minor">
-            <a:schemeClr val="lt1"/>
-          </a:fontRef>
-        </p:style>
-        <p:txBody>
-          <a:bodyPr rtlCol="0" anchor="ctr"/>
-          <a:lstStyle/>
-          <a:p>
-            <a:pPr algn="ctr"/>
-            <a:r>
-              <a:rPr lang="en-US" altLang="zh-CN" dirty="0" smtClean="0"/>
-              <a:t>Log System</a:t>
-            </a:r>
-            <a:endParaRPr lang="zh-CN" altLang="en-US" dirty="0"/>
-          </a:p>
-        </p:txBody>
-      </p:sp>
-      <p:cxnSp>
-        <p:nvCxnSpPr>
-          <p:cNvPr id="16" name="直接箭头连接符 15"/>
-          <p:cNvCxnSpPr>
-            <a:stCxn id="14" idx="0"/>
-            <a:endCxn id="3" idx="3"/>
-          </p:cNvCxnSpPr>
-          <p:nvPr/>
-        </p:nvCxnSpPr>
-        <p:spPr>
-          <a:xfrm rot="5400000" flipH="1" flipV="1">
-            <a:off x="2536017" y="2786058"/>
-            <a:ext cx="428628" cy="1588"/>
-          </a:xfrm>
-          <a:prstGeom prst="straightConnector1">
-            <a:avLst/>
-          </a:prstGeom>
-          <a:ln>
-            <a:tailEnd type="arrow"/>
-          </a:ln>
-        </p:spPr>
-        <p:style>
-          <a:lnRef idx="1">
-            <a:schemeClr val="accent1"/>
-          </a:lnRef>
-          <a:fillRef idx="0">
-            <a:schemeClr val="accent1"/>
-          </a:fillRef>
-          <a:effectRef idx="0">
-            <a:schemeClr val="accent1"/>
-          </a:effectRef>
-          <a:fontRef idx="minor">
-            <a:schemeClr val="tx1"/>
-          </a:fontRef>
-        </p:style>
-      </p:cxnSp>
-      <p:cxnSp>
-        <p:nvCxnSpPr>
-          <p:cNvPr id="18" name="直接箭头连接符 17"/>
-          <p:cNvCxnSpPr>
-            <a:stCxn id="3" idx="4"/>
-            <a:endCxn id="7" idx="1"/>
-          </p:cNvCxnSpPr>
-          <p:nvPr/>
-        </p:nvCxnSpPr>
-        <p:spPr>
-          <a:xfrm>
-            <a:off x="3428992" y="2000240"/>
-            <a:ext cx="714380" cy="1588"/>
-          </a:xfrm>
-          <a:prstGeom prst="straightConnector1">
-            <a:avLst/>
-          </a:prstGeom>
-          <a:ln>
-            <a:tailEnd type="arrow"/>
-          </a:ln>
-        </p:spPr>
-        <p:style>
-          <a:lnRef idx="1">
-            <a:schemeClr val="accent1"/>
-          </a:lnRef>
-          <a:fillRef idx="0">
-            <a:schemeClr val="accent1"/>
-          </a:fillRef>
-          <a:effectRef idx="0">
-            <a:schemeClr val="accent1"/>
-          </a:effectRef>
-          <a:fontRef idx="minor">
-            <a:schemeClr val="tx1"/>
-          </a:fontRef>
-        </p:style>
-      </p:cxnSp>
-      <p:cxnSp>
-        <p:nvCxnSpPr>
-          <p:cNvPr id="20" name="直接箭头连接符 19"/>
-          <p:cNvCxnSpPr>
-            <a:stCxn id="7" idx="2"/>
-            <a:endCxn id="8" idx="0"/>
-          </p:cNvCxnSpPr>
-          <p:nvPr/>
-        </p:nvCxnSpPr>
-        <p:spPr>
-          <a:xfrm rot="5400000">
-            <a:off x="5000628" y="2428868"/>
-            <a:ext cx="285752" cy="1588"/>
-          </a:xfrm>
-          <a:prstGeom prst="straightConnector1">
-            <a:avLst/>
-          </a:prstGeom>
-          <a:ln>
-            <a:tailEnd type="arrow"/>
-          </a:ln>
-        </p:spPr>
-        <p:style>
-          <a:lnRef idx="1">
-            <a:schemeClr val="accent1"/>
-          </a:lnRef>
-          <a:fillRef idx="0">
-            <a:schemeClr val="accent1"/>
-          </a:fillRef>
-          <a:effectRef idx="0">
-            <a:schemeClr val="accent1"/>
-          </a:effectRef>
-          <a:fontRef idx="minor">
-            <a:schemeClr val="tx1"/>
-          </a:fontRef>
-        </p:style>
-      </p:cxnSp>
-      <p:cxnSp>
-        <p:nvCxnSpPr>
-          <p:cNvPr id="22" name="直接箭头连接符 21"/>
-          <p:cNvCxnSpPr>
-            <a:stCxn id="8" idx="2"/>
-            <a:endCxn id="9" idx="0"/>
-          </p:cNvCxnSpPr>
-          <p:nvPr/>
-        </p:nvCxnSpPr>
-        <p:spPr>
-          <a:xfrm rot="5400000">
-            <a:off x="5000628" y="3286124"/>
-            <a:ext cx="285752" cy="1588"/>
-          </a:xfrm>
-          <a:prstGeom prst="straightConnector1">
-            <a:avLst/>
-          </a:prstGeom>
-          <a:ln>
-            <a:tailEnd type="arrow"/>
-          </a:ln>
-        </p:spPr>
-        <p:style>
-          <a:lnRef idx="1">
-            <a:schemeClr val="accent1"/>
-          </a:lnRef>
-          <a:fillRef idx="0">
-            <a:schemeClr val="accent1"/>
-          </a:fillRef>
-          <a:effectRef idx="0">
-            <a:schemeClr val="accent1"/>
-          </a:effectRef>
-          <a:fontRef idx="minor">
-            <a:schemeClr val="tx1"/>
-          </a:fontRef>
-        </p:style>
-      </p:cxnSp>
-      <p:cxnSp>
-        <p:nvCxnSpPr>
-          <p:cNvPr id="24" name="直接箭头连接符 23"/>
-          <p:cNvCxnSpPr>
-            <a:stCxn id="9" idx="2"/>
-            <a:endCxn id="10" idx="0"/>
-          </p:cNvCxnSpPr>
-          <p:nvPr/>
-        </p:nvCxnSpPr>
-        <p:spPr>
-          <a:xfrm rot="5400000">
-            <a:off x="5000628" y="4143380"/>
-            <a:ext cx="285752" cy="1588"/>
-          </a:xfrm>
-          <a:prstGeom prst="straightConnector1">
-            <a:avLst/>
-          </a:prstGeom>
-          <a:ln>
-            <a:tailEnd type="arrow"/>
-          </a:ln>
-        </p:spPr>
-        <p:style>
-          <a:lnRef idx="1">
-            <a:schemeClr val="accent1"/>
-          </a:lnRef>
-          <a:fillRef idx="0">
-            <a:schemeClr val="accent1"/>
-          </a:fillRef>
-          <a:effectRef idx="0">
-            <a:schemeClr val="accent1"/>
-          </a:effectRef>
-          <a:fontRef idx="minor">
-            <a:schemeClr val="tx1"/>
-          </a:fontRef>
-        </p:style>
-      </p:cxnSp>
-      <p:cxnSp>
-        <p:nvCxnSpPr>
-          <p:cNvPr id="26" name="直接箭头连接符 25"/>
-          <p:cNvCxnSpPr>
-            <a:stCxn id="10" idx="2"/>
-            <a:endCxn id="11" idx="0"/>
-          </p:cNvCxnSpPr>
-          <p:nvPr/>
-        </p:nvCxnSpPr>
-        <p:spPr>
-          <a:xfrm rot="5400000">
-            <a:off x="5000628" y="5000636"/>
-            <a:ext cx="285752" cy="1588"/>
-          </a:xfrm>
-          <a:prstGeom prst="straightConnector1">
-            <a:avLst/>
-          </a:prstGeom>
-          <a:ln>
-            <a:tailEnd type="arrow"/>
-          </a:ln>
-        </p:spPr>
-        <p:style>
-          <a:lnRef idx="1">
-            <a:schemeClr val="accent1"/>
-          </a:lnRef>
-          <a:fillRef idx="0">
-            <a:schemeClr val="accent1"/>
-          </a:fillRef>
-          <a:effectRef idx="0">
-            <a:schemeClr val="accent1"/>
-          </a:effectRef>
-          <a:fontRef idx="minor">
-            <a:schemeClr val="tx1"/>
-          </a:fontRef>
-        </p:style>
-      </p:cxnSp>
-      <p:cxnSp>
-        <p:nvCxnSpPr>
-          <p:cNvPr id="28" name="直接箭头连接符 27"/>
-          <p:cNvCxnSpPr>
-            <a:stCxn id="11" idx="2"/>
-            <a:endCxn id="12" idx="0"/>
-          </p:cNvCxnSpPr>
-          <p:nvPr/>
-        </p:nvCxnSpPr>
-        <p:spPr>
-          <a:xfrm rot="5400000">
-            <a:off x="5000628" y="5857892"/>
-            <a:ext cx="285752" cy="1588"/>
-          </a:xfrm>
-          <a:prstGeom prst="straightConnector1">
-            <a:avLst/>
-          </a:prstGeom>
-          <a:ln>
-            <a:tailEnd type="arrow"/>
-          </a:ln>
-        </p:spPr>
-        <p:style>
-          <a:lnRef idx="1">
-            <a:schemeClr val="accent1"/>
-          </a:lnRef>
-          <a:fillRef idx="0">
-            <a:schemeClr val="accent1"/>
-          </a:fillRef>
-          <a:effectRef idx="0">
-            <a:schemeClr val="accent1"/>
-          </a:effectRef>
-          <a:fontRef idx="minor">
-            <a:schemeClr val="tx1"/>
-          </a:fontRef>
-        </p:style>
-      </p:cxnSp>
-      <p:sp>
-        <p:nvSpPr>
-          <p:cNvPr id="29" name="圆角矩形 28"/>
-          <p:cNvSpPr/>
-          <p:nvPr/>
-        </p:nvSpPr>
-        <p:spPr>
-          <a:xfrm>
-            <a:off x="7215206" y="2357430"/>
-            <a:ext cx="1643074" cy="1000132"/>
-          </a:xfrm>
-          <a:prstGeom prst="roundRect">
-            <a:avLst/>
-          </a:prstGeom>
-        </p:spPr>
-        <p:style>
-          <a:lnRef idx="1">
-            <a:schemeClr val="accent5"/>
-          </a:lnRef>
-          <a:fillRef idx="3">
-            <a:schemeClr val="accent5"/>
-          </a:fillRef>
-          <a:effectRef idx="2">
-            <a:schemeClr val="accent5"/>
-          </a:effectRef>
-          <a:fontRef idx="minor">
-            <a:schemeClr val="lt1"/>
-          </a:fontRef>
-        </p:style>
-        <p:txBody>
-          <a:bodyPr rtlCol="0" anchor="ctr"/>
-          <a:lstStyle/>
-          <a:p>
-            <a:pPr algn="ctr"/>
-            <a:r>
-              <a:rPr lang="en-US" altLang="zh-CN" dirty="0" smtClean="0"/>
-              <a:t>Offline System</a:t>
-            </a:r>
-            <a:endParaRPr lang="zh-CN" altLang="en-US" dirty="0"/>
-          </a:p>
-        </p:txBody>
-      </p:sp>
-      <p:cxnSp>
-        <p:nvCxnSpPr>
-          <p:cNvPr id="31" name="形状 30"/>
-          <p:cNvCxnSpPr>
-            <a:stCxn id="12" idx="1"/>
-            <a:endCxn id="37" idx="2"/>
-          </p:cNvCxnSpPr>
-          <p:nvPr/>
-        </p:nvCxnSpPr>
-        <p:spPr>
-          <a:xfrm rot="10800000">
-            <a:off x="2750332" y="5643578"/>
-            <a:ext cx="1393041" cy="642942"/>
-          </a:xfrm>
-          <a:prstGeom prst="bentConnector2">
-            <a:avLst/>
-          </a:prstGeom>
-          <a:ln>
-            <a:tailEnd type="arrow"/>
-          </a:ln>
-        </p:spPr>
-        <p:style>
-          <a:lnRef idx="1">
-            <a:schemeClr val="accent1"/>
-          </a:lnRef>
-          <a:fillRef idx="0">
-            <a:schemeClr val="accent1"/>
-          </a:fillRef>
-          <a:effectRef idx="0">
-            <a:schemeClr val="accent1"/>
-          </a:effectRef>
-          <a:fontRef idx="minor">
-            <a:schemeClr val="tx1"/>
-          </a:fontRef>
-        </p:style>
-      </p:cxnSp>
-      <p:cxnSp>
-        <p:nvCxnSpPr>
-          <p:cNvPr id="33" name="直接箭头连接符 32"/>
-          <p:cNvCxnSpPr>
-            <a:stCxn id="29" idx="1"/>
-            <a:endCxn id="8" idx="3"/>
-          </p:cNvCxnSpPr>
-          <p:nvPr/>
-        </p:nvCxnSpPr>
-        <p:spPr>
-          <a:xfrm rot="10800000">
-            <a:off x="6143636" y="2857496"/>
-            <a:ext cx="1071570" cy="1588"/>
-          </a:xfrm>
-          <a:prstGeom prst="straightConnector1">
-            <a:avLst/>
-          </a:prstGeom>
-          <a:ln>
-            <a:tailEnd type="arrow"/>
-          </a:ln>
-        </p:spPr>
-        <p:style>
-          <a:lnRef idx="1">
-            <a:schemeClr val="accent1"/>
-          </a:lnRef>
-          <a:fillRef idx="0">
-            <a:schemeClr val="accent1"/>
-          </a:fillRef>
-          <a:effectRef idx="0">
-            <a:schemeClr val="accent1"/>
-          </a:effectRef>
-          <a:fontRef idx="minor">
-            <a:schemeClr val="tx1"/>
-          </a:fontRef>
-        </p:style>
-      </p:cxnSp>
-      <p:sp>
-        <p:nvSpPr>
-          <p:cNvPr id="37" name="圆角矩形 36"/>
-          <p:cNvSpPr/>
-          <p:nvPr/>
-        </p:nvSpPr>
-        <p:spPr>
-          <a:xfrm>
-            <a:off x="1928794" y="4572008"/>
-            <a:ext cx="1643074" cy="1071570"/>
-          </a:xfrm>
-          <a:prstGeom prst="roundRect">
-            <a:avLst/>
-          </a:prstGeom>
-        </p:spPr>
-        <p:style>
-          <a:lnRef idx="1">
-            <a:schemeClr val="accent4"/>
-          </a:lnRef>
-          <a:fillRef idx="3">
-            <a:schemeClr val="accent4"/>
-          </a:fillRef>
-          <a:effectRef idx="2">
-            <a:schemeClr val="accent4"/>
-          </a:effectRef>
-          <a:fontRef idx="minor">
-            <a:schemeClr val="lt1"/>
-          </a:fontRef>
-        </p:style>
-        <p:txBody>
-          <a:bodyPr rtlCol="0" anchor="ctr"/>
-          <a:lstStyle/>
-          <a:p>
-            <a:pPr algn="ctr"/>
-            <a:r>
-              <a:rPr lang="en-US" altLang="zh-CN" dirty="0" smtClean="0"/>
-              <a:t>Site</a:t>
-            </a:r>
-            <a:endParaRPr lang="zh-CN" altLang="en-US" dirty="0"/>
-          </a:p>
-        </p:txBody>
-      </p:sp>
-      <p:cxnSp>
-        <p:nvCxnSpPr>
-          <p:cNvPr id="43" name="直接箭头连接符 42"/>
-          <p:cNvCxnSpPr>
-            <a:stCxn id="37" idx="0"/>
-            <a:endCxn id="14" idx="2"/>
-          </p:cNvCxnSpPr>
-          <p:nvPr/>
-        </p:nvCxnSpPr>
-        <p:spPr>
-          <a:xfrm rot="5400000" flipH="1" flipV="1">
-            <a:off x="2500298" y="4321975"/>
-            <a:ext cx="500066" cy="1588"/>
-          </a:xfrm>
-          <a:prstGeom prst="straightConnector1">
-            <a:avLst/>
-          </a:prstGeom>
-          <a:ln>
-            <a:tailEnd type="arrow"/>
-          </a:ln>
-        </p:spPr>
-        <p:style>
-          <a:lnRef idx="1">
-            <a:schemeClr val="accent1"/>
-          </a:lnRef>
-          <a:fillRef idx="0">
-            <a:schemeClr val="accent1"/>
-          </a:fillRef>
-          <a:effectRef idx="0">
-            <a:schemeClr val="accent1"/>
-          </a:effectRef>
-          <a:fontRef idx="minor">
-            <a:schemeClr val="tx1"/>
-          </a:fontRef>
-        </p:style>
-      </p:cxnSp>
-      <p:sp>
-        <p:nvSpPr>
-          <p:cNvPr id="46" name="矩形 45"/>
-          <p:cNvSpPr/>
-          <p:nvPr/>
-        </p:nvSpPr>
-        <p:spPr>
-          <a:xfrm>
-            <a:off x="357158" y="1500174"/>
-            <a:ext cx="1143008" cy="428628"/>
-          </a:xfrm>
-          <a:prstGeom prst="rect">
-            <a:avLst/>
-          </a:prstGeom>
-          <a:solidFill>
-            <a:schemeClr val="tx2">
-              <a:lumMod val="60000"/>
-              <a:lumOff val="40000"/>
-            </a:schemeClr>
-          </a:solidFill>
-        </p:spPr>
-        <p:style>
-          <a:lnRef idx="1">
-            <a:schemeClr val="accent1"/>
-          </a:lnRef>
-          <a:fillRef idx="3">
-            <a:schemeClr val="accent1"/>
-          </a:fillRef>
-          <a:effectRef idx="2">
-            <a:schemeClr val="accent1"/>
-          </a:effectRef>
-          <a:fontRef idx="minor">
-            <a:schemeClr val="lt1"/>
-          </a:fontRef>
-        </p:style>
-        <p:txBody>
-          <a:bodyPr rtlCol="0" anchor="ctr"/>
-          <a:lstStyle/>
-          <a:p>
-            <a:pPr algn="ctr"/>
-            <a:r>
-              <a:rPr lang="en-US" altLang="zh-CN" dirty="0" smtClean="0"/>
-              <a:t>vote</a:t>
-            </a:r>
-            <a:endParaRPr lang="zh-CN" altLang="en-US" dirty="0"/>
-          </a:p>
-        </p:txBody>
-      </p:sp>
-      <p:sp>
-        <p:nvSpPr>
-          <p:cNvPr id="47" name="矩形 46"/>
-          <p:cNvSpPr/>
-          <p:nvPr/>
-        </p:nvSpPr>
-        <p:spPr>
-          <a:xfrm>
-            <a:off x="357158" y="2143116"/>
-            <a:ext cx="1143008" cy="428628"/>
-          </a:xfrm>
-          <a:prstGeom prst="rect">
-            <a:avLst/>
-          </a:prstGeom>
-          <a:solidFill>
-            <a:schemeClr val="tx2">
-              <a:lumMod val="60000"/>
-              <a:lumOff val="40000"/>
-            </a:schemeClr>
-          </a:solidFill>
-        </p:spPr>
-        <p:style>
-          <a:lnRef idx="1">
-            <a:schemeClr val="accent1"/>
-          </a:lnRef>
-          <a:fillRef idx="3">
-            <a:schemeClr val="accent1"/>
-          </a:fillRef>
-          <a:effectRef idx="2">
-            <a:schemeClr val="accent1"/>
-          </a:effectRef>
-          <a:fontRef idx="minor">
-            <a:schemeClr val="lt1"/>
-          </a:fontRef>
-        </p:style>
-        <p:txBody>
-          <a:bodyPr rtlCol="0" anchor="ctr"/>
-          <a:lstStyle/>
-          <a:p>
-            <a:pPr algn="ctr"/>
-            <a:r>
-              <a:rPr lang="en-US" altLang="zh-CN" dirty="0" smtClean="0"/>
-              <a:t>search</a:t>
-            </a:r>
-            <a:endParaRPr lang="zh-CN" altLang="en-US" dirty="0"/>
-          </a:p>
-        </p:txBody>
-      </p:sp>
-      <p:sp>
-        <p:nvSpPr>
-          <p:cNvPr id="48" name="矩形 47"/>
-          <p:cNvSpPr/>
-          <p:nvPr/>
-        </p:nvSpPr>
-        <p:spPr>
-          <a:xfrm>
-            <a:off x="357158" y="2786058"/>
-            <a:ext cx="1143008" cy="428628"/>
-          </a:xfrm>
-          <a:prstGeom prst="rect">
-            <a:avLst/>
-          </a:prstGeom>
-          <a:solidFill>
-            <a:schemeClr val="tx2">
-              <a:lumMod val="60000"/>
-              <a:lumOff val="40000"/>
-            </a:schemeClr>
-          </a:solidFill>
-        </p:spPr>
-        <p:style>
-          <a:lnRef idx="1">
-            <a:schemeClr val="accent1"/>
-          </a:lnRef>
-          <a:fillRef idx="3">
-            <a:schemeClr val="accent1"/>
-          </a:fillRef>
-          <a:effectRef idx="2">
-            <a:schemeClr val="accent1"/>
-          </a:effectRef>
-          <a:fontRef idx="minor">
-            <a:schemeClr val="lt1"/>
-          </a:fontRef>
-        </p:style>
-        <p:txBody>
-          <a:bodyPr rtlCol="0" anchor="ctr"/>
-          <a:lstStyle/>
-          <a:p>
-            <a:pPr algn="ctr"/>
-            <a:r>
-              <a:rPr lang="en-US" altLang="zh-CN" dirty="0" smtClean="0"/>
-              <a:t>comment</a:t>
-            </a:r>
-            <a:endParaRPr lang="zh-CN" altLang="en-US" dirty="0"/>
-          </a:p>
-        </p:txBody>
-      </p:sp>
-      <p:cxnSp>
-        <p:nvCxnSpPr>
-          <p:cNvPr id="50" name="肘形连接符 49"/>
-          <p:cNvCxnSpPr>
-            <a:stCxn id="3" idx="2"/>
-            <a:endCxn id="46" idx="3"/>
-          </p:cNvCxnSpPr>
-          <p:nvPr/>
-        </p:nvCxnSpPr>
-        <p:spPr>
-          <a:xfrm rot="10800000">
-            <a:off x="1500166" y="1714488"/>
-            <a:ext cx="571504" cy="285752"/>
-          </a:xfrm>
-          <a:prstGeom prst="bentConnector3">
-            <a:avLst>
-              <a:gd name="adj1" fmla="val 50000"/>
-            </a:avLst>
-          </a:prstGeom>
-          <a:ln>
-            <a:prstDash val="dash"/>
-            <a:tailEnd type="arrow"/>
-          </a:ln>
-        </p:spPr>
-        <p:style>
-          <a:lnRef idx="1">
-            <a:schemeClr val="accent1"/>
-          </a:lnRef>
-          <a:fillRef idx="0">
-            <a:schemeClr val="accent1"/>
-          </a:fillRef>
-          <a:effectRef idx="0">
-            <a:schemeClr val="accent1"/>
-          </a:effectRef>
-          <a:fontRef idx="minor">
-            <a:schemeClr val="tx1"/>
-          </a:fontRef>
-        </p:style>
-      </p:cxnSp>
-      <p:cxnSp>
-        <p:nvCxnSpPr>
-          <p:cNvPr id="52" name="肘形连接符 51"/>
-          <p:cNvCxnSpPr>
-            <a:stCxn id="3" idx="2"/>
-            <a:endCxn id="47" idx="3"/>
-          </p:cNvCxnSpPr>
-          <p:nvPr/>
-        </p:nvCxnSpPr>
-        <p:spPr>
-          <a:xfrm rot="10800000" flipV="1">
-            <a:off x="1500166" y="2000240"/>
-            <a:ext cx="571504" cy="357190"/>
-          </a:xfrm>
-          <a:prstGeom prst="bentConnector3">
-            <a:avLst>
-              <a:gd name="adj1" fmla="val 50000"/>
-            </a:avLst>
-          </a:prstGeom>
-          <a:ln>
-            <a:prstDash val="dash"/>
-            <a:tailEnd type="arrow"/>
-          </a:ln>
-        </p:spPr>
-        <p:style>
-          <a:lnRef idx="1">
-            <a:schemeClr val="accent1"/>
-          </a:lnRef>
-          <a:fillRef idx="0">
-            <a:schemeClr val="accent1"/>
-          </a:fillRef>
-          <a:effectRef idx="0">
-            <a:schemeClr val="accent1"/>
-          </a:effectRef>
-          <a:fontRef idx="minor">
-            <a:schemeClr val="tx1"/>
-          </a:fontRef>
-        </p:style>
-      </p:cxnSp>
-      <p:cxnSp>
-        <p:nvCxnSpPr>
-          <p:cNvPr id="54" name="肘形连接符 53"/>
-          <p:cNvCxnSpPr>
-            <a:stCxn id="3" idx="2"/>
-            <a:endCxn id="48" idx="3"/>
-          </p:cNvCxnSpPr>
-          <p:nvPr/>
-        </p:nvCxnSpPr>
-        <p:spPr>
-          <a:xfrm rot="10800000" flipV="1">
-            <a:off x="1500166" y="2000240"/>
-            <a:ext cx="571504" cy="1000132"/>
-          </a:xfrm>
-          <a:prstGeom prst="bentConnector3">
-            <a:avLst>
-              <a:gd name="adj1" fmla="val 50000"/>
-            </a:avLst>
-          </a:prstGeom>
-          <a:ln>
-            <a:prstDash val="dash"/>
-            <a:tailEnd type="arrow"/>
-          </a:ln>
-        </p:spPr>
-        <p:style>
-          <a:lnRef idx="1">
-            <a:schemeClr val="accent1"/>
-          </a:lnRef>
-          <a:fillRef idx="0">
-            <a:schemeClr val="accent1"/>
-          </a:fillRef>
-          <a:effectRef idx="0">
-            <a:schemeClr val="accent1"/>
-          </a:effectRef>
-          <a:fontRef idx="minor">
-            <a:schemeClr val="tx1"/>
-          </a:fontRef>
-        </p:style>
-      </p:cxnSp>
+        </p:grpSpPr>
+        <p:sp>
+          <p:nvSpPr>
+            <p:cNvPr id="3" name="圆柱形 2"/>
+            <p:cNvSpPr/>
+            <p:nvPr/>
+          </p:nvSpPr>
+          <p:spPr>
+            <a:xfrm>
+              <a:off x="2071670" y="1428736"/>
+              <a:ext cx="1357322" cy="1143008"/>
+            </a:xfrm>
+            <a:prstGeom prst="can">
+              <a:avLst/>
+            </a:prstGeom>
+          </p:spPr>
+          <p:style>
+            <a:lnRef idx="1">
+              <a:schemeClr val="accent1"/>
+            </a:lnRef>
+            <a:fillRef idx="3">
+              <a:schemeClr val="accent1"/>
+            </a:fillRef>
+            <a:effectRef idx="2">
+              <a:schemeClr val="accent1"/>
+            </a:effectRef>
+            <a:fontRef idx="minor">
+              <a:schemeClr val="lt1"/>
+            </a:fontRef>
+          </p:style>
+          <p:txBody>
+            <a:bodyPr rtlCol="0" anchor="ctr"/>
+            <a:lstStyle/>
+            <a:p>
+              <a:pPr algn="ctr"/>
+              <a:r>
+                <a:rPr lang="en-US" altLang="zh-CN" dirty="0" smtClean="0"/>
+                <a:t>User Behavior DB</a:t>
+              </a:r>
+              <a:endParaRPr lang="zh-CN" altLang="en-US" dirty="0"/>
+            </a:p>
+          </p:txBody>
+        </p:sp>
+        <p:sp>
+          <p:nvSpPr>
+            <p:cNvPr id="7" name="矩形 6"/>
+            <p:cNvSpPr/>
+            <p:nvPr/>
+          </p:nvSpPr>
+          <p:spPr>
+            <a:xfrm>
+              <a:off x="4143372" y="1714488"/>
+              <a:ext cx="2000264" cy="571504"/>
+            </a:xfrm>
+            <a:prstGeom prst="rect">
+              <a:avLst/>
+            </a:prstGeom>
+          </p:spPr>
+          <p:style>
+            <a:lnRef idx="1">
+              <a:schemeClr val="accent1"/>
+            </a:lnRef>
+            <a:fillRef idx="3">
+              <a:schemeClr val="accent1"/>
+            </a:fillRef>
+            <a:effectRef idx="2">
+              <a:schemeClr val="accent1"/>
+            </a:effectRef>
+            <a:fontRef idx="minor">
+              <a:schemeClr val="lt1"/>
+            </a:fontRef>
+          </p:style>
+          <p:txBody>
+            <a:bodyPr rtlCol="0" anchor="ctr"/>
+            <a:lstStyle/>
+            <a:p>
+              <a:pPr algn="ctr"/>
+              <a:r>
+                <a:rPr lang="en-US" altLang="zh-CN" dirty="0" smtClean="0"/>
+                <a:t>User Features</a:t>
+              </a:r>
+              <a:endParaRPr lang="zh-CN" altLang="en-US" dirty="0"/>
+            </a:p>
+          </p:txBody>
+        </p:sp>
+        <p:sp>
+          <p:nvSpPr>
+            <p:cNvPr id="8" name="矩形 7"/>
+            <p:cNvSpPr/>
+            <p:nvPr/>
+          </p:nvSpPr>
+          <p:spPr>
+            <a:xfrm>
+              <a:off x="4143372" y="2571744"/>
+              <a:ext cx="2000264" cy="571504"/>
+            </a:xfrm>
+            <a:prstGeom prst="rect">
+              <a:avLst/>
+            </a:prstGeom>
+          </p:spPr>
+          <p:style>
+            <a:lnRef idx="1">
+              <a:schemeClr val="accent1"/>
+            </a:lnRef>
+            <a:fillRef idx="3">
+              <a:schemeClr val="accent1"/>
+            </a:fillRef>
+            <a:effectRef idx="2">
+              <a:schemeClr val="accent1"/>
+            </a:effectRef>
+            <a:fontRef idx="minor">
+              <a:schemeClr val="lt1"/>
+            </a:fontRef>
+          </p:style>
+          <p:txBody>
+            <a:bodyPr rtlCol="0" anchor="ctr"/>
+            <a:lstStyle/>
+            <a:p>
+              <a:pPr algn="ctr"/>
+              <a:r>
+                <a:rPr lang="en-US" altLang="zh-CN" dirty="0" smtClean="0"/>
+                <a:t>Feature-Item Similarity Table</a:t>
+              </a:r>
+              <a:endParaRPr lang="zh-CN" altLang="en-US" dirty="0"/>
+            </a:p>
+          </p:txBody>
+        </p:sp>
+        <p:sp>
+          <p:nvSpPr>
+            <p:cNvPr id="9" name="矩形 8"/>
+            <p:cNvSpPr/>
+            <p:nvPr/>
+          </p:nvSpPr>
+          <p:spPr>
+            <a:xfrm>
+              <a:off x="4143372" y="3429000"/>
+              <a:ext cx="2000264" cy="571504"/>
+            </a:xfrm>
+            <a:prstGeom prst="rect">
+              <a:avLst/>
+            </a:prstGeom>
+          </p:spPr>
+          <p:style>
+            <a:lnRef idx="1">
+              <a:schemeClr val="accent3"/>
+            </a:lnRef>
+            <a:fillRef idx="3">
+              <a:schemeClr val="accent3"/>
+            </a:fillRef>
+            <a:effectRef idx="2">
+              <a:schemeClr val="accent3"/>
+            </a:effectRef>
+            <a:fontRef idx="minor">
+              <a:schemeClr val="lt1"/>
+            </a:fontRef>
+          </p:style>
+          <p:txBody>
+            <a:bodyPr rtlCol="0" anchor="ctr"/>
+            <a:lstStyle/>
+            <a:p>
+              <a:pPr algn="ctr"/>
+              <a:r>
+                <a:rPr lang="en-US" altLang="zh-CN" dirty="0" smtClean="0"/>
+                <a:t>Raw Recommendations</a:t>
+              </a:r>
+              <a:endParaRPr lang="zh-CN" altLang="en-US" dirty="0"/>
+            </a:p>
+          </p:txBody>
+        </p:sp>
+        <p:sp>
+          <p:nvSpPr>
+            <p:cNvPr id="10" name="矩形 9"/>
+            <p:cNvSpPr/>
+            <p:nvPr/>
+          </p:nvSpPr>
+          <p:spPr>
+            <a:xfrm>
+              <a:off x="4143372" y="4286256"/>
+              <a:ext cx="2000264" cy="571504"/>
+            </a:xfrm>
+            <a:prstGeom prst="rect">
+              <a:avLst/>
+            </a:prstGeom>
+          </p:spPr>
+          <p:style>
+            <a:lnRef idx="1">
+              <a:schemeClr val="accent1"/>
+            </a:lnRef>
+            <a:fillRef idx="3">
+              <a:schemeClr val="accent1"/>
+            </a:fillRef>
+            <a:effectRef idx="2">
+              <a:schemeClr val="accent1"/>
+            </a:effectRef>
+            <a:fontRef idx="minor">
+              <a:schemeClr val="lt1"/>
+            </a:fontRef>
+          </p:style>
+          <p:txBody>
+            <a:bodyPr rtlCol="0" anchor="ctr"/>
+            <a:lstStyle/>
+            <a:p>
+              <a:pPr algn="ctr"/>
+              <a:r>
+                <a:rPr lang="en-US" altLang="zh-CN" dirty="0" smtClean="0"/>
+                <a:t>Explanation</a:t>
+              </a:r>
+              <a:endParaRPr lang="zh-CN" altLang="en-US" dirty="0"/>
+            </a:p>
+          </p:txBody>
+        </p:sp>
+        <p:sp>
+          <p:nvSpPr>
+            <p:cNvPr id="11" name="矩形 10"/>
+            <p:cNvSpPr/>
+            <p:nvPr/>
+          </p:nvSpPr>
+          <p:spPr>
+            <a:xfrm>
+              <a:off x="4143372" y="5143512"/>
+              <a:ext cx="2000264" cy="571504"/>
+            </a:xfrm>
+            <a:prstGeom prst="rect">
+              <a:avLst/>
+            </a:prstGeom>
+          </p:spPr>
+          <p:style>
+            <a:lnRef idx="1">
+              <a:schemeClr val="accent1"/>
+            </a:lnRef>
+            <a:fillRef idx="3">
+              <a:schemeClr val="accent1"/>
+            </a:fillRef>
+            <a:effectRef idx="2">
+              <a:schemeClr val="accent1"/>
+            </a:effectRef>
+            <a:fontRef idx="minor">
+              <a:schemeClr val="lt1"/>
+            </a:fontRef>
+          </p:style>
+          <p:txBody>
+            <a:bodyPr rtlCol="0" anchor="ctr"/>
+            <a:lstStyle/>
+            <a:p>
+              <a:pPr algn="ctr"/>
+              <a:r>
+                <a:rPr lang="en-US" altLang="zh-CN" dirty="0" smtClean="0"/>
+                <a:t>Ranking &amp; Filtering</a:t>
+              </a:r>
+              <a:endParaRPr lang="zh-CN" altLang="en-US" dirty="0"/>
+            </a:p>
+          </p:txBody>
+        </p:sp>
+        <p:sp>
+          <p:nvSpPr>
+            <p:cNvPr id="12" name="矩形 11"/>
+            <p:cNvSpPr/>
+            <p:nvPr/>
+          </p:nvSpPr>
+          <p:spPr>
+            <a:xfrm>
+              <a:off x="4143372" y="6000768"/>
+              <a:ext cx="2000264" cy="571504"/>
+            </a:xfrm>
+            <a:prstGeom prst="rect">
+              <a:avLst/>
+            </a:prstGeom>
+          </p:spPr>
+          <p:style>
+            <a:lnRef idx="1">
+              <a:schemeClr val="accent3"/>
+            </a:lnRef>
+            <a:fillRef idx="3">
+              <a:schemeClr val="accent3"/>
+            </a:fillRef>
+            <a:effectRef idx="2">
+              <a:schemeClr val="accent3"/>
+            </a:effectRef>
+            <a:fontRef idx="minor">
+              <a:schemeClr val="lt1"/>
+            </a:fontRef>
+          </p:style>
+          <p:txBody>
+            <a:bodyPr rtlCol="0" anchor="ctr"/>
+            <a:lstStyle/>
+            <a:p>
+              <a:pPr algn="ctr"/>
+              <a:r>
+                <a:rPr lang="en-US" altLang="zh-CN" dirty="0" smtClean="0"/>
+                <a:t>Final Recommendations</a:t>
+              </a:r>
+              <a:endParaRPr lang="zh-CN" altLang="en-US" dirty="0"/>
+            </a:p>
+          </p:txBody>
+        </p:sp>
+        <p:sp>
+          <p:nvSpPr>
+            <p:cNvPr id="14" name="圆角矩形 13"/>
+            <p:cNvSpPr/>
+            <p:nvPr/>
+          </p:nvSpPr>
+          <p:spPr>
+            <a:xfrm>
+              <a:off x="1928794" y="3000372"/>
+              <a:ext cx="1643074" cy="1071570"/>
+            </a:xfrm>
+            <a:prstGeom prst="roundRect">
+              <a:avLst/>
+            </a:prstGeom>
+          </p:spPr>
+          <p:style>
+            <a:lnRef idx="1">
+              <a:schemeClr val="accent4"/>
+            </a:lnRef>
+            <a:fillRef idx="3">
+              <a:schemeClr val="accent4"/>
+            </a:fillRef>
+            <a:effectRef idx="2">
+              <a:schemeClr val="accent4"/>
+            </a:effectRef>
+            <a:fontRef idx="minor">
+              <a:schemeClr val="lt1"/>
+            </a:fontRef>
+          </p:style>
+          <p:txBody>
+            <a:bodyPr rtlCol="0" anchor="ctr"/>
+            <a:lstStyle/>
+            <a:p>
+              <a:pPr algn="ctr"/>
+              <a:r>
+                <a:rPr lang="en-US" altLang="zh-CN" dirty="0" smtClean="0"/>
+                <a:t>Log System</a:t>
+              </a:r>
+              <a:endParaRPr lang="zh-CN" altLang="en-US" dirty="0"/>
+            </a:p>
+          </p:txBody>
+        </p:sp>
+        <p:cxnSp>
+          <p:nvCxnSpPr>
+            <p:cNvPr id="16" name="直接箭头连接符 15"/>
+            <p:cNvCxnSpPr>
+              <a:stCxn id="14" idx="0"/>
+              <a:endCxn id="3" idx="3"/>
+            </p:cNvCxnSpPr>
+            <p:nvPr/>
+          </p:nvCxnSpPr>
+          <p:spPr>
+            <a:xfrm rot="5400000" flipH="1" flipV="1">
+              <a:off x="2536017" y="2786058"/>
+              <a:ext cx="428628" cy="1588"/>
+            </a:xfrm>
+            <a:prstGeom prst="straightConnector1">
+              <a:avLst/>
+            </a:prstGeom>
+            <a:ln>
+              <a:tailEnd type="arrow"/>
+            </a:ln>
+          </p:spPr>
+          <p:style>
+            <a:lnRef idx="1">
+              <a:schemeClr val="accent1"/>
+            </a:lnRef>
+            <a:fillRef idx="0">
+              <a:schemeClr val="accent1"/>
+            </a:fillRef>
+            <a:effectRef idx="0">
+              <a:schemeClr val="accent1"/>
+            </a:effectRef>
+            <a:fontRef idx="minor">
+              <a:schemeClr val="tx1"/>
+            </a:fontRef>
+          </p:style>
+        </p:cxnSp>
+        <p:cxnSp>
+          <p:nvCxnSpPr>
+            <p:cNvPr id="18" name="直接箭头连接符 17"/>
+            <p:cNvCxnSpPr>
+              <a:stCxn id="3" idx="4"/>
+              <a:endCxn id="7" idx="1"/>
+            </p:cNvCxnSpPr>
+            <p:nvPr/>
+          </p:nvCxnSpPr>
+          <p:spPr>
+            <a:xfrm>
+              <a:off x="3428992" y="2000240"/>
+              <a:ext cx="714380" cy="1588"/>
+            </a:xfrm>
+            <a:prstGeom prst="straightConnector1">
+              <a:avLst/>
+            </a:prstGeom>
+            <a:ln>
+              <a:tailEnd type="arrow"/>
+            </a:ln>
+          </p:spPr>
+          <p:style>
+            <a:lnRef idx="1">
+              <a:schemeClr val="accent1"/>
+            </a:lnRef>
+            <a:fillRef idx="0">
+              <a:schemeClr val="accent1"/>
+            </a:fillRef>
+            <a:effectRef idx="0">
+              <a:schemeClr val="accent1"/>
+            </a:effectRef>
+            <a:fontRef idx="minor">
+              <a:schemeClr val="tx1"/>
+            </a:fontRef>
+          </p:style>
+        </p:cxnSp>
+        <p:cxnSp>
+          <p:nvCxnSpPr>
+            <p:cNvPr id="20" name="直接箭头连接符 19"/>
+            <p:cNvCxnSpPr>
+              <a:stCxn id="7" idx="2"/>
+              <a:endCxn id="8" idx="0"/>
+            </p:cNvCxnSpPr>
+            <p:nvPr/>
+          </p:nvCxnSpPr>
+          <p:spPr>
+            <a:xfrm rot="5400000">
+              <a:off x="5000628" y="2428868"/>
+              <a:ext cx="285752" cy="1588"/>
+            </a:xfrm>
+            <a:prstGeom prst="straightConnector1">
+              <a:avLst/>
+            </a:prstGeom>
+            <a:ln>
+              <a:tailEnd type="arrow"/>
+            </a:ln>
+          </p:spPr>
+          <p:style>
+            <a:lnRef idx="1">
+              <a:schemeClr val="accent1"/>
+            </a:lnRef>
+            <a:fillRef idx="0">
+              <a:schemeClr val="accent1"/>
+            </a:fillRef>
+            <a:effectRef idx="0">
+              <a:schemeClr val="accent1"/>
+            </a:effectRef>
+            <a:fontRef idx="minor">
+              <a:schemeClr val="tx1"/>
+            </a:fontRef>
+          </p:style>
+        </p:cxnSp>
+        <p:cxnSp>
+          <p:nvCxnSpPr>
+            <p:cNvPr id="22" name="直接箭头连接符 21"/>
+            <p:cNvCxnSpPr>
+              <a:stCxn id="8" idx="2"/>
+              <a:endCxn id="9" idx="0"/>
+            </p:cNvCxnSpPr>
+            <p:nvPr/>
+          </p:nvCxnSpPr>
+          <p:spPr>
+            <a:xfrm rot="5400000">
+              <a:off x="5000628" y="3286124"/>
+              <a:ext cx="285752" cy="1588"/>
+            </a:xfrm>
+            <a:prstGeom prst="straightConnector1">
+              <a:avLst/>
+            </a:prstGeom>
+            <a:ln>
+              <a:tailEnd type="arrow"/>
+            </a:ln>
+          </p:spPr>
+          <p:style>
+            <a:lnRef idx="1">
+              <a:schemeClr val="accent1"/>
+            </a:lnRef>
+            <a:fillRef idx="0">
+              <a:schemeClr val="accent1"/>
+            </a:fillRef>
+            <a:effectRef idx="0">
+              <a:schemeClr val="accent1"/>
+            </a:effectRef>
+            <a:fontRef idx="minor">
+              <a:schemeClr val="tx1"/>
+            </a:fontRef>
+          </p:style>
+        </p:cxnSp>
+        <p:cxnSp>
+          <p:nvCxnSpPr>
+            <p:cNvPr id="24" name="直接箭头连接符 23"/>
+            <p:cNvCxnSpPr>
+              <a:stCxn id="9" idx="2"/>
+              <a:endCxn id="10" idx="0"/>
+            </p:cNvCxnSpPr>
+            <p:nvPr/>
+          </p:nvCxnSpPr>
+          <p:spPr>
+            <a:xfrm rot="5400000">
+              <a:off x="5000628" y="4143380"/>
+              <a:ext cx="285752" cy="1588"/>
+            </a:xfrm>
+            <a:prstGeom prst="straightConnector1">
+              <a:avLst/>
+            </a:prstGeom>
+            <a:ln>
+              <a:tailEnd type="arrow"/>
+            </a:ln>
+          </p:spPr>
+          <p:style>
+            <a:lnRef idx="1">
+              <a:schemeClr val="accent1"/>
+            </a:lnRef>
+            <a:fillRef idx="0">
+              <a:schemeClr val="accent1"/>
+            </a:fillRef>
+            <a:effectRef idx="0">
+              <a:schemeClr val="accent1"/>
+            </a:effectRef>
+            <a:fontRef idx="minor">
+              <a:schemeClr val="tx1"/>
+            </a:fontRef>
+          </p:style>
+        </p:cxnSp>
+        <p:cxnSp>
+          <p:nvCxnSpPr>
+            <p:cNvPr id="26" name="直接箭头连接符 25"/>
+            <p:cNvCxnSpPr>
+              <a:stCxn id="10" idx="2"/>
+              <a:endCxn id="11" idx="0"/>
+            </p:cNvCxnSpPr>
+            <p:nvPr/>
+          </p:nvCxnSpPr>
+          <p:spPr>
+            <a:xfrm rot="5400000">
+              <a:off x="5000628" y="5000636"/>
+              <a:ext cx="285752" cy="1588"/>
+            </a:xfrm>
+            <a:prstGeom prst="straightConnector1">
+              <a:avLst/>
+            </a:prstGeom>
+            <a:ln>
+              <a:tailEnd type="arrow"/>
+            </a:ln>
+          </p:spPr>
+          <p:style>
+            <a:lnRef idx="1">
+              <a:schemeClr val="accent1"/>
+            </a:lnRef>
+            <a:fillRef idx="0">
+              <a:schemeClr val="accent1"/>
+            </a:fillRef>
+            <a:effectRef idx="0">
+              <a:schemeClr val="accent1"/>
+            </a:effectRef>
+            <a:fontRef idx="minor">
+              <a:schemeClr val="tx1"/>
+            </a:fontRef>
+          </p:style>
+        </p:cxnSp>
+        <p:cxnSp>
+          <p:nvCxnSpPr>
+            <p:cNvPr id="28" name="直接箭头连接符 27"/>
+            <p:cNvCxnSpPr>
+              <a:stCxn id="11" idx="2"/>
+              <a:endCxn id="12" idx="0"/>
+            </p:cNvCxnSpPr>
+            <p:nvPr/>
+          </p:nvCxnSpPr>
+          <p:spPr>
+            <a:xfrm rot="5400000">
+              <a:off x="5000628" y="5857892"/>
+              <a:ext cx="285752" cy="1588"/>
+            </a:xfrm>
+            <a:prstGeom prst="straightConnector1">
+              <a:avLst/>
+            </a:prstGeom>
+            <a:ln>
+              <a:tailEnd type="arrow"/>
+            </a:ln>
+          </p:spPr>
+          <p:style>
+            <a:lnRef idx="1">
+              <a:schemeClr val="accent1"/>
+            </a:lnRef>
+            <a:fillRef idx="0">
+              <a:schemeClr val="accent1"/>
+            </a:fillRef>
+            <a:effectRef idx="0">
+              <a:schemeClr val="accent1"/>
+            </a:effectRef>
+            <a:fontRef idx="minor">
+              <a:schemeClr val="tx1"/>
+            </a:fontRef>
+          </p:style>
+        </p:cxnSp>
+        <p:sp>
+          <p:nvSpPr>
+            <p:cNvPr id="29" name="圆角矩形 28"/>
+            <p:cNvSpPr/>
+            <p:nvPr/>
+          </p:nvSpPr>
+          <p:spPr>
+            <a:xfrm>
+              <a:off x="7215206" y="2357430"/>
+              <a:ext cx="1643074" cy="1000132"/>
+            </a:xfrm>
+            <a:prstGeom prst="roundRect">
+              <a:avLst/>
+            </a:prstGeom>
+          </p:spPr>
+          <p:style>
+            <a:lnRef idx="1">
+              <a:schemeClr val="accent5"/>
+            </a:lnRef>
+            <a:fillRef idx="3">
+              <a:schemeClr val="accent5"/>
+            </a:fillRef>
+            <a:effectRef idx="2">
+              <a:schemeClr val="accent5"/>
+            </a:effectRef>
+            <a:fontRef idx="minor">
+              <a:schemeClr val="lt1"/>
+            </a:fontRef>
+          </p:style>
+          <p:txBody>
+            <a:bodyPr rtlCol="0" anchor="ctr"/>
+            <a:lstStyle/>
+            <a:p>
+              <a:pPr algn="ctr"/>
+              <a:r>
+                <a:rPr lang="en-US" altLang="zh-CN" dirty="0" smtClean="0"/>
+                <a:t>Offline System</a:t>
+              </a:r>
+              <a:endParaRPr lang="zh-CN" altLang="en-US" dirty="0"/>
+            </a:p>
+          </p:txBody>
+        </p:sp>
+        <p:cxnSp>
+          <p:nvCxnSpPr>
+            <p:cNvPr id="31" name="形状 30"/>
+            <p:cNvCxnSpPr>
+              <a:stCxn id="12" idx="1"/>
+              <a:endCxn id="37" idx="2"/>
+            </p:cNvCxnSpPr>
+            <p:nvPr/>
+          </p:nvCxnSpPr>
+          <p:spPr>
+            <a:xfrm rot="10800000">
+              <a:off x="2750332" y="5643578"/>
+              <a:ext cx="1393041" cy="642942"/>
+            </a:xfrm>
+            <a:prstGeom prst="bentConnector2">
+              <a:avLst/>
+            </a:prstGeom>
+            <a:ln>
+              <a:tailEnd type="arrow"/>
+            </a:ln>
+          </p:spPr>
+          <p:style>
+            <a:lnRef idx="1">
+              <a:schemeClr val="accent1"/>
+            </a:lnRef>
+            <a:fillRef idx="0">
+              <a:schemeClr val="accent1"/>
+            </a:fillRef>
+            <a:effectRef idx="0">
+              <a:schemeClr val="accent1"/>
+            </a:effectRef>
+            <a:fontRef idx="minor">
+              <a:schemeClr val="tx1"/>
+            </a:fontRef>
+          </p:style>
+        </p:cxnSp>
+        <p:cxnSp>
+          <p:nvCxnSpPr>
+            <p:cNvPr id="33" name="直接箭头连接符 32"/>
+            <p:cNvCxnSpPr>
+              <a:stCxn id="29" idx="1"/>
+              <a:endCxn id="8" idx="3"/>
+            </p:cNvCxnSpPr>
+            <p:nvPr/>
+          </p:nvCxnSpPr>
+          <p:spPr>
+            <a:xfrm rot="10800000">
+              <a:off x="6143636" y="2857496"/>
+              <a:ext cx="1071570" cy="1588"/>
+            </a:xfrm>
+            <a:prstGeom prst="straightConnector1">
+              <a:avLst/>
+            </a:prstGeom>
+            <a:ln>
+              <a:tailEnd type="arrow"/>
+            </a:ln>
+          </p:spPr>
+          <p:style>
+            <a:lnRef idx="1">
+              <a:schemeClr val="accent1"/>
+            </a:lnRef>
+            <a:fillRef idx="0">
+              <a:schemeClr val="accent1"/>
+            </a:fillRef>
+            <a:effectRef idx="0">
+              <a:schemeClr val="accent1"/>
+            </a:effectRef>
+            <a:fontRef idx="minor">
+              <a:schemeClr val="tx1"/>
+            </a:fontRef>
+          </p:style>
+        </p:cxnSp>
+        <p:sp>
+          <p:nvSpPr>
+            <p:cNvPr id="37" name="圆角矩形 36"/>
+            <p:cNvSpPr/>
+            <p:nvPr/>
+          </p:nvSpPr>
+          <p:spPr>
+            <a:xfrm>
+              <a:off x="1928794" y="4572008"/>
+              <a:ext cx="1643074" cy="1071570"/>
+            </a:xfrm>
+            <a:prstGeom prst="roundRect">
+              <a:avLst/>
+            </a:prstGeom>
+          </p:spPr>
+          <p:style>
+            <a:lnRef idx="1">
+              <a:schemeClr val="accent4"/>
+            </a:lnRef>
+            <a:fillRef idx="3">
+              <a:schemeClr val="accent4"/>
+            </a:fillRef>
+            <a:effectRef idx="2">
+              <a:schemeClr val="accent4"/>
+            </a:effectRef>
+            <a:fontRef idx="minor">
+              <a:schemeClr val="lt1"/>
+            </a:fontRef>
+          </p:style>
+          <p:txBody>
+            <a:bodyPr rtlCol="0" anchor="ctr"/>
+            <a:lstStyle/>
+            <a:p>
+              <a:pPr algn="ctr"/>
+              <a:r>
+                <a:rPr lang="en-US" altLang="zh-CN" dirty="0" smtClean="0"/>
+                <a:t>Site</a:t>
+              </a:r>
+              <a:endParaRPr lang="zh-CN" altLang="en-US" dirty="0"/>
+            </a:p>
+          </p:txBody>
+        </p:sp>
+        <p:cxnSp>
+          <p:nvCxnSpPr>
+            <p:cNvPr id="43" name="直接箭头连接符 42"/>
+            <p:cNvCxnSpPr>
+              <a:stCxn id="37" idx="0"/>
+              <a:endCxn id="14" idx="2"/>
+            </p:cNvCxnSpPr>
+            <p:nvPr/>
+          </p:nvCxnSpPr>
+          <p:spPr>
+            <a:xfrm rot="5400000" flipH="1" flipV="1">
+              <a:off x="2500298" y="4321975"/>
+              <a:ext cx="500066" cy="1588"/>
+            </a:xfrm>
+            <a:prstGeom prst="straightConnector1">
+              <a:avLst/>
+            </a:prstGeom>
+            <a:ln>
+              <a:tailEnd type="arrow"/>
+            </a:ln>
+          </p:spPr>
+          <p:style>
+            <a:lnRef idx="1">
+              <a:schemeClr val="accent1"/>
+            </a:lnRef>
+            <a:fillRef idx="0">
+              <a:schemeClr val="accent1"/>
+            </a:fillRef>
+            <a:effectRef idx="0">
+              <a:schemeClr val="accent1"/>
+            </a:effectRef>
+            <a:fontRef idx="minor">
+              <a:schemeClr val="tx1"/>
+            </a:fontRef>
+          </p:style>
+        </p:cxnSp>
+        <p:sp>
+          <p:nvSpPr>
+            <p:cNvPr id="46" name="矩形 45"/>
+            <p:cNvSpPr/>
+            <p:nvPr/>
+          </p:nvSpPr>
+          <p:spPr>
+            <a:xfrm>
+              <a:off x="357158" y="1500174"/>
+              <a:ext cx="1143008" cy="428628"/>
+            </a:xfrm>
+            <a:prstGeom prst="rect">
+              <a:avLst/>
+            </a:prstGeom>
+            <a:solidFill>
+              <a:schemeClr val="tx2">
+                <a:lumMod val="60000"/>
+                <a:lumOff val="40000"/>
+              </a:schemeClr>
+            </a:solidFill>
+          </p:spPr>
+          <p:style>
+            <a:lnRef idx="1">
+              <a:schemeClr val="accent1"/>
+            </a:lnRef>
+            <a:fillRef idx="3">
+              <a:schemeClr val="accent1"/>
+            </a:fillRef>
+            <a:effectRef idx="2">
+              <a:schemeClr val="accent1"/>
+            </a:effectRef>
+            <a:fontRef idx="minor">
+              <a:schemeClr val="lt1"/>
+            </a:fontRef>
+          </p:style>
+          <p:txBody>
+            <a:bodyPr rtlCol="0" anchor="ctr"/>
+            <a:lstStyle/>
+            <a:p>
+              <a:pPr algn="ctr"/>
+              <a:r>
+                <a:rPr lang="en-US" altLang="zh-CN" dirty="0" smtClean="0"/>
+                <a:t>vote</a:t>
+              </a:r>
+              <a:endParaRPr lang="zh-CN" altLang="en-US" dirty="0"/>
+            </a:p>
+          </p:txBody>
+        </p:sp>
+        <p:sp>
+          <p:nvSpPr>
+            <p:cNvPr id="47" name="矩形 46"/>
+            <p:cNvSpPr/>
+            <p:nvPr/>
+          </p:nvSpPr>
+          <p:spPr>
+            <a:xfrm>
+              <a:off x="357158" y="2143116"/>
+              <a:ext cx="1143008" cy="428628"/>
+            </a:xfrm>
+            <a:prstGeom prst="rect">
+              <a:avLst/>
+            </a:prstGeom>
+            <a:solidFill>
+              <a:schemeClr val="tx2">
+                <a:lumMod val="60000"/>
+                <a:lumOff val="40000"/>
+              </a:schemeClr>
+            </a:solidFill>
+          </p:spPr>
+          <p:style>
+            <a:lnRef idx="1">
+              <a:schemeClr val="accent1"/>
+            </a:lnRef>
+            <a:fillRef idx="3">
+              <a:schemeClr val="accent1"/>
+            </a:fillRef>
+            <a:effectRef idx="2">
+              <a:schemeClr val="accent1"/>
+            </a:effectRef>
+            <a:fontRef idx="minor">
+              <a:schemeClr val="lt1"/>
+            </a:fontRef>
+          </p:style>
+          <p:txBody>
+            <a:bodyPr rtlCol="0" anchor="ctr"/>
+            <a:lstStyle/>
+            <a:p>
+              <a:pPr algn="ctr"/>
+              <a:r>
+                <a:rPr lang="en-US" altLang="zh-CN" dirty="0" smtClean="0"/>
+                <a:t>search</a:t>
+              </a:r>
+              <a:endParaRPr lang="zh-CN" altLang="en-US" dirty="0"/>
+            </a:p>
+          </p:txBody>
+        </p:sp>
+        <p:sp>
+          <p:nvSpPr>
+            <p:cNvPr id="48" name="矩形 47"/>
+            <p:cNvSpPr/>
+            <p:nvPr/>
+          </p:nvSpPr>
+          <p:spPr>
+            <a:xfrm>
+              <a:off x="357158" y="2786058"/>
+              <a:ext cx="1143008" cy="428628"/>
+            </a:xfrm>
+            <a:prstGeom prst="rect">
+              <a:avLst/>
+            </a:prstGeom>
+            <a:solidFill>
+              <a:schemeClr val="tx2">
+                <a:lumMod val="60000"/>
+                <a:lumOff val="40000"/>
+              </a:schemeClr>
+            </a:solidFill>
+          </p:spPr>
+          <p:style>
+            <a:lnRef idx="1">
+              <a:schemeClr val="accent1"/>
+            </a:lnRef>
+            <a:fillRef idx="3">
+              <a:schemeClr val="accent1"/>
+            </a:fillRef>
+            <a:effectRef idx="2">
+              <a:schemeClr val="accent1"/>
+            </a:effectRef>
+            <a:fontRef idx="minor">
+              <a:schemeClr val="lt1"/>
+            </a:fontRef>
+          </p:style>
+          <p:txBody>
+            <a:bodyPr rtlCol="0" anchor="ctr"/>
+            <a:lstStyle/>
+            <a:p>
+              <a:pPr algn="ctr"/>
+              <a:r>
+                <a:rPr lang="en-US" altLang="zh-CN" dirty="0" smtClean="0"/>
+                <a:t>comment</a:t>
+              </a:r>
+              <a:endParaRPr lang="zh-CN" altLang="en-US" dirty="0"/>
+            </a:p>
+          </p:txBody>
+        </p:sp>
+        <p:cxnSp>
+          <p:nvCxnSpPr>
+            <p:cNvPr id="50" name="肘形连接符 49"/>
+            <p:cNvCxnSpPr>
+              <a:stCxn id="3" idx="2"/>
+              <a:endCxn id="46" idx="3"/>
+            </p:cNvCxnSpPr>
+            <p:nvPr/>
+          </p:nvCxnSpPr>
+          <p:spPr>
+            <a:xfrm rot="10800000">
+              <a:off x="1500166" y="1714488"/>
+              <a:ext cx="571504" cy="285752"/>
+            </a:xfrm>
+            <a:prstGeom prst="bentConnector3">
+              <a:avLst>
+                <a:gd name="adj1" fmla="val 50000"/>
+              </a:avLst>
+            </a:prstGeom>
+            <a:ln>
+              <a:prstDash val="dash"/>
+              <a:tailEnd type="arrow"/>
+            </a:ln>
+          </p:spPr>
+          <p:style>
+            <a:lnRef idx="1">
+              <a:schemeClr val="accent1"/>
+            </a:lnRef>
+            <a:fillRef idx="0">
+              <a:schemeClr val="accent1"/>
+            </a:fillRef>
+            <a:effectRef idx="0">
+              <a:schemeClr val="accent1"/>
+            </a:effectRef>
+            <a:fontRef idx="minor">
+              <a:schemeClr val="tx1"/>
+            </a:fontRef>
+          </p:style>
+        </p:cxnSp>
+        <p:cxnSp>
+          <p:nvCxnSpPr>
+            <p:cNvPr id="52" name="肘形连接符 51"/>
+            <p:cNvCxnSpPr>
+              <a:stCxn id="3" idx="2"/>
+              <a:endCxn id="47" idx="3"/>
+            </p:cNvCxnSpPr>
+            <p:nvPr/>
+          </p:nvCxnSpPr>
+          <p:spPr>
+            <a:xfrm rot="10800000" flipV="1">
+              <a:off x="1500166" y="2000240"/>
+              <a:ext cx="571504" cy="357190"/>
+            </a:xfrm>
+            <a:prstGeom prst="bentConnector3">
+              <a:avLst>
+                <a:gd name="adj1" fmla="val 50000"/>
+              </a:avLst>
+            </a:prstGeom>
+            <a:ln>
+              <a:prstDash val="dash"/>
+              <a:tailEnd type="arrow"/>
+            </a:ln>
+          </p:spPr>
+          <p:style>
+            <a:lnRef idx="1">
+              <a:schemeClr val="accent1"/>
+            </a:lnRef>
+            <a:fillRef idx="0">
+              <a:schemeClr val="accent1"/>
+            </a:fillRef>
+            <a:effectRef idx="0">
+              <a:schemeClr val="accent1"/>
+            </a:effectRef>
+            <a:fontRef idx="minor">
+              <a:schemeClr val="tx1"/>
+            </a:fontRef>
+          </p:style>
+        </p:cxnSp>
+        <p:cxnSp>
+          <p:nvCxnSpPr>
+            <p:cNvPr id="54" name="肘形连接符 53"/>
+            <p:cNvCxnSpPr>
+              <a:stCxn id="3" idx="2"/>
+              <a:endCxn id="48" idx="3"/>
+            </p:cNvCxnSpPr>
+            <p:nvPr/>
+          </p:nvCxnSpPr>
+          <p:spPr>
+            <a:xfrm rot="10800000" flipV="1">
+              <a:off x="1500166" y="2000240"/>
+              <a:ext cx="571504" cy="1000132"/>
+            </a:xfrm>
+            <a:prstGeom prst="bentConnector3">
+              <a:avLst>
+                <a:gd name="adj1" fmla="val 50000"/>
+              </a:avLst>
+            </a:prstGeom>
+            <a:ln>
+              <a:prstDash val="dash"/>
+              <a:tailEnd type="arrow"/>
+            </a:ln>
+          </p:spPr>
+          <p:style>
+            <a:lnRef idx="1">
+              <a:schemeClr val="accent1"/>
+            </a:lnRef>
+            <a:fillRef idx="0">
+              <a:schemeClr val="accent1"/>
+            </a:fillRef>
+            <a:effectRef idx="0">
+              <a:schemeClr val="accent1"/>
+            </a:effectRef>
+            <a:fontRef idx="minor">
+              <a:schemeClr val="tx1"/>
+            </a:fontRef>
+          </p:style>
+        </p:cxnSp>
+      </p:grpSp>
     </p:spTree>
   </p:cSld>
   <p:clrMapOvr>
